--- a/assets/lectures/cshl/2019/mini/RNASeq_MiniLecture_01_02_Indexing.pptx
+++ b/assets/lectures/cshl/2019/mini/RNASeq_MiniLecture_01_02_Indexing.pptx
@@ -202,7 +202,7 @@
           <a:p>
             <a:fld id="{827BD9F9-8452-A342-BB1B-28ECF19E2CC5}" type="datetimeFigureOut">
               <a:rPr lang="en-US" smtClean="0"/>
-              <a:t>11/5/19</a:t>
+              <a:t>11/9/19</a:t>
             </a:fld>
             <a:endParaRPr lang="en-US"/>
           </a:p>
@@ -810,14 +810,14 @@
           </a:ln>
           <a:extLst>
             <a:ext uri="{909E8E84-426E-40dd-AFC4-6F175D3DCCD1}">
-              <a14:hiddenFill xmlns="" xmlns:a14="http://schemas.microsoft.com/office/drawing/2010/main">
+              <a14:hiddenFill xmlns:a14="http://schemas.microsoft.com/office/drawing/2010/main" xmlns="">
                 <a:solidFill>
                   <a:srgbClr val="FFFFFF"/>
                 </a:solidFill>
               </a14:hiddenFill>
             </a:ext>
             <a:ext uri="{91240B29-F687-4f45-9708-019B960494DF}">
-              <a14:hiddenLine xmlns="" xmlns:a14="http://schemas.microsoft.com/office/drawing/2010/main" w="9525">
+              <a14:hiddenLine xmlns:a14="http://schemas.microsoft.com/office/drawing/2010/main" xmlns="" w="9525">
                 <a:solidFill>
                   <a:srgbClr val="000000"/>
                 </a:solidFill>
@@ -1708,14 +1708,14 @@
           </a:ln>
           <a:extLst>
             <a:ext uri="{909E8E84-426E-40dd-AFC4-6F175D3DCCD1}">
-              <a14:hiddenFill xmlns="" xmlns:a14="http://schemas.microsoft.com/office/drawing/2010/main">
+              <a14:hiddenFill xmlns:a14="http://schemas.microsoft.com/office/drawing/2010/main" xmlns="">
                 <a:solidFill>
                   <a:srgbClr val="FFFFFF"/>
                 </a:solidFill>
               </a14:hiddenFill>
             </a:ext>
             <a:ext uri="{91240B29-F687-4f45-9708-019B960494DF}">
-              <a14:hiddenLine xmlns="" xmlns:a14="http://schemas.microsoft.com/office/drawing/2010/main" w="9525">
+              <a14:hiddenLine xmlns:a14="http://schemas.microsoft.com/office/drawing/2010/main" xmlns="" w="9525">
                 <a:solidFill>
                   <a:srgbClr val="000000"/>
                 </a:solidFill>
@@ -3712,14 +3712,14 @@
           </a:ln>
           <a:extLst>
             <a:ext uri="{909E8E84-426E-40dd-AFC4-6F175D3DCCD1}">
-              <a14:hiddenFill xmlns="" xmlns:a14="http://schemas.microsoft.com/office/drawing/2010/main">
+              <a14:hiddenFill xmlns:a14="http://schemas.microsoft.com/office/drawing/2010/main" xmlns="">
                 <a:solidFill>
                   <a:srgbClr val="FFFFFF"/>
                 </a:solidFill>
               </a14:hiddenFill>
             </a:ext>
             <a:ext uri="{91240B29-F687-4f45-9708-019B960494DF}">
-              <a14:hiddenLine xmlns="" xmlns:a14="http://schemas.microsoft.com/office/drawing/2010/main" w="9525">
+              <a14:hiddenLine xmlns:a14="http://schemas.microsoft.com/office/drawing/2010/main" xmlns="" w="9525">
                 <a:solidFill>
                   <a:srgbClr val="000000"/>
                 </a:solidFill>
@@ -4422,14 +4422,14 @@
           </a:ln>
           <a:extLst>
             <a:ext uri="{909E8E84-426E-40dd-AFC4-6F175D3DCCD1}">
-              <a14:hiddenFill xmlns="" xmlns:a14="http://schemas.microsoft.com/office/drawing/2010/main">
+              <a14:hiddenFill xmlns:a14="http://schemas.microsoft.com/office/drawing/2010/main" xmlns="">
                 <a:solidFill>
                   <a:srgbClr val="FFFFFF"/>
                 </a:solidFill>
               </a14:hiddenFill>
             </a:ext>
             <a:ext uri="{91240B29-F687-4f45-9708-019B960494DF}">
-              <a14:hiddenLine xmlns="" xmlns:a14="http://schemas.microsoft.com/office/drawing/2010/main" w="9525">
+              <a14:hiddenLine xmlns:a14="http://schemas.microsoft.com/office/drawing/2010/main" xmlns="" w="9525">
                 <a:solidFill>
                   <a:srgbClr val="000000"/>
                 </a:solidFill>
@@ -4527,7 +4527,17 @@
                 <a:latin typeface="Calibri" charset="0"/>
                 <a:cs typeface="Segoe UI" charset="0"/>
               </a:rPr>
-              <a:t>RNA-Seq Module 2</a:t>
+              <a:t>RNA-Seq </a:t>
+            </a:r>
+            <a:r>
+              <a:rPr lang="en-US" sz="3600">
+                <a:solidFill>
+                  <a:schemeClr val="bg1"/>
+                </a:solidFill>
+                <a:latin typeface="Calibri" charset="0"/>
+                <a:cs typeface="Segoe UI" charset="0"/>
+              </a:rPr>
+              <a:t>Module 1</a:t>
             </a:r>
             <a:br>
               <a:rPr lang="en-US" sz="3600" dirty="0">

--- a/assets/lectures/cshl/2019/mini/RNASeq_MiniLecture_01_02_Indexing.pptx
+++ b/assets/lectures/cshl/2019/mini/RNASeq_MiniLecture_01_02_Indexing.pptx
@@ -810,14 +810,14 @@
           </a:ln>
           <a:extLst>
             <a:ext uri="{909E8E84-426E-40dd-AFC4-6F175D3DCCD1}">
-              <a14:hiddenFill xmlns:a14="http://schemas.microsoft.com/office/drawing/2010/main" xmlns="">
+              <a14:hiddenFill xmlns="" xmlns:a14="http://schemas.microsoft.com/office/drawing/2010/main">
                 <a:solidFill>
                   <a:srgbClr val="FFFFFF"/>
                 </a:solidFill>
               </a14:hiddenFill>
             </a:ext>
             <a:ext uri="{91240B29-F687-4f45-9708-019B960494DF}">
-              <a14:hiddenLine xmlns:a14="http://schemas.microsoft.com/office/drawing/2010/main" xmlns="" w="9525">
+              <a14:hiddenLine xmlns="" xmlns:a14="http://schemas.microsoft.com/office/drawing/2010/main" w="9525">
                 <a:solidFill>
                   <a:srgbClr val="000000"/>
                 </a:solidFill>
@@ -1708,14 +1708,14 @@
           </a:ln>
           <a:extLst>
             <a:ext uri="{909E8E84-426E-40dd-AFC4-6F175D3DCCD1}">
-              <a14:hiddenFill xmlns:a14="http://schemas.microsoft.com/office/drawing/2010/main" xmlns="">
+              <a14:hiddenFill xmlns="" xmlns:a14="http://schemas.microsoft.com/office/drawing/2010/main">
                 <a:solidFill>
                   <a:srgbClr val="FFFFFF"/>
                 </a:solidFill>
               </a14:hiddenFill>
             </a:ext>
             <a:ext uri="{91240B29-F687-4f45-9708-019B960494DF}">
-              <a14:hiddenLine xmlns:a14="http://schemas.microsoft.com/office/drawing/2010/main" xmlns="" w="9525">
+              <a14:hiddenLine xmlns="" xmlns:a14="http://schemas.microsoft.com/office/drawing/2010/main" w="9525">
                 <a:solidFill>
                   <a:srgbClr val="000000"/>
                 </a:solidFill>
@@ -3712,14 +3712,14 @@
           </a:ln>
           <a:extLst>
             <a:ext uri="{909E8E84-426E-40dd-AFC4-6F175D3DCCD1}">
-              <a14:hiddenFill xmlns:a14="http://schemas.microsoft.com/office/drawing/2010/main" xmlns="">
+              <a14:hiddenFill xmlns="" xmlns:a14="http://schemas.microsoft.com/office/drawing/2010/main">
                 <a:solidFill>
                   <a:srgbClr val="FFFFFF"/>
                 </a:solidFill>
               </a14:hiddenFill>
             </a:ext>
             <a:ext uri="{91240B29-F687-4f45-9708-019B960494DF}">
-              <a14:hiddenLine xmlns:a14="http://schemas.microsoft.com/office/drawing/2010/main" xmlns="" w="9525">
+              <a14:hiddenLine xmlns="" xmlns:a14="http://schemas.microsoft.com/office/drawing/2010/main" w="9525">
                 <a:solidFill>
                   <a:srgbClr val="000000"/>
                 </a:solidFill>
@@ -3854,7 +3854,7 @@
                 <a:latin typeface="Calibri" charset="0"/>
                 <a:cs typeface="Calibri" charset="0"/>
               </a:rPr>
-              <a:t>Module 2</a:t>
+              <a:t>Module 1</a:t>
             </a:r>
           </a:p>
         </p:txBody>
@@ -4422,14 +4422,14 @@
           </a:ln>
           <a:extLst>
             <a:ext uri="{909E8E84-426E-40dd-AFC4-6F175D3DCCD1}">
-              <a14:hiddenFill xmlns:a14="http://schemas.microsoft.com/office/drawing/2010/main" xmlns="">
+              <a14:hiddenFill xmlns="" xmlns:a14="http://schemas.microsoft.com/office/drawing/2010/main">
                 <a:solidFill>
                   <a:srgbClr val="FFFFFF"/>
                 </a:solidFill>
               </a14:hiddenFill>
             </a:ext>
             <a:ext uri="{91240B29-F687-4f45-9708-019B960494DF}">
-              <a14:hiddenLine xmlns:a14="http://schemas.microsoft.com/office/drawing/2010/main" xmlns="" w="9525">
+              <a14:hiddenLine xmlns="" xmlns:a14="http://schemas.microsoft.com/office/drawing/2010/main" w="9525">
                 <a:solidFill>
                   <a:srgbClr val="000000"/>
                 </a:solidFill>

--- a/assets/lectures/cshl/2019/mini/RNASeq_MiniLecture_01_02_Indexing.pptx
+++ b/assets/lectures/cshl/2019/mini/RNASeq_MiniLecture_01_02_Indexing.pptx
@@ -202,7 +202,7 @@
           <a:p>
             <a:fld id="{827BD9F9-8452-A342-BB1B-28ECF19E2CC5}" type="datetimeFigureOut">
               <a:rPr lang="en-US" smtClean="0"/>
-              <a:t>11/9/19</a:t>
+              <a:t>11/10/19</a:t>
             </a:fld>
             <a:endParaRPr lang="en-US"/>
           </a:p>
@@ -771,10 +771,10 @@
       </p:sp>
       <p:pic>
         <p:nvPicPr>
-          <p:cNvPr id="8" name="Picture 7" descr="bioinformatics.ca-logo-white-text.png">
-            <a:extLst>
-              <a:ext uri="{FF2B5EF4-FFF2-40B4-BE49-F238E27FC236}">
-                <a16:creationId xmlns:a16="http://schemas.microsoft.com/office/drawing/2014/main" id="{9874B523-0CD5-BC4D-B685-3BCCBF624BF4}"/>
+          <p:cNvPr id="9" name="Picture 7" descr="cshl_logo_alternate rgb.png">
+            <a:extLst>
+              <a:ext uri="{FF2B5EF4-FFF2-40B4-BE49-F238E27FC236}">
+                <a16:creationId xmlns:a16="http://schemas.microsoft.com/office/drawing/2014/main" id="{78956A2E-8727-3E46-AC8F-ADA5F1318037}"/>
               </a:ext>
             </a:extLst>
           </p:cNvPr>
@@ -798,8 +798,8 @@
         </p:blipFill>
         <p:spPr bwMode="auto">
           <a:xfrm>
-            <a:off x="76200" y="1656599"/>
-            <a:ext cx="1729740" cy="727826"/>
+            <a:off x="300038" y="381000"/>
+            <a:ext cx="3509962" cy="1676400"/>
           </a:xfrm>
           <a:prstGeom prst="rect">
             <a:avLst/>
@@ -1142,7 +1142,7 @@
 
 <file path=ppt/slideLayouts/slideLayout12.xml><?xml version="1.0" encoding="utf-8"?>
 <p:sldLayout xmlns:a="http://schemas.openxmlformats.org/drawingml/2006/main" xmlns:r="http://schemas.openxmlformats.org/officeDocument/2006/relationships" xmlns:p="http://schemas.openxmlformats.org/presentationml/2006/main" userDrawn="1">
-  <p:cSld name="Content">
+  <p:cSld name="Title">
     <p:spTree>
       <p:nvGrpSpPr>
         <p:cNvPr id="1" name=""/>
@@ -1159,20 +1159,20 @@
       </p:grpSpPr>
       <p:sp>
         <p:nvSpPr>
-          <p:cNvPr id="4" name="Rectangle 3"/>
+          <p:cNvPr id="2" name="Rectangle 1"/>
           <p:cNvSpPr/>
           <p:nvPr userDrawn="1"/>
         </p:nvSpPr>
         <p:spPr>
           <a:xfrm>
-            <a:off x="0" y="6400800"/>
-            <a:ext cx="12192000" cy="457200"/>
+            <a:off x="0" y="0"/>
+            <a:ext cx="12192000" cy="2514600"/>
           </a:xfrm>
           <a:prstGeom prst="rect">
             <a:avLst/>
           </a:prstGeom>
           <a:solidFill>
-            <a:srgbClr val="CA0000"/>
+            <a:schemeClr val="tx1"/>
           </a:solidFill>
           <a:ln>
             <a:noFill/>
@@ -1201,7 +1201,7 @@
             <a:pPr algn="ctr">
               <a:defRPr/>
             </a:pPr>
-            <a:endParaRPr lang="en-US" sz="1800">
+            <a:endParaRPr lang="en-US" sz="1350">
               <a:solidFill>
                 <a:srgbClr val="FFFFFF"/>
               </a:solidFill>
@@ -1212,16 +1212,2214 @@
           </a:p>
         </p:txBody>
       </p:sp>
-      <p:sp>
-        <p:nvSpPr>
-          <p:cNvPr id="5" name="TextBox 4"/>
+      <p:pic>
+        <p:nvPicPr>
+          <p:cNvPr id="4" name="Picture 7" descr="cshl_logo_alternate rgb.png">
+            <a:extLst>
+              <a:ext uri="{FF2B5EF4-FFF2-40B4-BE49-F238E27FC236}">
+                <a16:creationId xmlns:a16="http://schemas.microsoft.com/office/drawing/2014/main" id="{929A3A50-ED0B-A542-97A7-041FA09A7712}"/>
+              </a:ext>
+            </a:extLst>
+          </p:cNvPr>
+          <p:cNvPicPr>
+            <a:picLocks noChangeAspect="1"/>
+          </p:cNvPicPr>
+          <p:nvPr userDrawn="1"/>
+        </p:nvPicPr>
+        <p:blipFill>
+          <a:blip r:embed="rId2">
+            <a:extLst>
+              <a:ext uri="{28A0092B-C50C-407E-A947-70E740481C1C}">
+                <a14:useLocalDpi xmlns:a14="http://schemas.microsoft.com/office/drawing/2010/main" val="0"/>
+              </a:ext>
+            </a:extLst>
+          </a:blip>
+          <a:srcRect/>
+          <a:stretch>
+            <a:fillRect/>
+          </a:stretch>
+        </p:blipFill>
+        <p:spPr bwMode="auto">
+          <a:xfrm>
+            <a:off x="300038" y="381000"/>
+            <a:ext cx="3509962" cy="1676400"/>
+          </a:xfrm>
+          <a:prstGeom prst="rect">
+            <a:avLst/>
+          </a:prstGeom>
+          <a:noFill/>
+          <a:ln>
+            <a:noFill/>
+          </a:ln>
+          <a:extLst>
+            <a:ext uri="{909E8E84-426E-40dd-AFC4-6F175D3DCCD1}">
+              <a14:hiddenFill xmlns="" xmlns:a14="http://schemas.microsoft.com/office/drawing/2010/main">
+                <a:solidFill>
+                  <a:srgbClr val="FFFFFF"/>
+                </a:solidFill>
+              </a14:hiddenFill>
+            </a:ext>
+            <a:ext uri="{91240B29-F687-4f45-9708-019B960494DF}">
+              <a14:hiddenLine xmlns="" xmlns:a14="http://schemas.microsoft.com/office/drawing/2010/main" w="9525">
+                <a:solidFill>
+                  <a:srgbClr val="000000"/>
+                </a:solidFill>
+                <a:miter lim="800000"/>
+                <a:headEnd/>
+                <a:tailEnd/>
+              </a14:hiddenLine>
+            </a:ext>
+          </a:extLst>
+        </p:spPr>
+      </p:pic>
+    </p:spTree>
+    <p:extLst>
+      <p:ext uri="{BB962C8B-B14F-4D97-AF65-F5344CB8AC3E}">
+        <p14:creationId xmlns:p14="http://schemas.microsoft.com/office/powerpoint/2010/main" val="3451094123"/>
+      </p:ext>
+    </p:extLst>
+  </p:cSld>
+  <p:clrMapOvr>
+    <a:masterClrMapping/>
+  </p:clrMapOvr>
+</p:sldLayout>
+</file>
+
+<file path=ppt/slideLayouts/slideLayout2.xml><?xml version="1.0" encoding="utf-8"?>
+<p:sldLayout xmlns:a="http://schemas.openxmlformats.org/drawingml/2006/main" xmlns:r="http://schemas.openxmlformats.org/officeDocument/2006/relationships" xmlns:p="http://schemas.openxmlformats.org/presentationml/2006/main" type="obj" preserve="1">
+  <p:cSld name="Title and Content">
+    <p:spTree>
+      <p:nvGrpSpPr>
+        <p:cNvPr id="1" name=""/>
+        <p:cNvGrpSpPr/>
+        <p:nvPr/>
+      </p:nvGrpSpPr>
+      <p:grpSpPr>
+        <a:xfrm>
+          <a:off x="0" y="0"/>
+          <a:ext cx="0" cy="0"/>
+          <a:chOff x="0" y="0"/>
+          <a:chExt cx="0" cy="0"/>
+        </a:xfrm>
+      </p:grpSpPr>
+      <p:sp>
+        <p:nvSpPr>
+          <p:cNvPr id="2" name="Title 1">
+            <a:extLst>
+              <a:ext uri="{FF2B5EF4-FFF2-40B4-BE49-F238E27FC236}">
+                <a16:creationId xmlns:a16="http://schemas.microsoft.com/office/drawing/2014/main" id="{26204983-FF57-3A4F-A50C-F9933F0EF3B0}"/>
+              </a:ext>
+            </a:extLst>
+          </p:cNvPr>
+          <p:cNvSpPr>
+            <a:spLocks noGrp="1"/>
+          </p:cNvSpPr>
+          <p:nvPr>
+            <p:ph type="title"/>
+          </p:nvPr>
+        </p:nvSpPr>
+        <p:spPr/>
+        <p:txBody>
+          <a:bodyPr/>
+          <a:lstStyle/>
+          <a:p>
+            <a:r>
+              <a:rPr lang="en-US"/>
+              <a:t>Click to edit Master title style</a:t>
+            </a:r>
+          </a:p>
+        </p:txBody>
+      </p:sp>
+      <p:sp>
+        <p:nvSpPr>
+          <p:cNvPr id="3" name="Content Placeholder 2">
+            <a:extLst>
+              <a:ext uri="{FF2B5EF4-FFF2-40B4-BE49-F238E27FC236}">
+                <a16:creationId xmlns:a16="http://schemas.microsoft.com/office/drawing/2014/main" id="{E8B265CB-057E-5147-B720-C8DDCC860D47}"/>
+              </a:ext>
+            </a:extLst>
+          </p:cNvPr>
+          <p:cNvSpPr>
+            <a:spLocks noGrp="1"/>
+          </p:cNvSpPr>
+          <p:nvPr>
+            <p:ph idx="1"/>
+          </p:nvPr>
+        </p:nvSpPr>
+        <p:spPr/>
+        <p:txBody>
+          <a:bodyPr/>
+          <a:lstStyle/>
+          <a:p>
+            <a:pPr lvl="0"/>
+            <a:r>
+              <a:rPr lang="en-US"/>
+              <a:t>Edit Master text styles</a:t>
+            </a:r>
+          </a:p>
+          <a:p>
+            <a:pPr lvl="1"/>
+            <a:r>
+              <a:rPr lang="en-US"/>
+              <a:t>Second level</a:t>
+            </a:r>
+          </a:p>
+          <a:p>
+            <a:pPr lvl="2"/>
+            <a:r>
+              <a:rPr lang="en-US"/>
+              <a:t>Third level</a:t>
+            </a:r>
+          </a:p>
+          <a:p>
+            <a:pPr lvl="3"/>
+            <a:r>
+              <a:rPr lang="en-US"/>
+              <a:t>Fourth level</a:t>
+            </a:r>
+          </a:p>
+          <a:p>
+            <a:pPr lvl="4"/>
+            <a:r>
+              <a:rPr lang="en-US"/>
+              <a:t>Fifth level</a:t>
+            </a:r>
+          </a:p>
+        </p:txBody>
+      </p:sp>
+      <p:sp>
+        <p:nvSpPr>
+          <p:cNvPr id="6" name="Slide Number Placeholder 5">
+            <a:extLst>
+              <a:ext uri="{FF2B5EF4-FFF2-40B4-BE49-F238E27FC236}">
+                <a16:creationId xmlns:a16="http://schemas.microsoft.com/office/drawing/2014/main" id="{BBA7E5F7-C396-4941-BBC4-7BEAF927C071}"/>
+              </a:ext>
+            </a:extLst>
+          </p:cNvPr>
+          <p:cNvSpPr>
+            <a:spLocks noGrp="1"/>
+          </p:cNvSpPr>
+          <p:nvPr>
+            <p:ph type="sldNum" sz="quarter" idx="12"/>
+          </p:nvPr>
+        </p:nvSpPr>
+        <p:spPr/>
+        <p:txBody>
+          <a:bodyPr/>
+          <a:lstStyle/>
+          <a:p>
+            <a:fld id="{0B973F48-4628-F846-BA33-DDE653D83577}" type="slidenum">
+              <a:rPr lang="en-US" smtClean="0"/>
+              <a:t>‹#›</a:t>
+            </a:fld>
+            <a:endParaRPr lang="en-US"/>
+          </a:p>
+        </p:txBody>
+      </p:sp>
+    </p:spTree>
+    <p:extLst>
+      <p:ext uri="{BB962C8B-B14F-4D97-AF65-F5344CB8AC3E}">
+        <p14:creationId xmlns:p14="http://schemas.microsoft.com/office/powerpoint/2010/main" val="1952203419"/>
+      </p:ext>
+    </p:extLst>
+  </p:cSld>
+  <p:clrMapOvr>
+    <a:masterClrMapping/>
+  </p:clrMapOvr>
+</p:sldLayout>
+</file>
+
+<file path=ppt/slideLayouts/slideLayout3.xml><?xml version="1.0" encoding="utf-8"?>
+<p:sldLayout xmlns:a="http://schemas.openxmlformats.org/drawingml/2006/main" xmlns:r="http://schemas.openxmlformats.org/officeDocument/2006/relationships" xmlns:p="http://schemas.openxmlformats.org/presentationml/2006/main" type="secHead" preserve="1">
+  <p:cSld name="Section Header">
+    <p:spTree>
+      <p:nvGrpSpPr>
+        <p:cNvPr id="1" name=""/>
+        <p:cNvGrpSpPr/>
+        <p:nvPr/>
+      </p:nvGrpSpPr>
+      <p:grpSpPr>
+        <a:xfrm>
+          <a:off x="0" y="0"/>
+          <a:ext cx="0" cy="0"/>
+          <a:chOff x="0" y="0"/>
+          <a:chExt cx="0" cy="0"/>
+        </a:xfrm>
+      </p:grpSpPr>
+      <p:sp>
+        <p:nvSpPr>
+          <p:cNvPr id="2" name="Title 1">
+            <a:extLst>
+              <a:ext uri="{FF2B5EF4-FFF2-40B4-BE49-F238E27FC236}">
+                <a16:creationId xmlns:a16="http://schemas.microsoft.com/office/drawing/2014/main" id="{A7D0A621-739C-C746-8F29-9D6CFEEA4FAE}"/>
+              </a:ext>
+            </a:extLst>
+          </p:cNvPr>
+          <p:cNvSpPr>
+            <a:spLocks noGrp="1"/>
+          </p:cNvSpPr>
+          <p:nvPr>
+            <p:ph type="title"/>
+          </p:nvPr>
+        </p:nvSpPr>
+        <p:spPr>
+          <a:xfrm>
+            <a:off x="831850" y="1709738"/>
+            <a:ext cx="10515600" cy="2852737"/>
+          </a:xfrm>
+        </p:spPr>
+        <p:txBody>
+          <a:bodyPr anchor="b"/>
+          <a:lstStyle>
+            <a:lvl1pPr>
+              <a:defRPr sz="6000"/>
+            </a:lvl1pPr>
+          </a:lstStyle>
+          <a:p>
+            <a:r>
+              <a:rPr lang="en-US"/>
+              <a:t>Click to edit Master title style</a:t>
+            </a:r>
+          </a:p>
+        </p:txBody>
+      </p:sp>
+      <p:sp>
+        <p:nvSpPr>
+          <p:cNvPr id="3" name="Text Placeholder 2">
+            <a:extLst>
+              <a:ext uri="{FF2B5EF4-FFF2-40B4-BE49-F238E27FC236}">
+                <a16:creationId xmlns:a16="http://schemas.microsoft.com/office/drawing/2014/main" id="{34704B73-4058-7C40-98C2-4104D91876C2}"/>
+              </a:ext>
+            </a:extLst>
+          </p:cNvPr>
+          <p:cNvSpPr>
+            <a:spLocks noGrp="1"/>
+          </p:cNvSpPr>
+          <p:nvPr>
+            <p:ph type="body" idx="1"/>
+          </p:nvPr>
+        </p:nvSpPr>
+        <p:spPr>
+          <a:xfrm>
+            <a:off x="831850" y="4589463"/>
+            <a:ext cx="10515600" cy="1500187"/>
+          </a:xfrm>
+        </p:spPr>
+        <p:txBody>
+          <a:bodyPr/>
+          <a:lstStyle>
+            <a:lvl1pPr marL="0" indent="0">
+              <a:buNone/>
+              <a:defRPr sz="2400">
+                <a:solidFill>
+                  <a:schemeClr val="tx1">
+                    <a:tint val="75000"/>
+                  </a:schemeClr>
+                </a:solidFill>
+              </a:defRPr>
+            </a:lvl1pPr>
+            <a:lvl2pPr marL="457200" indent="0">
+              <a:buNone/>
+              <a:defRPr sz="2000">
+                <a:solidFill>
+                  <a:schemeClr val="tx1">
+                    <a:tint val="75000"/>
+                  </a:schemeClr>
+                </a:solidFill>
+              </a:defRPr>
+            </a:lvl2pPr>
+            <a:lvl3pPr marL="914400" indent="0">
+              <a:buNone/>
+              <a:defRPr sz="1800">
+                <a:solidFill>
+                  <a:schemeClr val="tx1">
+                    <a:tint val="75000"/>
+                  </a:schemeClr>
+                </a:solidFill>
+              </a:defRPr>
+            </a:lvl3pPr>
+            <a:lvl4pPr marL="1371600" indent="0">
+              <a:buNone/>
+              <a:defRPr sz="1600">
+                <a:solidFill>
+                  <a:schemeClr val="tx1">
+                    <a:tint val="75000"/>
+                  </a:schemeClr>
+                </a:solidFill>
+              </a:defRPr>
+            </a:lvl4pPr>
+            <a:lvl5pPr marL="1828800" indent="0">
+              <a:buNone/>
+              <a:defRPr sz="1600">
+                <a:solidFill>
+                  <a:schemeClr val="tx1">
+                    <a:tint val="75000"/>
+                  </a:schemeClr>
+                </a:solidFill>
+              </a:defRPr>
+            </a:lvl5pPr>
+            <a:lvl6pPr marL="2286000" indent="0">
+              <a:buNone/>
+              <a:defRPr sz="1600">
+                <a:solidFill>
+                  <a:schemeClr val="tx1">
+                    <a:tint val="75000"/>
+                  </a:schemeClr>
+                </a:solidFill>
+              </a:defRPr>
+            </a:lvl6pPr>
+            <a:lvl7pPr marL="2743200" indent="0">
+              <a:buNone/>
+              <a:defRPr sz="1600">
+                <a:solidFill>
+                  <a:schemeClr val="tx1">
+                    <a:tint val="75000"/>
+                  </a:schemeClr>
+                </a:solidFill>
+              </a:defRPr>
+            </a:lvl7pPr>
+            <a:lvl8pPr marL="3200400" indent="0">
+              <a:buNone/>
+              <a:defRPr sz="1600">
+                <a:solidFill>
+                  <a:schemeClr val="tx1">
+                    <a:tint val="75000"/>
+                  </a:schemeClr>
+                </a:solidFill>
+              </a:defRPr>
+            </a:lvl8pPr>
+            <a:lvl9pPr marL="3657600" indent="0">
+              <a:buNone/>
+              <a:defRPr sz="1600">
+                <a:solidFill>
+                  <a:schemeClr val="tx1">
+                    <a:tint val="75000"/>
+                  </a:schemeClr>
+                </a:solidFill>
+              </a:defRPr>
+            </a:lvl9pPr>
+          </a:lstStyle>
+          <a:p>
+            <a:pPr lvl="0"/>
+            <a:r>
+              <a:rPr lang="en-US"/>
+              <a:t>Edit Master text styles</a:t>
+            </a:r>
+          </a:p>
+        </p:txBody>
+      </p:sp>
+      <p:sp>
+        <p:nvSpPr>
+          <p:cNvPr id="6" name="Slide Number Placeholder 5">
+            <a:extLst>
+              <a:ext uri="{FF2B5EF4-FFF2-40B4-BE49-F238E27FC236}">
+                <a16:creationId xmlns:a16="http://schemas.microsoft.com/office/drawing/2014/main" id="{E5EEE93E-C8A1-354A-AF1E-19A5283E305A}"/>
+              </a:ext>
+            </a:extLst>
+          </p:cNvPr>
+          <p:cNvSpPr>
+            <a:spLocks noGrp="1"/>
+          </p:cNvSpPr>
+          <p:nvPr>
+            <p:ph type="sldNum" sz="quarter" idx="12"/>
+          </p:nvPr>
+        </p:nvSpPr>
+        <p:spPr/>
+        <p:txBody>
+          <a:bodyPr/>
+          <a:lstStyle/>
+          <a:p>
+            <a:fld id="{0B973F48-4628-F846-BA33-DDE653D83577}" type="slidenum">
+              <a:rPr lang="en-US" smtClean="0"/>
+              <a:t>‹#›</a:t>
+            </a:fld>
+            <a:endParaRPr lang="en-US"/>
+          </a:p>
+        </p:txBody>
+      </p:sp>
+    </p:spTree>
+    <p:extLst>
+      <p:ext uri="{BB962C8B-B14F-4D97-AF65-F5344CB8AC3E}">
+        <p14:creationId xmlns:p14="http://schemas.microsoft.com/office/powerpoint/2010/main" val="534873305"/>
+      </p:ext>
+    </p:extLst>
+  </p:cSld>
+  <p:clrMapOvr>
+    <a:masterClrMapping/>
+  </p:clrMapOvr>
+</p:sldLayout>
+</file>
+
+<file path=ppt/slideLayouts/slideLayout4.xml><?xml version="1.0" encoding="utf-8"?>
+<p:sldLayout xmlns:a="http://schemas.openxmlformats.org/drawingml/2006/main" xmlns:r="http://schemas.openxmlformats.org/officeDocument/2006/relationships" xmlns:p="http://schemas.openxmlformats.org/presentationml/2006/main" type="twoObj" preserve="1">
+  <p:cSld name="Two Content">
+    <p:spTree>
+      <p:nvGrpSpPr>
+        <p:cNvPr id="1" name=""/>
+        <p:cNvGrpSpPr/>
+        <p:nvPr/>
+      </p:nvGrpSpPr>
+      <p:grpSpPr>
+        <a:xfrm>
+          <a:off x="0" y="0"/>
+          <a:ext cx="0" cy="0"/>
+          <a:chOff x="0" y="0"/>
+          <a:chExt cx="0" cy="0"/>
+        </a:xfrm>
+      </p:grpSpPr>
+      <p:sp>
+        <p:nvSpPr>
+          <p:cNvPr id="2" name="Title 1">
+            <a:extLst>
+              <a:ext uri="{FF2B5EF4-FFF2-40B4-BE49-F238E27FC236}">
+                <a16:creationId xmlns:a16="http://schemas.microsoft.com/office/drawing/2014/main" id="{70ACA464-1AAB-3D41-837C-83C938183D29}"/>
+              </a:ext>
+            </a:extLst>
+          </p:cNvPr>
+          <p:cNvSpPr>
+            <a:spLocks noGrp="1"/>
+          </p:cNvSpPr>
+          <p:nvPr>
+            <p:ph type="title"/>
+          </p:nvPr>
+        </p:nvSpPr>
+        <p:spPr/>
+        <p:txBody>
+          <a:bodyPr/>
+          <a:lstStyle/>
+          <a:p>
+            <a:r>
+              <a:rPr lang="en-US"/>
+              <a:t>Click to edit Master title style</a:t>
+            </a:r>
+          </a:p>
+        </p:txBody>
+      </p:sp>
+      <p:sp>
+        <p:nvSpPr>
+          <p:cNvPr id="3" name="Content Placeholder 2">
+            <a:extLst>
+              <a:ext uri="{FF2B5EF4-FFF2-40B4-BE49-F238E27FC236}">
+                <a16:creationId xmlns:a16="http://schemas.microsoft.com/office/drawing/2014/main" id="{F3F2349E-5B0C-DE44-8CE1-77C14FC7025E}"/>
+              </a:ext>
+            </a:extLst>
+          </p:cNvPr>
+          <p:cNvSpPr>
+            <a:spLocks noGrp="1"/>
+          </p:cNvSpPr>
+          <p:nvPr>
+            <p:ph sz="half" idx="1"/>
+          </p:nvPr>
+        </p:nvSpPr>
+        <p:spPr>
+          <a:xfrm>
+            <a:off x="838200" y="1825625"/>
+            <a:ext cx="5181600" cy="4351338"/>
+          </a:xfrm>
+        </p:spPr>
+        <p:txBody>
+          <a:bodyPr/>
+          <a:lstStyle/>
+          <a:p>
+            <a:pPr lvl="0"/>
+            <a:r>
+              <a:rPr lang="en-US"/>
+              <a:t>Edit Master text styles</a:t>
+            </a:r>
+          </a:p>
+          <a:p>
+            <a:pPr lvl="1"/>
+            <a:r>
+              <a:rPr lang="en-US"/>
+              <a:t>Second level</a:t>
+            </a:r>
+          </a:p>
+          <a:p>
+            <a:pPr lvl="2"/>
+            <a:r>
+              <a:rPr lang="en-US"/>
+              <a:t>Third level</a:t>
+            </a:r>
+          </a:p>
+          <a:p>
+            <a:pPr lvl="3"/>
+            <a:r>
+              <a:rPr lang="en-US"/>
+              <a:t>Fourth level</a:t>
+            </a:r>
+          </a:p>
+          <a:p>
+            <a:pPr lvl="4"/>
+            <a:r>
+              <a:rPr lang="en-US"/>
+              <a:t>Fifth level</a:t>
+            </a:r>
+          </a:p>
+        </p:txBody>
+      </p:sp>
+      <p:sp>
+        <p:nvSpPr>
+          <p:cNvPr id="4" name="Content Placeholder 3">
+            <a:extLst>
+              <a:ext uri="{FF2B5EF4-FFF2-40B4-BE49-F238E27FC236}">
+                <a16:creationId xmlns:a16="http://schemas.microsoft.com/office/drawing/2014/main" id="{4C2FBEBA-F2A8-E642-B0D7-3148F7AC1B57}"/>
+              </a:ext>
+            </a:extLst>
+          </p:cNvPr>
+          <p:cNvSpPr>
+            <a:spLocks noGrp="1"/>
+          </p:cNvSpPr>
+          <p:nvPr>
+            <p:ph sz="half" idx="2"/>
+          </p:nvPr>
+        </p:nvSpPr>
+        <p:spPr>
+          <a:xfrm>
+            <a:off x="6172200" y="1825625"/>
+            <a:ext cx="5181600" cy="4351338"/>
+          </a:xfrm>
+        </p:spPr>
+        <p:txBody>
+          <a:bodyPr/>
+          <a:lstStyle/>
+          <a:p>
+            <a:pPr lvl="0"/>
+            <a:r>
+              <a:rPr lang="en-US"/>
+              <a:t>Edit Master text styles</a:t>
+            </a:r>
+          </a:p>
+          <a:p>
+            <a:pPr lvl="1"/>
+            <a:r>
+              <a:rPr lang="en-US"/>
+              <a:t>Second level</a:t>
+            </a:r>
+          </a:p>
+          <a:p>
+            <a:pPr lvl="2"/>
+            <a:r>
+              <a:rPr lang="en-US"/>
+              <a:t>Third level</a:t>
+            </a:r>
+          </a:p>
+          <a:p>
+            <a:pPr lvl="3"/>
+            <a:r>
+              <a:rPr lang="en-US"/>
+              <a:t>Fourth level</a:t>
+            </a:r>
+          </a:p>
+          <a:p>
+            <a:pPr lvl="4"/>
+            <a:r>
+              <a:rPr lang="en-US"/>
+              <a:t>Fifth level</a:t>
+            </a:r>
+          </a:p>
+        </p:txBody>
+      </p:sp>
+      <p:sp>
+        <p:nvSpPr>
+          <p:cNvPr id="7" name="Slide Number Placeholder 6">
+            <a:extLst>
+              <a:ext uri="{FF2B5EF4-FFF2-40B4-BE49-F238E27FC236}">
+                <a16:creationId xmlns:a16="http://schemas.microsoft.com/office/drawing/2014/main" id="{FB759064-C295-474C-91BC-B8179C14C201}"/>
+              </a:ext>
+            </a:extLst>
+          </p:cNvPr>
+          <p:cNvSpPr>
+            <a:spLocks noGrp="1"/>
+          </p:cNvSpPr>
+          <p:nvPr>
+            <p:ph type="sldNum" sz="quarter" idx="12"/>
+          </p:nvPr>
+        </p:nvSpPr>
+        <p:spPr/>
+        <p:txBody>
+          <a:bodyPr/>
+          <a:lstStyle/>
+          <a:p>
+            <a:fld id="{0B973F48-4628-F846-BA33-DDE653D83577}" type="slidenum">
+              <a:rPr lang="en-US" smtClean="0"/>
+              <a:t>‹#›</a:t>
+            </a:fld>
+            <a:endParaRPr lang="en-US"/>
+          </a:p>
+        </p:txBody>
+      </p:sp>
+    </p:spTree>
+    <p:extLst>
+      <p:ext uri="{BB962C8B-B14F-4D97-AF65-F5344CB8AC3E}">
+        <p14:creationId xmlns:p14="http://schemas.microsoft.com/office/powerpoint/2010/main" val="454791571"/>
+      </p:ext>
+    </p:extLst>
+  </p:cSld>
+  <p:clrMapOvr>
+    <a:masterClrMapping/>
+  </p:clrMapOvr>
+</p:sldLayout>
+</file>
+
+<file path=ppt/slideLayouts/slideLayout5.xml><?xml version="1.0" encoding="utf-8"?>
+<p:sldLayout xmlns:a="http://schemas.openxmlformats.org/drawingml/2006/main" xmlns:r="http://schemas.openxmlformats.org/officeDocument/2006/relationships" xmlns:p="http://schemas.openxmlformats.org/presentationml/2006/main" type="twoTxTwoObj" preserve="1">
+  <p:cSld name="Comparison">
+    <p:spTree>
+      <p:nvGrpSpPr>
+        <p:cNvPr id="1" name=""/>
+        <p:cNvGrpSpPr/>
+        <p:nvPr/>
+      </p:nvGrpSpPr>
+      <p:grpSpPr>
+        <a:xfrm>
+          <a:off x="0" y="0"/>
+          <a:ext cx="0" cy="0"/>
+          <a:chOff x="0" y="0"/>
+          <a:chExt cx="0" cy="0"/>
+        </a:xfrm>
+      </p:grpSpPr>
+      <p:sp>
+        <p:nvSpPr>
+          <p:cNvPr id="2" name="Title 1">
+            <a:extLst>
+              <a:ext uri="{FF2B5EF4-FFF2-40B4-BE49-F238E27FC236}">
+                <a16:creationId xmlns:a16="http://schemas.microsoft.com/office/drawing/2014/main" id="{97393B7B-D3EB-1942-9C5D-C2DBE70DCDDA}"/>
+              </a:ext>
+            </a:extLst>
+          </p:cNvPr>
+          <p:cNvSpPr>
+            <a:spLocks noGrp="1"/>
+          </p:cNvSpPr>
+          <p:nvPr>
+            <p:ph type="title"/>
+          </p:nvPr>
+        </p:nvSpPr>
+        <p:spPr>
+          <a:xfrm>
+            <a:off x="839788" y="365125"/>
+            <a:ext cx="10515600" cy="1325563"/>
+          </a:xfrm>
+        </p:spPr>
+        <p:txBody>
+          <a:bodyPr/>
+          <a:lstStyle/>
+          <a:p>
+            <a:r>
+              <a:rPr lang="en-US"/>
+              <a:t>Click to edit Master title style</a:t>
+            </a:r>
+          </a:p>
+        </p:txBody>
+      </p:sp>
+      <p:sp>
+        <p:nvSpPr>
+          <p:cNvPr id="3" name="Text Placeholder 2">
+            <a:extLst>
+              <a:ext uri="{FF2B5EF4-FFF2-40B4-BE49-F238E27FC236}">
+                <a16:creationId xmlns:a16="http://schemas.microsoft.com/office/drawing/2014/main" id="{8D082C37-8144-2B40-B057-52B9B6778F1D}"/>
+              </a:ext>
+            </a:extLst>
+          </p:cNvPr>
+          <p:cNvSpPr>
+            <a:spLocks noGrp="1"/>
+          </p:cNvSpPr>
+          <p:nvPr>
+            <p:ph type="body" idx="1"/>
+          </p:nvPr>
+        </p:nvSpPr>
+        <p:spPr>
+          <a:xfrm>
+            <a:off x="839788" y="1681163"/>
+            <a:ext cx="5157787" cy="823912"/>
+          </a:xfrm>
+        </p:spPr>
+        <p:txBody>
+          <a:bodyPr anchor="b"/>
+          <a:lstStyle>
+            <a:lvl1pPr marL="0" indent="0">
+              <a:buNone/>
+              <a:defRPr sz="2400" b="1"/>
+            </a:lvl1pPr>
+            <a:lvl2pPr marL="457200" indent="0">
+              <a:buNone/>
+              <a:defRPr sz="2000" b="1"/>
+            </a:lvl2pPr>
+            <a:lvl3pPr marL="914400" indent="0">
+              <a:buNone/>
+              <a:defRPr sz="1800" b="1"/>
+            </a:lvl3pPr>
+            <a:lvl4pPr marL="1371600" indent="0">
+              <a:buNone/>
+              <a:defRPr sz="1600" b="1"/>
+            </a:lvl4pPr>
+            <a:lvl5pPr marL="1828800" indent="0">
+              <a:buNone/>
+              <a:defRPr sz="1600" b="1"/>
+            </a:lvl5pPr>
+            <a:lvl6pPr marL="2286000" indent="0">
+              <a:buNone/>
+              <a:defRPr sz="1600" b="1"/>
+            </a:lvl6pPr>
+            <a:lvl7pPr marL="2743200" indent="0">
+              <a:buNone/>
+              <a:defRPr sz="1600" b="1"/>
+            </a:lvl7pPr>
+            <a:lvl8pPr marL="3200400" indent="0">
+              <a:buNone/>
+              <a:defRPr sz="1600" b="1"/>
+            </a:lvl8pPr>
+            <a:lvl9pPr marL="3657600" indent="0">
+              <a:buNone/>
+              <a:defRPr sz="1600" b="1"/>
+            </a:lvl9pPr>
+          </a:lstStyle>
+          <a:p>
+            <a:pPr lvl="0"/>
+            <a:r>
+              <a:rPr lang="en-US"/>
+              <a:t>Edit Master text styles</a:t>
+            </a:r>
+          </a:p>
+        </p:txBody>
+      </p:sp>
+      <p:sp>
+        <p:nvSpPr>
+          <p:cNvPr id="4" name="Content Placeholder 3">
+            <a:extLst>
+              <a:ext uri="{FF2B5EF4-FFF2-40B4-BE49-F238E27FC236}">
+                <a16:creationId xmlns:a16="http://schemas.microsoft.com/office/drawing/2014/main" id="{F1AB8C75-2C38-424A-9A7A-65CB327C213B}"/>
+              </a:ext>
+            </a:extLst>
+          </p:cNvPr>
+          <p:cNvSpPr>
+            <a:spLocks noGrp="1"/>
+          </p:cNvSpPr>
+          <p:nvPr>
+            <p:ph sz="half" idx="2"/>
+          </p:nvPr>
+        </p:nvSpPr>
+        <p:spPr>
+          <a:xfrm>
+            <a:off x="839788" y="2505075"/>
+            <a:ext cx="5157787" cy="3684588"/>
+          </a:xfrm>
+        </p:spPr>
+        <p:txBody>
+          <a:bodyPr/>
+          <a:lstStyle/>
+          <a:p>
+            <a:pPr lvl="0"/>
+            <a:r>
+              <a:rPr lang="en-US"/>
+              <a:t>Edit Master text styles</a:t>
+            </a:r>
+          </a:p>
+          <a:p>
+            <a:pPr lvl="1"/>
+            <a:r>
+              <a:rPr lang="en-US"/>
+              <a:t>Second level</a:t>
+            </a:r>
+          </a:p>
+          <a:p>
+            <a:pPr lvl="2"/>
+            <a:r>
+              <a:rPr lang="en-US"/>
+              <a:t>Third level</a:t>
+            </a:r>
+          </a:p>
+          <a:p>
+            <a:pPr lvl="3"/>
+            <a:r>
+              <a:rPr lang="en-US"/>
+              <a:t>Fourth level</a:t>
+            </a:r>
+          </a:p>
+          <a:p>
+            <a:pPr lvl="4"/>
+            <a:r>
+              <a:rPr lang="en-US"/>
+              <a:t>Fifth level</a:t>
+            </a:r>
+          </a:p>
+        </p:txBody>
+      </p:sp>
+      <p:sp>
+        <p:nvSpPr>
+          <p:cNvPr id="5" name="Text Placeholder 4">
+            <a:extLst>
+              <a:ext uri="{FF2B5EF4-FFF2-40B4-BE49-F238E27FC236}">
+                <a16:creationId xmlns:a16="http://schemas.microsoft.com/office/drawing/2014/main" id="{AEC54413-8A58-C54E-9133-45A1F00C5913}"/>
+              </a:ext>
+            </a:extLst>
+          </p:cNvPr>
+          <p:cNvSpPr>
+            <a:spLocks noGrp="1"/>
+          </p:cNvSpPr>
+          <p:nvPr>
+            <p:ph type="body" sz="quarter" idx="3"/>
+          </p:nvPr>
+        </p:nvSpPr>
+        <p:spPr>
+          <a:xfrm>
+            <a:off x="6172200" y="1681163"/>
+            <a:ext cx="5183188" cy="823912"/>
+          </a:xfrm>
+        </p:spPr>
+        <p:txBody>
+          <a:bodyPr anchor="b"/>
+          <a:lstStyle>
+            <a:lvl1pPr marL="0" indent="0">
+              <a:buNone/>
+              <a:defRPr sz="2400" b="1"/>
+            </a:lvl1pPr>
+            <a:lvl2pPr marL="457200" indent="0">
+              <a:buNone/>
+              <a:defRPr sz="2000" b="1"/>
+            </a:lvl2pPr>
+            <a:lvl3pPr marL="914400" indent="0">
+              <a:buNone/>
+              <a:defRPr sz="1800" b="1"/>
+            </a:lvl3pPr>
+            <a:lvl4pPr marL="1371600" indent="0">
+              <a:buNone/>
+              <a:defRPr sz="1600" b="1"/>
+            </a:lvl4pPr>
+            <a:lvl5pPr marL="1828800" indent="0">
+              <a:buNone/>
+              <a:defRPr sz="1600" b="1"/>
+            </a:lvl5pPr>
+            <a:lvl6pPr marL="2286000" indent="0">
+              <a:buNone/>
+              <a:defRPr sz="1600" b="1"/>
+            </a:lvl6pPr>
+            <a:lvl7pPr marL="2743200" indent="0">
+              <a:buNone/>
+              <a:defRPr sz="1600" b="1"/>
+            </a:lvl7pPr>
+            <a:lvl8pPr marL="3200400" indent="0">
+              <a:buNone/>
+              <a:defRPr sz="1600" b="1"/>
+            </a:lvl8pPr>
+            <a:lvl9pPr marL="3657600" indent="0">
+              <a:buNone/>
+              <a:defRPr sz="1600" b="1"/>
+            </a:lvl9pPr>
+          </a:lstStyle>
+          <a:p>
+            <a:pPr lvl="0"/>
+            <a:r>
+              <a:rPr lang="en-US"/>
+              <a:t>Edit Master text styles</a:t>
+            </a:r>
+          </a:p>
+        </p:txBody>
+      </p:sp>
+      <p:sp>
+        <p:nvSpPr>
+          <p:cNvPr id="6" name="Content Placeholder 5">
+            <a:extLst>
+              <a:ext uri="{FF2B5EF4-FFF2-40B4-BE49-F238E27FC236}">
+                <a16:creationId xmlns:a16="http://schemas.microsoft.com/office/drawing/2014/main" id="{4B0112E1-1E2D-724A-8EAC-CF4C8204D79E}"/>
+              </a:ext>
+            </a:extLst>
+          </p:cNvPr>
+          <p:cNvSpPr>
+            <a:spLocks noGrp="1"/>
+          </p:cNvSpPr>
+          <p:nvPr>
+            <p:ph sz="quarter" idx="4"/>
+          </p:nvPr>
+        </p:nvSpPr>
+        <p:spPr>
+          <a:xfrm>
+            <a:off x="6172200" y="2505075"/>
+            <a:ext cx="5183188" cy="3684588"/>
+          </a:xfrm>
+        </p:spPr>
+        <p:txBody>
+          <a:bodyPr/>
+          <a:lstStyle/>
+          <a:p>
+            <a:pPr lvl="0"/>
+            <a:r>
+              <a:rPr lang="en-US"/>
+              <a:t>Edit Master text styles</a:t>
+            </a:r>
+          </a:p>
+          <a:p>
+            <a:pPr lvl="1"/>
+            <a:r>
+              <a:rPr lang="en-US"/>
+              <a:t>Second level</a:t>
+            </a:r>
+          </a:p>
+          <a:p>
+            <a:pPr lvl="2"/>
+            <a:r>
+              <a:rPr lang="en-US"/>
+              <a:t>Third level</a:t>
+            </a:r>
+          </a:p>
+          <a:p>
+            <a:pPr lvl="3"/>
+            <a:r>
+              <a:rPr lang="en-US"/>
+              <a:t>Fourth level</a:t>
+            </a:r>
+          </a:p>
+          <a:p>
+            <a:pPr lvl="4"/>
+            <a:r>
+              <a:rPr lang="en-US"/>
+              <a:t>Fifth level</a:t>
+            </a:r>
+          </a:p>
+        </p:txBody>
+      </p:sp>
+      <p:sp>
+        <p:nvSpPr>
+          <p:cNvPr id="9" name="Slide Number Placeholder 8">
+            <a:extLst>
+              <a:ext uri="{FF2B5EF4-FFF2-40B4-BE49-F238E27FC236}">
+                <a16:creationId xmlns:a16="http://schemas.microsoft.com/office/drawing/2014/main" id="{B72AE139-D882-D94E-B377-D84A207665BF}"/>
+              </a:ext>
+            </a:extLst>
+          </p:cNvPr>
+          <p:cNvSpPr>
+            <a:spLocks noGrp="1"/>
+          </p:cNvSpPr>
+          <p:nvPr>
+            <p:ph type="sldNum" sz="quarter" idx="12"/>
+          </p:nvPr>
+        </p:nvSpPr>
+        <p:spPr/>
+        <p:txBody>
+          <a:bodyPr/>
+          <a:lstStyle/>
+          <a:p>
+            <a:fld id="{0B973F48-4628-F846-BA33-DDE653D83577}" type="slidenum">
+              <a:rPr lang="en-US" smtClean="0"/>
+              <a:t>‹#›</a:t>
+            </a:fld>
+            <a:endParaRPr lang="en-US"/>
+          </a:p>
+        </p:txBody>
+      </p:sp>
+    </p:spTree>
+    <p:extLst>
+      <p:ext uri="{BB962C8B-B14F-4D97-AF65-F5344CB8AC3E}">
+        <p14:creationId xmlns:p14="http://schemas.microsoft.com/office/powerpoint/2010/main" val="2064020921"/>
+      </p:ext>
+    </p:extLst>
+  </p:cSld>
+  <p:clrMapOvr>
+    <a:masterClrMapping/>
+  </p:clrMapOvr>
+</p:sldLayout>
+</file>
+
+<file path=ppt/slideLayouts/slideLayout6.xml><?xml version="1.0" encoding="utf-8"?>
+<p:sldLayout xmlns:a="http://schemas.openxmlformats.org/drawingml/2006/main" xmlns:r="http://schemas.openxmlformats.org/officeDocument/2006/relationships" xmlns:p="http://schemas.openxmlformats.org/presentationml/2006/main" type="titleOnly" preserve="1">
+  <p:cSld name="Title Only">
+    <p:spTree>
+      <p:nvGrpSpPr>
+        <p:cNvPr id="1" name=""/>
+        <p:cNvGrpSpPr/>
+        <p:nvPr/>
+      </p:nvGrpSpPr>
+      <p:grpSpPr>
+        <a:xfrm>
+          <a:off x="0" y="0"/>
+          <a:ext cx="0" cy="0"/>
+          <a:chOff x="0" y="0"/>
+          <a:chExt cx="0" cy="0"/>
+        </a:xfrm>
+      </p:grpSpPr>
+      <p:sp>
+        <p:nvSpPr>
+          <p:cNvPr id="2" name="Title 1">
+            <a:extLst>
+              <a:ext uri="{FF2B5EF4-FFF2-40B4-BE49-F238E27FC236}">
+                <a16:creationId xmlns:a16="http://schemas.microsoft.com/office/drawing/2014/main" id="{8AC87EC2-76AA-FC42-982F-77406246A4AA}"/>
+              </a:ext>
+            </a:extLst>
+          </p:cNvPr>
+          <p:cNvSpPr>
+            <a:spLocks noGrp="1"/>
+          </p:cNvSpPr>
+          <p:nvPr>
+            <p:ph type="title"/>
+          </p:nvPr>
+        </p:nvSpPr>
+        <p:spPr/>
+        <p:txBody>
+          <a:bodyPr/>
+          <a:lstStyle/>
+          <a:p>
+            <a:r>
+              <a:rPr lang="en-US"/>
+              <a:t>Click to edit Master title style</a:t>
+            </a:r>
+          </a:p>
+        </p:txBody>
+      </p:sp>
+      <p:sp>
+        <p:nvSpPr>
+          <p:cNvPr id="5" name="Slide Number Placeholder 4">
+            <a:extLst>
+              <a:ext uri="{FF2B5EF4-FFF2-40B4-BE49-F238E27FC236}">
+                <a16:creationId xmlns:a16="http://schemas.microsoft.com/office/drawing/2014/main" id="{81EC7837-FC7B-6043-8182-02D7718729CA}"/>
+              </a:ext>
+            </a:extLst>
+          </p:cNvPr>
+          <p:cNvSpPr>
+            <a:spLocks noGrp="1"/>
+          </p:cNvSpPr>
+          <p:nvPr>
+            <p:ph type="sldNum" sz="quarter" idx="12"/>
+          </p:nvPr>
+        </p:nvSpPr>
+        <p:spPr/>
+        <p:txBody>
+          <a:bodyPr/>
+          <a:lstStyle/>
+          <a:p>
+            <a:fld id="{0B973F48-4628-F846-BA33-DDE653D83577}" type="slidenum">
+              <a:rPr lang="en-US" smtClean="0"/>
+              <a:t>‹#›</a:t>
+            </a:fld>
+            <a:endParaRPr lang="en-US"/>
+          </a:p>
+        </p:txBody>
+      </p:sp>
+    </p:spTree>
+    <p:extLst>
+      <p:ext uri="{BB962C8B-B14F-4D97-AF65-F5344CB8AC3E}">
+        <p14:creationId xmlns:p14="http://schemas.microsoft.com/office/powerpoint/2010/main" val="3814957134"/>
+      </p:ext>
+    </p:extLst>
+  </p:cSld>
+  <p:clrMapOvr>
+    <a:masterClrMapping/>
+  </p:clrMapOvr>
+</p:sldLayout>
+</file>
+
+<file path=ppt/slideLayouts/slideLayout7.xml><?xml version="1.0" encoding="utf-8"?>
+<p:sldLayout xmlns:a="http://schemas.openxmlformats.org/drawingml/2006/main" xmlns:r="http://schemas.openxmlformats.org/officeDocument/2006/relationships" xmlns:p="http://schemas.openxmlformats.org/presentationml/2006/main" type="blank" preserve="1">
+  <p:cSld name="Blank">
+    <p:spTree>
+      <p:nvGrpSpPr>
+        <p:cNvPr id="1" name=""/>
+        <p:cNvGrpSpPr/>
+        <p:nvPr/>
+      </p:nvGrpSpPr>
+      <p:grpSpPr>
+        <a:xfrm>
+          <a:off x="0" y="0"/>
+          <a:ext cx="0" cy="0"/>
+          <a:chOff x="0" y="0"/>
+          <a:chExt cx="0" cy="0"/>
+        </a:xfrm>
+      </p:grpSpPr>
+      <p:sp>
+        <p:nvSpPr>
+          <p:cNvPr id="4" name="Slide Number Placeholder 3">
+            <a:extLst>
+              <a:ext uri="{FF2B5EF4-FFF2-40B4-BE49-F238E27FC236}">
+                <a16:creationId xmlns:a16="http://schemas.microsoft.com/office/drawing/2014/main" id="{D575A9DD-FA0A-D64B-B42E-72A4B0E3557A}"/>
+              </a:ext>
+            </a:extLst>
+          </p:cNvPr>
+          <p:cNvSpPr>
+            <a:spLocks noGrp="1"/>
+          </p:cNvSpPr>
+          <p:nvPr>
+            <p:ph type="sldNum" sz="quarter" idx="12"/>
+          </p:nvPr>
+        </p:nvSpPr>
+        <p:spPr/>
+        <p:txBody>
+          <a:bodyPr/>
+          <a:lstStyle/>
+          <a:p>
+            <a:fld id="{0B973F48-4628-F846-BA33-DDE653D83577}" type="slidenum">
+              <a:rPr lang="en-US" smtClean="0"/>
+              <a:t>‹#›</a:t>
+            </a:fld>
+            <a:endParaRPr lang="en-US"/>
+          </a:p>
+        </p:txBody>
+      </p:sp>
+    </p:spTree>
+    <p:extLst>
+      <p:ext uri="{BB962C8B-B14F-4D97-AF65-F5344CB8AC3E}">
+        <p14:creationId xmlns:p14="http://schemas.microsoft.com/office/powerpoint/2010/main" val="1127675878"/>
+      </p:ext>
+    </p:extLst>
+  </p:cSld>
+  <p:clrMapOvr>
+    <a:masterClrMapping/>
+  </p:clrMapOvr>
+</p:sldLayout>
+</file>
+
+<file path=ppt/slideLayouts/slideLayout8.xml><?xml version="1.0" encoding="utf-8"?>
+<p:sldLayout xmlns:a="http://schemas.openxmlformats.org/drawingml/2006/main" xmlns:r="http://schemas.openxmlformats.org/officeDocument/2006/relationships" xmlns:p="http://schemas.openxmlformats.org/presentationml/2006/main" type="objTx" preserve="1">
+  <p:cSld name="Content with Caption">
+    <p:spTree>
+      <p:nvGrpSpPr>
+        <p:cNvPr id="1" name=""/>
+        <p:cNvGrpSpPr/>
+        <p:nvPr/>
+      </p:nvGrpSpPr>
+      <p:grpSpPr>
+        <a:xfrm>
+          <a:off x="0" y="0"/>
+          <a:ext cx="0" cy="0"/>
+          <a:chOff x="0" y="0"/>
+          <a:chExt cx="0" cy="0"/>
+        </a:xfrm>
+      </p:grpSpPr>
+      <p:sp>
+        <p:nvSpPr>
+          <p:cNvPr id="2" name="Title 1">
+            <a:extLst>
+              <a:ext uri="{FF2B5EF4-FFF2-40B4-BE49-F238E27FC236}">
+                <a16:creationId xmlns:a16="http://schemas.microsoft.com/office/drawing/2014/main" id="{F19ECD1F-576B-CE49-B87E-5BC99EC04635}"/>
+              </a:ext>
+            </a:extLst>
+          </p:cNvPr>
+          <p:cNvSpPr>
+            <a:spLocks noGrp="1"/>
+          </p:cNvSpPr>
+          <p:nvPr>
+            <p:ph type="title"/>
+          </p:nvPr>
+        </p:nvSpPr>
+        <p:spPr>
+          <a:xfrm>
+            <a:off x="839788" y="457200"/>
+            <a:ext cx="3932237" cy="1600200"/>
+          </a:xfrm>
+        </p:spPr>
+        <p:txBody>
+          <a:bodyPr anchor="b"/>
+          <a:lstStyle>
+            <a:lvl1pPr>
+              <a:defRPr sz="3200"/>
+            </a:lvl1pPr>
+          </a:lstStyle>
+          <a:p>
+            <a:r>
+              <a:rPr lang="en-US"/>
+              <a:t>Click to edit Master title style</a:t>
+            </a:r>
+          </a:p>
+        </p:txBody>
+      </p:sp>
+      <p:sp>
+        <p:nvSpPr>
+          <p:cNvPr id="3" name="Content Placeholder 2">
+            <a:extLst>
+              <a:ext uri="{FF2B5EF4-FFF2-40B4-BE49-F238E27FC236}">
+                <a16:creationId xmlns:a16="http://schemas.microsoft.com/office/drawing/2014/main" id="{642276B3-FB76-F847-A4BA-C9B293389B44}"/>
+              </a:ext>
+            </a:extLst>
+          </p:cNvPr>
+          <p:cNvSpPr>
+            <a:spLocks noGrp="1"/>
+          </p:cNvSpPr>
+          <p:nvPr>
+            <p:ph idx="1"/>
+          </p:nvPr>
+        </p:nvSpPr>
+        <p:spPr>
+          <a:xfrm>
+            <a:off x="5183188" y="987425"/>
+            <a:ext cx="6172200" cy="4873625"/>
+          </a:xfrm>
+        </p:spPr>
+        <p:txBody>
+          <a:bodyPr/>
+          <a:lstStyle>
+            <a:lvl1pPr>
+              <a:defRPr sz="3200"/>
+            </a:lvl1pPr>
+            <a:lvl2pPr>
+              <a:defRPr sz="2800"/>
+            </a:lvl2pPr>
+            <a:lvl3pPr>
+              <a:defRPr sz="2400"/>
+            </a:lvl3pPr>
+            <a:lvl4pPr>
+              <a:defRPr sz="2000"/>
+            </a:lvl4pPr>
+            <a:lvl5pPr>
+              <a:defRPr sz="2000"/>
+            </a:lvl5pPr>
+            <a:lvl6pPr>
+              <a:defRPr sz="2000"/>
+            </a:lvl6pPr>
+            <a:lvl7pPr>
+              <a:defRPr sz="2000"/>
+            </a:lvl7pPr>
+            <a:lvl8pPr>
+              <a:defRPr sz="2000"/>
+            </a:lvl8pPr>
+            <a:lvl9pPr>
+              <a:defRPr sz="2000"/>
+            </a:lvl9pPr>
+          </a:lstStyle>
+          <a:p>
+            <a:pPr lvl="0"/>
+            <a:r>
+              <a:rPr lang="en-US"/>
+              <a:t>Edit Master text styles</a:t>
+            </a:r>
+          </a:p>
+          <a:p>
+            <a:pPr lvl="1"/>
+            <a:r>
+              <a:rPr lang="en-US"/>
+              <a:t>Second level</a:t>
+            </a:r>
+          </a:p>
+          <a:p>
+            <a:pPr lvl="2"/>
+            <a:r>
+              <a:rPr lang="en-US"/>
+              <a:t>Third level</a:t>
+            </a:r>
+          </a:p>
+          <a:p>
+            <a:pPr lvl="3"/>
+            <a:r>
+              <a:rPr lang="en-US"/>
+              <a:t>Fourth level</a:t>
+            </a:r>
+          </a:p>
+          <a:p>
+            <a:pPr lvl="4"/>
+            <a:r>
+              <a:rPr lang="en-US"/>
+              <a:t>Fifth level</a:t>
+            </a:r>
+          </a:p>
+        </p:txBody>
+      </p:sp>
+      <p:sp>
+        <p:nvSpPr>
+          <p:cNvPr id="4" name="Text Placeholder 3">
+            <a:extLst>
+              <a:ext uri="{FF2B5EF4-FFF2-40B4-BE49-F238E27FC236}">
+                <a16:creationId xmlns:a16="http://schemas.microsoft.com/office/drawing/2014/main" id="{F63103DB-251E-7F47-A645-0FDAFF6E6E0B}"/>
+              </a:ext>
+            </a:extLst>
+          </p:cNvPr>
+          <p:cNvSpPr>
+            <a:spLocks noGrp="1"/>
+          </p:cNvSpPr>
+          <p:nvPr>
+            <p:ph type="body" sz="half" idx="2"/>
+          </p:nvPr>
+        </p:nvSpPr>
+        <p:spPr>
+          <a:xfrm>
+            <a:off x="839788" y="2057400"/>
+            <a:ext cx="3932237" cy="3811588"/>
+          </a:xfrm>
+        </p:spPr>
+        <p:txBody>
+          <a:bodyPr/>
+          <a:lstStyle>
+            <a:lvl1pPr marL="0" indent="0">
+              <a:buNone/>
+              <a:defRPr sz="1600"/>
+            </a:lvl1pPr>
+            <a:lvl2pPr marL="457200" indent="0">
+              <a:buNone/>
+              <a:defRPr sz="1400"/>
+            </a:lvl2pPr>
+            <a:lvl3pPr marL="914400" indent="0">
+              <a:buNone/>
+              <a:defRPr sz="1200"/>
+            </a:lvl3pPr>
+            <a:lvl4pPr marL="1371600" indent="0">
+              <a:buNone/>
+              <a:defRPr sz="1000"/>
+            </a:lvl4pPr>
+            <a:lvl5pPr marL="1828800" indent="0">
+              <a:buNone/>
+              <a:defRPr sz="1000"/>
+            </a:lvl5pPr>
+            <a:lvl6pPr marL="2286000" indent="0">
+              <a:buNone/>
+              <a:defRPr sz="1000"/>
+            </a:lvl6pPr>
+            <a:lvl7pPr marL="2743200" indent="0">
+              <a:buNone/>
+              <a:defRPr sz="1000"/>
+            </a:lvl7pPr>
+            <a:lvl8pPr marL="3200400" indent="0">
+              <a:buNone/>
+              <a:defRPr sz="1000"/>
+            </a:lvl8pPr>
+            <a:lvl9pPr marL="3657600" indent="0">
+              <a:buNone/>
+              <a:defRPr sz="1000"/>
+            </a:lvl9pPr>
+          </a:lstStyle>
+          <a:p>
+            <a:pPr lvl="0"/>
+            <a:r>
+              <a:rPr lang="en-US"/>
+              <a:t>Edit Master text styles</a:t>
+            </a:r>
+          </a:p>
+        </p:txBody>
+      </p:sp>
+      <p:sp>
+        <p:nvSpPr>
+          <p:cNvPr id="7" name="Slide Number Placeholder 6">
+            <a:extLst>
+              <a:ext uri="{FF2B5EF4-FFF2-40B4-BE49-F238E27FC236}">
+                <a16:creationId xmlns:a16="http://schemas.microsoft.com/office/drawing/2014/main" id="{3BCAFAD0-D61F-3F4F-8E0D-9A64CA7C4640}"/>
+              </a:ext>
+            </a:extLst>
+          </p:cNvPr>
+          <p:cNvSpPr>
+            <a:spLocks noGrp="1"/>
+          </p:cNvSpPr>
+          <p:nvPr>
+            <p:ph type="sldNum" sz="quarter" idx="12"/>
+          </p:nvPr>
+        </p:nvSpPr>
+        <p:spPr/>
+        <p:txBody>
+          <a:bodyPr/>
+          <a:lstStyle/>
+          <a:p>
+            <a:fld id="{0B973F48-4628-F846-BA33-DDE653D83577}" type="slidenum">
+              <a:rPr lang="en-US" smtClean="0"/>
+              <a:t>‹#›</a:t>
+            </a:fld>
+            <a:endParaRPr lang="en-US"/>
+          </a:p>
+        </p:txBody>
+      </p:sp>
+    </p:spTree>
+    <p:extLst>
+      <p:ext uri="{BB962C8B-B14F-4D97-AF65-F5344CB8AC3E}">
+        <p14:creationId xmlns:p14="http://schemas.microsoft.com/office/powerpoint/2010/main" val="2173381002"/>
+      </p:ext>
+    </p:extLst>
+  </p:cSld>
+  <p:clrMapOvr>
+    <a:masterClrMapping/>
+  </p:clrMapOvr>
+</p:sldLayout>
+</file>
+
+<file path=ppt/slideLayouts/slideLayout9.xml><?xml version="1.0" encoding="utf-8"?>
+<p:sldLayout xmlns:a="http://schemas.openxmlformats.org/drawingml/2006/main" xmlns:r="http://schemas.openxmlformats.org/officeDocument/2006/relationships" xmlns:p="http://schemas.openxmlformats.org/presentationml/2006/main" type="picTx" preserve="1">
+  <p:cSld name="Picture with Caption">
+    <p:spTree>
+      <p:nvGrpSpPr>
+        <p:cNvPr id="1" name=""/>
+        <p:cNvGrpSpPr/>
+        <p:nvPr/>
+      </p:nvGrpSpPr>
+      <p:grpSpPr>
+        <a:xfrm>
+          <a:off x="0" y="0"/>
+          <a:ext cx="0" cy="0"/>
+          <a:chOff x="0" y="0"/>
+          <a:chExt cx="0" cy="0"/>
+        </a:xfrm>
+      </p:grpSpPr>
+      <p:sp>
+        <p:nvSpPr>
+          <p:cNvPr id="2" name="Title 1">
+            <a:extLst>
+              <a:ext uri="{FF2B5EF4-FFF2-40B4-BE49-F238E27FC236}">
+                <a16:creationId xmlns:a16="http://schemas.microsoft.com/office/drawing/2014/main" id="{F7FBD490-1952-7643-90D4-C4F4ABC93F16}"/>
+              </a:ext>
+            </a:extLst>
+          </p:cNvPr>
+          <p:cNvSpPr>
+            <a:spLocks noGrp="1"/>
+          </p:cNvSpPr>
+          <p:nvPr>
+            <p:ph type="title"/>
+          </p:nvPr>
+        </p:nvSpPr>
+        <p:spPr>
+          <a:xfrm>
+            <a:off x="839788" y="457200"/>
+            <a:ext cx="3932237" cy="1600200"/>
+          </a:xfrm>
+        </p:spPr>
+        <p:txBody>
+          <a:bodyPr anchor="b"/>
+          <a:lstStyle>
+            <a:lvl1pPr>
+              <a:defRPr sz="3200"/>
+            </a:lvl1pPr>
+          </a:lstStyle>
+          <a:p>
+            <a:r>
+              <a:rPr lang="en-US"/>
+              <a:t>Click to edit Master title style</a:t>
+            </a:r>
+          </a:p>
+        </p:txBody>
+      </p:sp>
+      <p:sp>
+        <p:nvSpPr>
+          <p:cNvPr id="3" name="Picture Placeholder 2">
+            <a:extLst>
+              <a:ext uri="{FF2B5EF4-FFF2-40B4-BE49-F238E27FC236}">
+                <a16:creationId xmlns:a16="http://schemas.microsoft.com/office/drawing/2014/main" id="{FF02CD42-FD12-614D-A8C6-FBB652E2B9C4}"/>
+              </a:ext>
+            </a:extLst>
+          </p:cNvPr>
+          <p:cNvSpPr>
+            <a:spLocks noGrp="1"/>
+          </p:cNvSpPr>
+          <p:nvPr>
+            <p:ph type="pic" idx="1"/>
+          </p:nvPr>
+        </p:nvSpPr>
+        <p:spPr>
+          <a:xfrm>
+            <a:off x="5183188" y="987425"/>
+            <a:ext cx="6172200" cy="4873625"/>
+          </a:xfrm>
+        </p:spPr>
+        <p:txBody>
+          <a:bodyPr/>
+          <a:lstStyle>
+            <a:lvl1pPr marL="0" indent="0">
+              <a:buNone/>
+              <a:defRPr sz="3200"/>
+            </a:lvl1pPr>
+            <a:lvl2pPr marL="457200" indent="0">
+              <a:buNone/>
+              <a:defRPr sz="2800"/>
+            </a:lvl2pPr>
+            <a:lvl3pPr marL="914400" indent="0">
+              <a:buNone/>
+              <a:defRPr sz="2400"/>
+            </a:lvl3pPr>
+            <a:lvl4pPr marL="1371600" indent="0">
+              <a:buNone/>
+              <a:defRPr sz="2000"/>
+            </a:lvl4pPr>
+            <a:lvl5pPr marL="1828800" indent="0">
+              <a:buNone/>
+              <a:defRPr sz="2000"/>
+            </a:lvl5pPr>
+            <a:lvl6pPr marL="2286000" indent="0">
+              <a:buNone/>
+              <a:defRPr sz="2000"/>
+            </a:lvl6pPr>
+            <a:lvl7pPr marL="2743200" indent="0">
+              <a:buNone/>
+              <a:defRPr sz="2000"/>
+            </a:lvl7pPr>
+            <a:lvl8pPr marL="3200400" indent="0">
+              <a:buNone/>
+              <a:defRPr sz="2000"/>
+            </a:lvl8pPr>
+            <a:lvl9pPr marL="3657600" indent="0">
+              <a:buNone/>
+              <a:defRPr sz="2000"/>
+            </a:lvl9pPr>
+          </a:lstStyle>
+          <a:p>
+            <a:endParaRPr lang="en-US"/>
+          </a:p>
+        </p:txBody>
+      </p:sp>
+      <p:sp>
+        <p:nvSpPr>
+          <p:cNvPr id="4" name="Text Placeholder 3">
+            <a:extLst>
+              <a:ext uri="{FF2B5EF4-FFF2-40B4-BE49-F238E27FC236}">
+                <a16:creationId xmlns:a16="http://schemas.microsoft.com/office/drawing/2014/main" id="{A26E1892-E1D1-5447-8C1E-BFD3993A1D59}"/>
+              </a:ext>
+            </a:extLst>
+          </p:cNvPr>
+          <p:cNvSpPr>
+            <a:spLocks noGrp="1"/>
+          </p:cNvSpPr>
+          <p:nvPr>
+            <p:ph type="body" sz="half" idx="2"/>
+          </p:nvPr>
+        </p:nvSpPr>
+        <p:spPr>
+          <a:xfrm>
+            <a:off x="839788" y="2057400"/>
+            <a:ext cx="3932237" cy="3811588"/>
+          </a:xfrm>
+        </p:spPr>
+        <p:txBody>
+          <a:bodyPr/>
+          <a:lstStyle>
+            <a:lvl1pPr marL="0" indent="0">
+              <a:buNone/>
+              <a:defRPr sz="1600"/>
+            </a:lvl1pPr>
+            <a:lvl2pPr marL="457200" indent="0">
+              <a:buNone/>
+              <a:defRPr sz="1400"/>
+            </a:lvl2pPr>
+            <a:lvl3pPr marL="914400" indent="0">
+              <a:buNone/>
+              <a:defRPr sz="1200"/>
+            </a:lvl3pPr>
+            <a:lvl4pPr marL="1371600" indent="0">
+              <a:buNone/>
+              <a:defRPr sz="1000"/>
+            </a:lvl4pPr>
+            <a:lvl5pPr marL="1828800" indent="0">
+              <a:buNone/>
+              <a:defRPr sz="1000"/>
+            </a:lvl5pPr>
+            <a:lvl6pPr marL="2286000" indent="0">
+              <a:buNone/>
+              <a:defRPr sz="1000"/>
+            </a:lvl6pPr>
+            <a:lvl7pPr marL="2743200" indent="0">
+              <a:buNone/>
+              <a:defRPr sz="1000"/>
+            </a:lvl7pPr>
+            <a:lvl8pPr marL="3200400" indent="0">
+              <a:buNone/>
+              <a:defRPr sz="1000"/>
+            </a:lvl8pPr>
+            <a:lvl9pPr marL="3657600" indent="0">
+              <a:buNone/>
+              <a:defRPr sz="1000"/>
+            </a:lvl9pPr>
+          </a:lstStyle>
+          <a:p>
+            <a:pPr lvl="0"/>
+            <a:r>
+              <a:rPr lang="en-US"/>
+              <a:t>Edit Master text styles</a:t>
+            </a:r>
+          </a:p>
+        </p:txBody>
+      </p:sp>
+      <p:sp>
+        <p:nvSpPr>
+          <p:cNvPr id="7" name="Slide Number Placeholder 6">
+            <a:extLst>
+              <a:ext uri="{FF2B5EF4-FFF2-40B4-BE49-F238E27FC236}">
+                <a16:creationId xmlns:a16="http://schemas.microsoft.com/office/drawing/2014/main" id="{7E12F28C-AB7A-EF4C-84CD-F4B5CE4282E4}"/>
+              </a:ext>
+            </a:extLst>
+          </p:cNvPr>
+          <p:cNvSpPr>
+            <a:spLocks noGrp="1"/>
+          </p:cNvSpPr>
+          <p:nvPr>
+            <p:ph type="sldNum" sz="quarter" idx="12"/>
+          </p:nvPr>
+        </p:nvSpPr>
+        <p:spPr/>
+        <p:txBody>
+          <a:bodyPr/>
+          <a:lstStyle/>
+          <a:p>
+            <a:fld id="{0B973F48-4628-F846-BA33-DDE653D83577}" type="slidenum">
+              <a:rPr lang="en-US" smtClean="0"/>
+              <a:t>‹#›</a:t>
+            </a:fld>
+            <a:endParaRPr lang="en-US"/>
+          </a:p>
+        </p:txBody>
+      </p:sp>
+    </p:spTree>
+    <p:extLst>
+      <p:ext uri="{BB962C8B-B14F-4D97-AF65-F5344CB8AC3E}">
+        <p14:creationId xmlns:p14="http://schemas.microsoft.com/office/powerpoint/2010/main" val="3724992320"/>
+      </p:ext>
+    </p:extLst>
+  </p:cSld>
+  <p:clrMapOvr>
+    <a:masterClrMapping/>
+  </p:clrMapOvr>
+</p:sldLayout>
+</file>
+
+<file path=ppt/slideMasters/slideMaster1.xml><?xml version="1.0" encoding="utf-8"?>
+<p:sldMaster xmlns:a="http://schemas.openxmlformats.org/drawingml/2006/main" xmlns:r="http://schemas.openxmlformats.org/officeDocument/2006/relationships" xmlns:p="http://schemas.openxmlformats.org/presentationml/2006/main">
+  <p:cSld>
+    <p:bg>
+      <p:bgRef idx="1001">
+        <a:schemeClr val="bg1"/>
+      </p:bgRef>
+    </p:bg>
+    <p:spTree>
+      <p:nvGrpSpPr>
+        <p:cNvPr id="1" name=""/>
+        <p:cNvGrpSpPr/>
+        <p:nvPr/>
+      </p:nvGrpSpPr>
+      <p:grpSpPr>
+        <a:xfrm>
+          <a:off x="0" y="0"/>
+          <a:ext cx="0" cy="0"/>
+          <a:chOff x="0" y="0"/>
+          <a:chExt cx="0" cy="0"/>
+        </a:xfrm>
+      </p:grpSpPr>
+      <p:sp>
+        <p:nvSpPr>
+          <p:cNvPr id="2" name="Title Placeholder 1">
+            <a:extLst>
+              <a:ext uri="{FF2B5EF4-FFF2-40B4-BE49-F238E27FC236}">
+                <a16:creationId xmlns:a16="http://schemas.microsoft.com/office/drawing/2014/main" id="{F89B2312-714B-3946-B9BF-1C7B2035B2F5}"/>
+              </a:ext>
+            </a:extLst>
+          </p:cNvPr>
+          <p:cNvSpPr>
+            <a:spLocks noGrp="1"/>
+          </p:cNvSpPr>
+          <p:nvPr>
+            <p:ph type="title"/>
+          </p:nvPr>
+        </p:nvSpPr>
+        <p:spPr>
+          <a:xfrm>
+            <a:off x="838200" y="365125"/>
+            <a:ext cx="10515600" cy="1325563"/>
+          </a:xfrm>
+          <a:prstGeom prst="rect">
+            <a:avLst/>
+          </a:prstGeom>
+        </p:spPr>
+        <p:txBody>
+          <a:bodyPr vert="horz" lIns="91440" tIns="45720" rIns="91440" bIns="45720" rtlCol="0" anchor="ctr">
+            <a:normAutofit/>
+          </a:bodyPr>
+          <a:lstStyle/>
+          <a:p>
+            <a:r>
+              <a:rPr lang="en-US"/>
+              <a:t>Click to edit Master title style</a:t>
+            </a:r>
+          </a:p>
+        </p:txBody>
+      </p:sp>
+      <p:sp>
+        <p:nvSpPr>
+          <p:cNvPr id="3" name="Text Placeholder 2">
+            <a:extLst>
+              <a:ext uri="{FF2B5EF4-FFF2-40B4-BE49-F238E27FC236}">
+                <a16:creationId xmlns:a16="http://schemas.microsoft.com/office/drawing/2014/main" id="{217A4718-D341-5E48-B2F9-56FD8E3EE1C9}"/>
+              </a:ext>
+            </a:extLst>
+          </p:cNvPr>
+          <p:cNvSpPr>
+            <a:spLocks noGrp="1"/>
+          </p:cNvSpPr>
+          <p:nvPr>
+            <p:ph type="body" idx="1"/>
+          </p:nvPr>
+        </p:nvSpPr>
+        <p:spPr>
+          <a:xfrm>
+            <a:off x="838200" y="1825625"/>
+            <a:ext cx="10515600" cy="4351338"/>
+          </a:xfrm>
+          <a:prstGeom prst="rect">
+            <a:avLst/>
+          </a:prstGeom>
+        </p:spPr>
+        <p:txBody>
+          <a:bodyPr vert="horz" lIns="91440" tIns="45720" rIns="91440" bIns="45720" rtlCol="0">
+            <a:normAutofit/>
+          </a:bodyPr>
+          <a:lstStyle/>
+          <a:p>
+            <a:pPr lvl="0"/>
+            <a:r>
+              <a:rPr lang="en-US"/>
+              <a:t>Edit Master text styles</a:t>
+            </a:r>
+          </a:p>
+          <a:p>
+            <a:pPr lvl="1"/>
+            <a:r>
+              <a:rPr lang="en-US"/>
+              <a:t>Second level</a:t>
+            </a:r>
+          </a:p>
+          <a:p>
+            <a:pPr lvl="2"/>
+            <a:r>
+              <a:rPr lang="en-US"/>
+              <a:t>Third level</a:t>
+            </a:r>
+          </a:p>
+          <a:p>
+            <a:pPr lvl="3"/>
+            <a:r>
+              <a:rPr lang="en-US"/>
+              <a:t>Fourth level</a:t>
+            </a:r>
+          </a:p>
+          <a:p>
+            <a:pPr lvl="4"/>
+            <a:r>
+              <a:rPr lang="en-US"/>
+              <a:t>Fifth level</a:t>
+            </a:r>
+          </a:p>
+        </p:txBody>
+      </p:sp>
+      <p:sp>
+        <p:nvSpPr>
+          <p:cNvPr id="6" name="Slide Number Placeholder 5">
+            <a:extLst>
+              <a:ext uri="{FF2B5EF4-FFF2-40B4-BE49-F238E27FC236}">
+                <a16:creationId xmlns:a16="http://schemas.microsoft.com/office/drawing/2014/main" id="{7F50DDCB-DB12-4B4D-B2A3-DF7E27851109}"/>
+              </a:ext>
+            </a:extLst>
+          </p:cNvPr>
+          <p:cNvSpPr>
+            <a:spLocks noGrp="1"/>
+          </p:cNvSpPr>
+          <p:nvPr>
+            <p:ph type="sldNum" sz="quarter" idx="4"/>
+          </p:nvPr>
+        </p:nvSpPr>
+        <p:spPr>
+          <a:xfrm>
+            <a:off x="9448800" y="6065837"/>
+            <a:ext cx="2743200" cy="365125"/>
+          </a:xfrm>
+          <a:prstGeom prst="rect">
+            <a:avLst/>
+          </a:prstGeom>
+        </p:spPr>
+        <p:txBody>
+          <a:bodyPr vert="horz" lIns="91440" tIns="45720" rIns="91440" bIns="45720" rtlCol="0" anchor="ctr"/>
+          <a:lstStyle>
+            <a:lvl1pPr algn="r">
+              <a:defRPr sz="1200">
+                <a:solidFill>
+                  <a:schemeClr val="tx1">
+                    <a:tint val="75000"/>
+                  </a:schemeClr>
+                </a:solidFill>
+              </a:defRPr>
+            </a:lvl1pPr>
+          </a:lstStyle>
+          <a:p>
+            <a:fld id="{0B973F48-4628-F846-BA33-DDE653D83577}" type="slidenum">
+              <a:rPr lang="en-US" smtClean="0"/>
+              <a:t>‹#›</a:t>
+            </a:fld>
+            <a:endParaRPr lang="en-US" dirty="0"/>
+          </a:p>
+        </p:txBody>
+      </p:sp>
+      <p:sp>
+        <p:nvSpPr>
+          <p:cNvPr id="9" name="Slide Number Placeholder 5">
+            <a:extLst>
+              <a:ext uri="{FF2B5EF4-FFF2-40B4-BE49-F238E27FC236}">
+                <a16:creationId xmlns:a16="http://schemas.microsoft.com/office/drawing/2014/main" id="{ABB045D2-645B-C646-BB72-F8DE27472BD5}"/>
+              </a:ext>
+            </a:extLst>
+          </p:cNvPr>
+          <p:cNvSpPr txBox="1">
+            <a:spLocks/>
+          </p:cNvSpPr>
+          <p:nvPr userDrawn="1"/>
+        </p:nvSpPr>
+        <p:spPr>
+          <a:xfrm>
+            <a:off x="6553200" y="6356350"/>
+            <a:ext cx="2133600" cy="365125"/>
+          </a:xfrm>
+          <a:prstGeom prst="rect">
+            <a:avLst/>
+          </a:prstGeom>
+        </p:spPr>
+        <p:txBody>
+          <a:bodyPr vert="horz" wrap="square" lIns="91440" tIns="45720" rIns="91440" bIns="45720" numCol="1" anchor="ctr" anchorCtr="0" compatLnSpc="1">
+            <a:prstTxWarp prst="textNoShape">
+              <a:avLst/>
+            </a:prstTxWarp>
+          </a:bodyPr>
+          <a:lstStyle>
+            <a:defPPr>
+              <a:defRPr lang="en-US"/>
+            </a:defPPr>
+            <a:lvl1pPr marL="0" algn="r" defTabSz="914400" rtl="0" eaLnBrk="1" latinLnBrk="0" hangingPunct="1">
+              <a:defRPr sz="1200" kern="1200">
+                <a:solidFill>
+                  <a:srgbClr val="898989"/>
+                </a:solidFill>
+                <a:latin typeface="Segoe UI" charset="0"/>
+                <a:ea typeface="+mn-ea"/>
+                <a:cs typeface="+mn-cs"/>
+              </a:defRPr>
+            </a:lvl1pPr>
+            <a:lvl2pPr marL="457200" algn="l" defTabSz="914400" rtl="0" eaLnBrk="1" latinLnBrk="0" hangingPunct="1">
+              <a:defRPr sz="1800" kern="1200">
+                <a:solidFill>
+                  <a:schemeClr val="tx1"/>
+                </a:solidFill>
+                <a:latin typeface="+mn-lt"/>
+                <a:ea typeface="+mn-ea"/>
+                <a:cs typeface="+mn-cs"/>
+              </a:defRPr>
+            </a:lvl2pPr>
+            <a:lvl3pPr marL="914400" algn="l" defTabSz="914400" rtl="0" eaLnBrk="1" latinLnBrk="0" hangingPunct="1">
+              <a:defRPr sz="1800" kern="1200">
+                <a:solidFill>
+                  <a:schemeClr val="tx1"/>
+                </a:solidFill>
+                <a:latin typeface="+mn-lt"/>
+                <a:ea typeface="+mn-ea"/>
+                <a:cs typeface="+mn-cs"/>
+              </a:defRPr>
+            </a:lvl3pPr>
+            <a:lvl4pPr marL="1371600" algn="l" defTabSz="914400" rtl="0" eaLnBrk="1" latinLnBrk="0" hangingPunct="1">
+              <a:defRPr sz="1800" kern="1200">
+                <a:solidFill>
+                  <a:schemeClr val="tx1"/>
+                </a:solidFill>
+                <a:latin typeface="+mn-lt"/>
+                <a:ea typeface="+mn-ea"/>
+                <a:cs typeface="+mn-cs"/>
+              </a:defRPr>
+            </a:lvl4pPr>
+            <a:lvl5pPr marL="1828800" algn="l" defTabSz="914400" rtl="0" eaLnBrk="1" latinLnBrk="0" hangingPunct="1">
+              <a:defRPr sz="1800" kern="1200">
+                <a:solidFill>
+                  <a:schemeClr val="tx1"/>
+                </a:solidFill>
+                <a:latin typeface="+mn-lt"/>
+                <a:ea typeface="+mn-ea"/>
+                <a:cs typeface="+mn-cs"/>
+              </a:defRPr>
+            </a:lvl5pPr>
+            <a:lvl6pPr marL="2286000" algn="l" defTabSz="914400" rtl="0" eaLnBrk="1" latinLnBrk="0" hangingPunct="1">
+              <a:defRPr sz="1800" kern="1200">
+                <a:solidFill>
+                  <a:schemeClr val="tx1"/>
+                </a:solidFill>
+                <a:latin typeface="+mn-lt"/>
+                <a:ea typeface="+mn-ea"/>
+                <a:cs typeface="+mn-cs"/>
+              </a:defRPr>
+            </a:lvl6pPr>
+            <a:lvl7pPr marL="2743200" algn="l" defTabSz="914400" rtl="0" eaLnBrk="1" latinLnBrk="0" hangingPunct="1">
+              <a:defRPr sz="1800" kern="1200">
+                <a:solidFill>
+                  <a:schemeClr val="tx1"/>
+                </a:solidFill>
+                <a:latin typeface="+mn-lt"/>
+                <a:ea typeface="+mn-ea"/>
+                <a:cs typeface="+mn-cs"/>
+              </a:defRPr>
+            </a:lvl7pPr>
+            <a:lvl8pPr marL="3200400" algn="l" defTabSz="914400" rtl="0" eaLnBrk="1" latinLnBrk="0" hangingPunct="1">
+              <a:defRPr sz="1800" kern="1200">
+                <a:solidFill>
+                  <a:schemeClr val="tx1"/>
+                </a:solidFill>
+                <a:latin typeface="+mn-lt"/>
+                <a:ea typeface="+mn-ea"/>
+                <a:cs typeface="+mn-cs"/>
+              </a:defRPr>
+            </a:lvl8pPr>
+            <a:lvl9pPr marL="3657600" algn="l" defTabSz="914400" rtl="0" eaLnBrk="1" latinLnBrk="0" hangingPunct="1">
+              <a:defRPr sz="1800" kern="1200">
+                <a:solidFill>
+                  <a:schemeClr val="tx1"/>
+                </a:solidFill>
+                <a:latin typeface="+mn-lt"/>
+                <a:ea typeface="+mn-ea"/>
+                <a:cs typeface="+mn-cs"/>
+              </a:defRPr>
+            </a:lvl9pPr>
+          </a:lstStyle>
+          <a:p>
+            <a:pPr>
+              <a:defRPr/>
+            </a:pPr>
+            <a:fld id="{18C1412E-69E1-864D-A0DF-94DDC7C8003B}" type="slidenum">
+              <a:rPr lang="en-US" smtClean="0"/>
+              <a:pPr>
+                <a:defRPr/>
+              </a:pPr>
+              <a:t>‹#›</a:t>
+            </a:fld>
+            <a:endParaRPr lang="en-US"/>
+          </a:p>
+        </p:txBody>
+      </p:sp>
+      <p:sp>
+        <p:nvSpPr>
+          <p:cNvPr id="10" name="Rectangle 9">
+            <a:extLst>
+              <a:ext uri="{FF2B5EF4-FFF2-40B4-BE49-F238E27FC236}">
+                <a16:creationId xmlns:a16="http://schemas.microsoft.com/office/drawing/2014/main" id="{715CF350-BF31-8549-8FA5-338ED87D9F31}"/>
+              </a:ext>
+            </a:extLst>
+          </p:cNvPr>
+          <p:cNvSpPr/>
+          <p:nvPr userDrawn="1"/>
+        </p:nvSpPr>
+        <p:spPr>
+          <a:xfrm>
+            <a:off x="0" y="6400800"/>
+            <a:ext cx="12192000" cy="457200"/>
+          </a:xfrm>
+          <a:prstGeom prst="rect">
+            <a:avLst/>
+          </a:prstGeom>
+          <a:solidFill>
+            <a:srgbClr val="9A3334"/>
+          </a:solidFill>
+          <a:ln>
+            <a:noFill/>
+          </a:ln>
+        </p:spPr>
+        <p:style>
+          <a:lnRef idx="2">
+            <a:schemeClr val="accent1">
+              <a:shade val="50000"/>
+            </a:schemeClr>
+          </a:lnRef>
+          <a:fillRef idx="1">
+            <a:schemeClr val="accent1"/>
+          </a:fillRef>
+          <a:effectRef idx="0">
+            <a:schemeClr val="accent1"/>
+          </a:effectRef>
+          <a:fontRef idx="minor">
+            <a:schemeClr val="lt1"/>
+          </a:fontRef>
+        </p:style>
+        <p:txBody>
+          <a:bodyPr anchor="ctr"/>
+          <a:lstStyle/>
+          <a:p>
+            <a:pPr algn="ctr" fontAlgn="auto">
+              <a:spcBef>
+                <a:spcPts val="0"/>
+              </a:spcBef>
+              <a:spcAft>
+                <a:spcPts val="0"/>
+              </a:spcAft>
+              <a:defRPr/>
+            </a:pPr>
+            <a:endParaRPr lang="en-US" sz="1800"/>
+          </a:p>
+        </p:txBody>
+      </p:sp>
+      <p:sp>
+        <p:nvSpPr>
+          <p:cNvPr id="11" name="TextBox 10">
+            <a:extLst>
+              <a:ext uri="{FF2B5EF4-FFF2-40B4-BE49-F238E27FC236}">
+                <a16:creationId xmlns:a16="http://schemas.microsoft.com/office/drawing/2014/main" id="{2CE4FBA7-EA83-4B4B-A7C6-F0F5766917AC}"/>
+              </a:ext>
+            </a:extLst>
+          </p:cNvPr>
+          <p:cNvSpPr txBox="1">
+            <a:spLocks noChangeArrowheads="1"/>
+          </p:cNvSpPr>
+          <p:nvPr userDrawn="1"/>
+        </p:nvSpPr>
+        <p:spPr bwMode="auto">
+          <a:xfrm>
+            <a:off x="0" y="6430962"/>
+            <a:ext cx="6705600" cy="396875"/>
+          </a:xfrm>
+          <a:prstGeom prst="rect">
+            <a:avLst/>
+          </a:prstGeom>
+          <a:noFill/>
+          <a:ln>
+            <a:noFill/>
+          </a:ln>
+          <a:extLst>
+            <a:ext uri="{909E8E84-426E-40dd-AFC4-6F175D3DCCD1}">
+              <a14:hiddenFill xmlns="" xmlns:a14="http://schemas.microsoft.com/office/drawing/2010/main">
+                <a:solidFill>
+                  <a:srgbClr val="FFFFFF"/>
+                </a:solidFill>
+              </a14:hiddenFill>
+            </a:ext>
+            <a:ext uri="{91240B29-F687-4f45-9708-019B960494DF}">
+              <a14:hiddenLine xmlns="" xmlns:a14="http://schemas.microsoft.com/office/drawing/2010/main" w="9525">
+                <a:solidFill>
+                  <a:srgbClr val="000000"/>
+                </a:solidFill>
+                <a:miter lim="800000"/>
+                <a:headEnd/>
+                <a:tailEnd/>
+              </a14:hiddenLine>
+            </a:ext>
+          </a:extLst>
+        </p:spPr>
+        <p:txBody>
+          <a:bodyPr>
+            <a:spAutoFit/>
+          </a:bodyPr>
+          <a:lstStyle>
+            <a:lvl1pPr eaLnBrk="0" hangingPunct="0">
+              <a:defRPr sz="2400">
+                <a:solidFill>
+                  <a:schemeClr val="tx1"/>
+                </a:solidFill>
+                <a:latin typeface="Arial" charset="0"/>
+                <a:ea typeface="ＭＳ Ｐゴシック" charset="0"/>
+                <a:cs typeface="ＭＳ Ｐゴシック" charset="0"/>
+              </a:defRPr>
+            </a:lvl1pPr>
+            <a:lvl2pPr marL="742950" indent="-285750" eaLnBrk="0" hangingPunct="0">
+              <a:defRPr sz="2400">
+                <a:solidFill>
+                  <a:schemeClr val="tx1"/>
+                </a:solidFill>
+                <a:latin typeface="Arial" charset="0"/>
+                <a:ea typeface="ＭＳ Ｐゴシック" charset="0"/>
+              </a:defRPr>
+            </a:lvl2pPr>
+            <a:lvl3pPr marL="1143000" indent="-228600" eaLnBrk="0" hangingPunct="0">
+              <a:defRPr sz="2400">
+                <a:solidFill>
+                  <a:schemeClr val="tx1"/>
+                </a:solidFill>
+                <a:latin typeface="Arial" charset="0"/>
+                <a:ea typeface="ＭＳ Ｐゴシック" charset="0"/>
+              </a:defRPr>
+            </a:lvl3pPr>
+            <a:lvl4pPr marL="1600200" indent="-228600" eaLnBrk="0" hangingPunct="0">
+              <a:defRPr sz="2400">
+                <a:solidFill>
+                  <a:schemeClr val="tx1"/>
+                </a:solidFill>
+                <a:latin typeface="Arial" charset="0"/>
+                <a:ea typeface="ＭＳ Ｐゴシック" charset="0"/>
+              </a:defRPr>
+            </a:lvl4pPr>
+            <a:lvl5pPr marL="2057400" indent="-228600" eaLnBrk="0" hangingPunct="0">
+              <a:defRPr sz="2400">
+                <a:solidFill>
+                  <a:schemeClr val="tx1"/>
+                </a:solidFill>
+                <a:latin typeface="Arial" charset="0"/>
+                <a:ea typeface="ＭＳ Ｐゴシック" charset="0"/>
+              </a:defRPr>
+            </a:lvl5pPr>
+            <a:lvl6pPr marL="2514600" indent="-228600" eaLnBrk="0" fontAlgn="base" hangingPunct="0">
+              <a:spcBef>
+                <a:spcPct val="0"/>
+              </a:spcBef>
+              <a:spcAft>
+                <a:spcPct val="0"/>
+              </a:spcAft>
+              <a:defRPr sz="2400">
+                <a:solidFill>
+                  <a:schemeClr val="tx1"/>
+                </a:solidFill>
+                <a:latin typeface="Arial" charset="0"/>
+                <a:ea typeface="ＭＳ Ｐゴシック" charset="0"/>
+              </a:defRPr>
+            </a:lvl6pPr>
+            <a:lvl7pPr marL="2971800" indent="-228600" eaLnBrk="0" fontAlgn="base" hangingPunct="0">
+              <a:spcBef>
+                <a:spcPct val="0"/>
+              </a:spcBef>
+              <a:spcAft>
+                <a:spcPct val="0"/>
+              </a:spcAft>
+              <a:defRPr sz="2400">
+                <a:solidFill>
+                  <a:schemeClr val="tx1"/>
+                </a:solidFill>
+                <a:latin typeface="Arial" charset="0"/>
+                <a:ea typeface="ＭＳ Ｐゴシック" charset="0"/>
+              </a:defRPr>
+            </a:lvl7pPr>
+            <a:lvl8pPr marL="3429000" indent="-228600" eaLnBrk="0" fontAlgn="base" hangingPunct="0">
+              <a:spcBef>
+                <a:spcPct val="0"/>
+              </a:spcBef>
+              <a:spcAft>
+                <a:spcPct val="0"/>
+              </a:spcAft>
+              <a:defRPr sz="2400">
+                <a:solidFill>
+                  <a:schemeClr val="tx1"/>
+                </a:solidFill>
+                <a:latin typeface="Arial" charset="0"/>
+                <a:ea typeface="ＭＳ Ｐゴシック" charset="0"/>
+              </a:defRPr>
+            </a:lvl8pPr>
+            <a:lvl9pPr marL="3886200" indent="-228600" eaLnBrk="0" fontAlgn="base" hangingPunct="0">
+              <a:spcBef>
+                <a:spcPct val="0"/>
+              </a:spcBef>
+              <a:spcAft>
+                <a:spcPct val="0"/>
+              </a:spcAft>
+              <a:defRPr sz="2400">
+                <a:solidFill>
+                  <a:schemeClr val="tx1"/>
+                </a:solidFill>
+                <a:latin typeface="Arial" charset="0"/>
+                <a:ea typeface="ＭＳ Ｐゴシック" charset="0"/>
+              </a:defRPr>
+            </a:lvl9pPr>
+          </a:lstStyle>
+          <a:p>
+            <a:pPr eaLnBrk="1" hangingPunct="1">
+              <a:defRPr/>
+            </a:pPr>
+            <a:r>
+              <a:rPr lang="en-US" sz="2000" b="1" dirty="0">
+                <a:solidFill>
+                  <a:schemeClr val="bg1"/>
+                </a:solidFill>
+                <a:latin typeface="Calibri" charset="0"/>
+                <a:cs typeface="Calibri" charset="0"/>
+              </a:rPr>
+              <a:t>Module 1</a:t>
+            </a:r>
+          </a:p>
+        </p:txBody>
+      </p:sp>
+      <p:sp>
+        <p:nvSpPr>
+          <p:cNvPr id="12" name="TextBox 11">
+            <a:extLst>
+              <a:ext uri="{FF2B5EF4-FFF2-40B4-BE49-F238E27FC236}">
+                <a16:creationId xmlns:a16="http://schemas.microsoft.com/office/drawing/2014/main" id="{8EB12434-FD9E-4242-B813-5136B9D05A8A}"/>
+              </a:ext>
+            </a:extLst>
+          </p:cNvPr>
           <p:cNvSpPr txBox="1"/>
           <p:nvPr userDrawn="1"/>
         </p:nvSpPr>
         <p:spPr>
           <a:xfrm>
-            <a:off x="101600" y="6429375"/>
-            <a:ext cx="8940800" cy="400050"/>
+            <a:off x="9639300" y="6400800"/>
+            <a:ext cx="2362200" cy="457200"/>
           </a:xfrm>
           <a:prstGeom prst="rect">
             <a:avLst/>
@@ -1341,2659 +3539,6 @@
             </a:lvl9pPr>
           </a:lstStyle>
           <a:p>
-            <a:pPr eaLnBrk="1" hangingPunct="1">
-              <a:defRPr/>
-            </a:pPr>
-            <a:r>
-              <a:rPr lang="en-US" sz="2000" b="1">
-                <a:solidFill>
-                  <a:schemeClr val="bg1"/>
-                </a:solidFill>
-                <a:latin typeface="Calibri" charset="0"/>
-                <a:cs typeface="Calibri" charset="0"/>
-              </a:rPr>
-              <a:t>RNA sequencing and analysis</a:t>
-            </a:r>
-          </a:p>
-        </p:txBody>
-      </p:sp>
-      <p:sp>
-        <p:nvSpPr>
-          <p:cNvPr id="6" name="TextBox 5"/>
-          <p:cNvSpPr txBox="1"/>
-          <p:nvPr userDrawn="1"/>
-        </p:nvSpPr>
-        <p:spPr>
-          <a:xfrm>
-            <a:off x="8229600" y="6477000"/>
-            <a:ext cx="3860800" cy="338138"/>
-          </a:xfrm>
-          <a:prstGeom prst="rect">
-            <a:avLst/>
-          </a:prstGeom>
-          <a:noFill/>
-        </p:spPr>
-        <p:txBody>
-          <a:bodyPr>
-            <a:spAutoFit/>
-          </a:bodyPr>
-          <a:lstStyle>
-            <a:lvl1pPr eaLnBrk="0" hangingPunct="0">
-              <a:defRPr sz="2400">
-                <a:solidFill>
-                  <a:schemeClr val="tx1"/>
-                </a:solidFill>
-                <a:latin typeface="Arial" charset="0"/>
-                <a:ea typeface="ＭＳ Ｐゴシック" charset="0"/>
-                <a:cs typeface="ＭＳ Ｐゴシック" charset="0"/>
-              </a:defRPr>
-            </a:lvl1pPr>
-            <a:lvl2pPr marL="37931725" indent="-37474525" eaLnBrk="0" hangingPunct="0">
-              <a:defRPr sz="2400">
-                <a:solidFill>
-                  <a:schemeClr val="tx1"/>
-                </a:solidFill>
-                <a:latin typeface="Arial" charset="0"/>
-                <a:ea typeface="ＭＳ Ｐゴシック" charset="0"/>
-              </a:defRPr>
-            </a:lvl2pPr>
-            <a:lvl3pPr eaLnBrk="0" hangingPunct="0">
-              <a:defRPr sz="2400">
-                <a:solidFill>
-                  <a:schemeClr val="tx1"/>
-                </a:solidFill>
-                <a:latin typeface="Arial" charset="0"/>
-                <a:ea typeface="ＭＳ Ｐゴシック" charset="0"/>
-              </a:defRPr>
-            </a:lvl3pPr>
-            <a:lvl4pPr eaLnBrk="0" hangingPunct="0">
-              <a:defRPr sz="2400">
-                <a:solidFill>
-                  <a:schemeClr val="tx1"/>
-                </a:solidFill>
-                <a:latin typeface="Arial" charset="0"/>
-                <a:ea typeface="ＭＳ Ｐゴシック" charset="0"/>
-              </a:defRPr>
-            </a:lvl4pPr>
-            <a:lvl5pPr eaLnBrk="0" hangingPunct="0">
-              <a:defRPr sz="2400">
-                <a:solidFill>
-                  <a:schemeClr val="tx1"/>
-                </a:solidFill>
-                <a:latin typeface="Arial" charset="0"/>
-                <a:ea typeface="ＭＳ Ｐゴシック" charset="0"/>
-              </a:defRPr>
-            </a:lvl5pPr>
-            <a:lvl6pPr marL="457200" eaLnBrk="0" fontAlgn="base" hangingPunct="0">
-              <a:spcBef>
-                <a:spcPct val="0"/>
-              </a:spcBef>
-              <a:spcAft>
-                <a:spcPct val="0"/>
-              </a:spcAft>
-              <a:defRPr sz="2400">
-                <a:solidFill>
-                  <a:schemeClr val="tx1"/>
-                </a:solidFill>
-                <a:latin typeface="Arial" charset="0"/>
-                <a:ea typeface="ＭＳ Ｐゴシック" charset="0"/>
-              </a:defRPr>
-            </a:lvl6pPr>
-            <a:lvl7pPr marL="914400" eaLnBrk="0" fontAlgn="base" hangingPunct="0">
-              <a:spcBef>
-                <a:spcPct val="0"/>
-              </a:spcBef>
-              <a:spcAft>
-                <a:spcPct val="0"/>
-              </a:spcAft>
-              <a:defRPr sz="2400">
-                <a:solidFill>
-                  <a:schemeClr val="tx1"/>
-                </a:solidFill>
-                <a:latin typeface="Arial" charset="0"/>
-                <a:ea typeface="ＭＳ Ｐゴシック" charset="0"/>
-              </a:defRPr>
-            </a:lvl7pPr>
-            <a:lvl8pPr marL="1371600" eaLnBrk="0" fontAlgn="base" hangingPunct="0">
-              <a:spcBef>
-                <a:spcPct val="0"/>
-              </a:spcBef>
-              <a:spcAft>
-                <a:spcPct val="0"/>
-              </a:spcAft>
-              <a:defRPr sz="2400">
-                <a:solidFill>
-                  <a:schemeClr val="tx1"/>
-                </a:solidFill>
-                <a:latin typeface="Arial" charset="0"/>
-                <a:ea typeface="ＭＳ Ｐゴシック" charset="0"/>
-              </a:defRPr>
-            </a:lvl8pPr>
-            <a:lvl9pPr marL="1828800" eaLnBrk="0" fontAlgn="base" hangingPunct="0">
-              <a:spcBef>
-                <a:spcPct val="0"/>
-              </a:spcBef>
-              <a:spcAft>
-                <a:spcPct val="0"/>
-              </a:spcAft>
-              <a:defRPr sz="2400">
-                <a:solidFill>
-                  <a:schemeClr val="tx1"/>
-                </a:solidFill>
-                <a:latin typeface="Arial" charset="0"/>
-                <a:ea typeface="ＭＳ Ｐゴシック" charset="0"/>
-              </a:defRPr>
-            </a:lvl9pPr>
-          </a:lstStyle>
-          <a:p>
-            <a:pPr algn="r" eaLnBrk="1" hangingPunct="1">
-              <a:defRPr/>
-            </a:pPr>
-            <a:r>
-              <a:rPr lang="en-US" sz="1600" b="1">
-                <a:cs typeface="Arial" charset="0"/>
-              </a:rPr>
-              <a:t>http://meetings.cshl.edu/</a:t>
-            </a:r>
-            <a:endParaRPr lang="en-US" sz="1600">
-              <a:cs typeface="Arial" charset="0"/>
-            </a:endParaRPr>
-          </a:p>
-        </p:txBody>
-      </p:sp>
-      <p:sp>
-        <p:nvSpPr>
-          <p:cNvPr id="3" name="Content Placeholder 2"/>
-          <p:cNvSpPr>
-            <a:spLocks noGrp="1"/>
-          </p:cNvSpPr>
-          <p:nvPr>
-            <p:ph idx="1"/>
-          </p:nvPr>
-        </p:nvSpPr>
-        <p:spPr>
-          <a:xfrm>
-            <a:off x="203200" y="152400"/>
-            <a:ext cx="11785600" cy="6172200"/>
-          </a:xfrm>
-        </p:spPr>
-        <p:txBody>
-          <a:bodyPr/>
-          <a:lstStyle>
-            <a:lvl1pPr>
-              <a:defRPr sz="2800">
-                <a:latin typeface="Calibri"/>
-                <a:cs typeface="Calibri"/>
-              </a:defRPr>
-            </a:lvl1pPr>
-            <a:lvl2pPr>
-              <a:defRPr sz="2400">
-                <a:latin typeface="Calibri"/>
-                <a:cs typeface="Calibri"/>
-              </a:defRPr>
-            </a:lvl2pPr>
-            <a:lvl3pPr>
-              <a:defRPr sz="2000">
-                <a:latin typeface="Calibri"/>
-                <a:cs typeface="Calibri"/>
-              </a:defRPr>
-            </a:lvl3pPr>
-            <a:lvl4pPr>
-              <a:defRPr sz="1800">
-                <a:latin typeface="Calibri"/>
-                <a:cs typeface="Calibri"/>
-              </a:defRPr>
-            </a:lvl4pPr>
-            <a:lvl5pPr>
-              <a:defRPr sz="1800">
-                <a:latin typeface="Calibri"/>
-                <a:cs typeface="Calibri"/>
-              </a:defRPr>
-            </a:lvl5pPr>
-          </a:lstStyle>
-          <a:p>
-            <a:pPr lvl="0"/>
-            <a:r>
-              <a:rPr lang="en-US" dirty="0"/>
-              <a:t>Click to edit Master text styles</a:t>
-            </a:r>
-          </a:p>
-          <a:p>
-            <a:pPr lvl="1"/>
-            <a:r>
-              <a:rPr lang="en-US" dirty="0"/>
-              <a:t>Second level</a:t>
-            </a:r>
-          </a:p>
-          <a:p>
-            <a:pPr lvl="2"/>
-            <a:r>
-              <a:rPr lang="en-US" dirty="0"/>
-              <a:t>Third level</a:t>
-            </a:r>
-          </a:p>
-          <a:p>
-            <a:pPr lvl="3"/>
-            <a:r>
-              <a:rPr lang="en-US" dirty="0"/>
-              <a:t>Fourth level</a:t>
-            </a:r>
-          </a:p>
-          <a:p>
-            <a:pPr lvl="4"/>
-            <a:r>
-              <a:rPr lang="en-US" dirty="0"/>
-              <a:t>Fifth level</a:t>
-            </a:r>
-          </a:p>
-        </p:txBody>
-      </p:sp>
-    </p:spTree>
-    <p:extLst>
-      <p:ext uri="{BB962C8B-B14F-4D97-AF65-F5344CB8AC3E}">
-        <p14:creationId xmlns:p14="http://schemas.microsoft.com/office/powerpoint/2010/main" val="2559371900"/>
-      </p:ext>
-    </p:extLst>
-  </p:cSld>
-  <p:clrMapOvr>
-    <a:masterClrMapping/>
-  </p:clrMapOvr>
-</p:sldLayout>
-</file>
-
-<file path=ppt/slideLayouts/slideLayout13.xml><?xml version="1.0" encoding="utf-8"?>
-<p:sldLayout xmlns:a="http://schemas.openxmlformats.org/drawingml/2006/main" xmlns:r="http://schemas.openxmlformats.org/officeDocument/2006/relationships" xmlns:p="http://schemas.openxmlformats.org/presentationml/2006/main" userDrawn="1">
-  <p:cSld name="Title">
-    <p:spTree>
-      <p:nvGrpSpPr>
-        <p:cNvPr id="1" name=""/>
-        <p:cNvGrpSpPr/>
-        <p:nvPr/>
-      </p:nvGrpSpPr>
-      <p:grpSpPr>
-        <a:xfrm>
-          <a:off x="0" y="0"/>
-          <a:ext cx="0" cy="0"/>
-          <a:chOff x="0" y="0"/>
-          <a:chExt cx="0" cy="0"/>
-        </a:xfrm>
-      </p:grpSpPr>
-      <p:sp>
-        <p:nvSpPr>
-          <p:cNvPr id="2" name="Rectangle 1"/>
-          <p:cNvSpPr/>
-          <p:nvPr userDrawn="1"/>
-        </p:nvSpPr>
-        <p:spPr>
-          <a:xfrm>
-            <a:off x="0" y="0"/>
-            <a:ext cx="12192000" cy="2514600"/>
-          </a:xfrm>
-          <a:prstGeom prst="rect">
-            <a:avLst/>
-          </a:prstGeom>
-          <a:solidFill>
-            <a:schemeClr val="tx1"/>
-          </a:solidFill>
-          <a:ln>
-            <a:noFill/>
-          </a:ln>
-        </p:spPr>
-        <p:style>
-          <a:lnRef idx="2">
-            <a:schemeClr val="accent1">
-              <a:shade val="50000"/>
-            </a:schemeClr>
-          </a:lnRef>
-          <a:fillRef idx="1">
-            <a:schemeClr val="accent1"/>
-          </a:fillRef>
-          <a:effectRef idx="0">
-            <a:schemeClr val="accent1"/>
-          </a:effectRef>
-          <a:fontRef idx="minor">
-            <a:schemeClr val="lt1"/>
-          </a:fontRef>
-        </p:style>
-        <p:txBody>
-          <a:bodyPr anchor="ctr"/>
-          <a:lstStyle/>
-          <a:p>
-            <a:pPr algn="ctr">
-              <a:defRPr/>
-            </a:pPr>
-            <a:endParaRPr lang="en-US" sz="1350">
-              <a:solidFill>
-                <a:srgbClr val="FFFFFF"/>
-              </a:solidFill>
-              <a:latin typeface="Segoe UI" charset="0"/>
-              <a:ea typeface="ＭＳ Ｐゴシック" charset="0"/>
-              <a:cs typeface="ＭＳ Ｐゴシック" charset="0"/>
-            </a:endParaRPr>
-          </a:p>
-        </p:txBody>
-      </p:sp>
-      <p:pic>
-        <p:nvPicPr>
-          <p:cNvPr id="3" name="Picture 7" descr="cshl_logo_alternate rgb.png"/>
-          <p:cNvPicPr>
-            <a:picLocks noChangeAspect="1"/>
-          </p:cNvPicPr>
-          <p:nvPr userDrawn="1"/>
-        </p:nvPicPr>
-        <p:blipFill>
-          <a:blip r:embed="rId2">
-            <a:extLst>
-              <a:ext uri="{28A0092B-C50C-407E-A947-70E740481C1C}">
-                <a14:useLocalDpi xmlns:a14="http://schemas.microsoft.com/office/drawing/2010/main" val="0"/>
-              </a:ext>
-            </a:extLst>
-          </a:blip>
-          <a:srcRect/>
-          <a:stretch>
-            <a:fillRect/>
-          </a:stretch>
-        </p:blipFill>
-        <p:spPr bwMode="auto">
-          <a:xfrm>
-            <a:off x="400052" y="381000"/>
-            <a:ext cx="4679949" cy="1676400"/>
-          </a:xfrm>
-          <a:prstGeom prst="rect">
-            <a:avLst/>
-          </a:prstGeom>
-          <a:noFill/>
-          <a:ln>
-            <a:noFill/>
-          </a:ln>
-          <a:extLst>
-            <a:ext uri="{909E8E84-426E-40dd-AFC4-6F175D3DCCD1}">
-              <a14:hiddenFill xmlns="" xmlns:a14="http://schemas.microsoft.com/office/drawing/2010/main">
-                <a:solidFill>
-                  <a:srgbClr val="FFFFFF"/>
-                </a:solidFill>
-              </a14:hiddenFill>
-            </a:ext>
-            <a:ext uri="{91240B29-F687-4f45-9708-019B960494DF}">
-              <a14:hiddenLine xmlns="" xmlns:a14="http://schemas.microsoft.com/office/drawing/2010/main" w="9525">
-                <a:solidFill>
-                  <a:srgbClr val="000000"/>
-                </a:solidFill>
-                <a:miter lim="800000"/>
-                <a:headEnd/>
-                <a:tailEnd/>
-              </a14:hiddenLine>
-            </a:ext>
-          </a:extLst>
-        </p:spPr>
-      </p:pic>
-    </p:spTree>
-    <p:extLst>
-      <p:ext uri="{BB962C8B-B14F-4D97-AF65-F5344CB8AC3E}">
-        <p14:creationId xmlns:p14="http://schemas.microsoft.com/office/powerpoint/2010/main" val="3451094123"/>
-      </p:ext>
-    </p:extLst>
-  </p:cSld>
-  <p:clrMapOvr>
-    <a:masterClrMapping/>
-  </p:clrMapOvr>
-</p:sldLayout>
-</file>
-
-<file path=ppt/slideLayouts/slideLayout2.xml><?xml version="1.0" encoding="utf-8"?>
-<p:sldLayout xmlns:a="http://schemas.openxmlformats.org/drawingml/2006/main" xmlns:r="http://schemas.openxmlformats.org/officeDocument/2006/relationships" xmlns:p="http://schemas.openxmlformats.org/presentationml/2006/main" type="obj" preserve="1">
-  <p:cSld name="Title and Content">
-    <p:spTree>
-      <p:nvGrpSpPr>
-        <p:cNvPr id="1" name=""/>
-        <p:cNvGrpSpPr/>
-        <p:nvPr/>
-      </p:nvGrpSpPr>
-      <p:grpSpPr>
-        <a:xfrm>
-          <a:off x="0" y="0"/>
-          <a:ext cx="0" cy="0"/>
-          <a:chOff x="0" y="0"/>
-          <a:chExt cx="0" cy="0"/>
-        </a:xfrm>
-      </p:grpSpPr>
-      <p:sp>
-        <p:nvSpPr>
-          <p:cNvPr id="2" name="Title 1">
-            <a:extLst>
-              <a:ext uri="{FF2B5EF4-FFF2-40B4-BE49-F238E27FC236}">
-                <a16:creationId xmlns:a16="http://schemas.microsoft.com/office/drawing/2014/main" id="{26204983-FF57-3A4F-A50C-F9933F0EF3B0}"/>
-              </a:ext>
-            </a:extLst>
-          </p:cNvPr>
-          <p:cNvSpPr>
-            <a:spLocks noGrp="1"/>
-          </p:cNvSpPr>
-          <p:nvPr>
-            <p:ph type="title"/>
-          </p:nvPr>
-        </p:nvSpPr>
-        <p:spPr/>
-        <p:txBody>
-          <a:bodyPr/>
-          <a:lstStyle/>
-          <a:p>
-            <a:r>
-              <a:rPr lang="en-US"/>
-              <a:t>Click to edit Master title style</a:t>
-            </a:r>
-          </a:p>
-        </p:txBody>
-      </p:sp>
-      <p:sp>
-        <p:nvSpPr>
-          <p:cNvPr id="3" name="Content Placeholder 2">
-            <a:extLst>
-              <a:ext uri="{FF2B5EF4-FFF2-40B4-BE49-F238E27FC236}">
-                <a16:creationId xmlns:a16="http://schemas.microsoft.com/office/drawing/2014/main" id="{E8B265CB-057E-5147-B720-C8DDCC860D47}"/>
-              </a:ext>
-            </a:extLst>
-          </p:cNvPr>
-          <p:cNvSpPr>
-            <a:spLocks noGrp="1"/>
-          </p:cNvSpPr>
-          <p:nvPr>
-            <p:ph idx="1"/>
-          </p:nvPr>
-        </p:nvSpPr>
-        <p:spPr/>
-        <p:txBody>
-          <a:bodyPr/>
-          <a:lstStyle/>
-          <a:p>
-            <a:pPr lvl="0"/>
-            <a:r>
-              <a:rPr lang="en-US"/>
-              <a:t>Edit Master text styles</a:t>
-            </a:r>
-          </a:p>
-          <a:p>
-            <a:pPr lvl="1"/>
-            <a:r>
-              <a:rPr lang="en-US"/>
-              <a:t>Second level</a:t>
-            </a:r>
-          </a:p>
-          <a:p>
-            <a:pPr lvl="2"/>
-            <a:r>
-              <a:rPr lang="en-US"/>
-              <a:t>Third level</a:t>
-            </a:r>
-          </a:p>
-          <a:p>
-            <a:pPr lvl="3"/>
-            <a:r>
-              <a:rPr lang="en-US"/>
-              <a:t>Fourth level</a:t>
-            </a:r>
-          </a:p>
-          <a:p>
-            <a:pPr lvl="4"/>
-            <a:r>
-              <a:rPr lang="en-US"/>
-              <a:t>Fifth level</a:t>
-            </a:r>
-          </a:p>
-        </p:txBody>
-      </p:sp>
-      <p:sp>
-        <p:nvSpPr>
-          <p:cNvPr id="6" name="Slide Number Placeholder 5">
-            <a:extLst>
-              <a:ext uri="{FF2B5EF4-FFF2-40B4-BE49-F238E27FC236}">
-                <a16:creationId xmlns:a16="http://schemas.microsoft.com/office/drawing/2014/main" id="{BBA7E5F7-C396-4941-BBC4-7BEAF927C071}"/>
-              </a:ext>
-            </a:extLst>
-          </p:cNvPr>
-          <p:cNvSpPr>
-            <a:spLocks noGrp="1"/>
-          </p:cNvSpPr>
-          <p:nvPr>
-            <p:ph type="sldNum" sz="quarter" idx="12"/>
-          </p:nvPr>
-        </p:nvSpPr>
-        <p:spPr/>
-        <p:txBody>
-          <a:bodyPr/>
-          <a:lstStyle/>
-          <a:p>
-            <a:fld id="{0B973F48-4628-F846-BA33-DDE653D83577}" type="slidenum">
-              <a:rPr lang="en-US" smtClean="0"/>
-              <a:t>‹#›</a:t>
-            </a:fld>
-            <a:endParaRPr lang="en-US"/>
-          </a:p>
-        </p:txBody>
-      </p:sp>
-    </p:spTree>
-    <p:extLst>
-      <p:ext uri="{BB962C8B-B14F-4D97-AF65-F5344CB8AC3E}">
-        <p14:creationId xmlns:p14="http://schemas.microsoft.com/office/powerpoint/2010/main" val="1952203419"/>
-      </p:ext>
-    </p:extLst>
-  </p:cSld>
-  <p:clrMapOvr>
-    <a:masterClrMapping/>
-  </p:clrMapOvr>
-</p:sldLayout>
-</file>
-
-<file path=ppt/slideLayouts/slideLayout3.xml><?xml version="1.0" encoding="utf-8"?>
-<p:sldLayout xmlns:a="http://schemas.openxmlformats.org/drawingml/2006/main" xmlns:r="http://schemas.openxmlformats.org/officeDocument/2006/relationships" xmlns:p="http://schemas.openxmlformats.org/presentationml/2006/main" type="secHead" preserve="1">
-  <p:cSld name="Section Header">
-    <p:spTree>
-      <p:nvGrpSpPr>
-        <p:cNvPr id="1" name=""/>
-        <p:cNvGrpSpPr/>
-        <p:nvPr/>
-      </p:nvGrpSpPr>
-      <p:grpSpPr>
-        <a:xfrm>
-          <a:off x="0" y="0"/>
-          <a:ext cx="0" cy="0"/>
-          <a:chOff x="0" y="0"/>
-          <a:chExt cx="0" cy="0"/>
-        </a:xfrm>
-      </p:grpSpPr>
-      <p:sp>
-        <p:nvSpPr>
-          <p:cNvPr id="2" name="Title 1">
-            <a:extLst>
-              <a:ext uri="{FF2B5EF4-FFF2-40B4-BE49-F238E27FC236}">
-                <a16:creationId xmlns:a16="http://schemas.microsoft.com/office/drawing/2014/main" id="{A7D0A621-739C-C746-8F29-9D6CFEEA4FAE}"/>
-              </a:ext>
-            </a:extLst>
-          </p:cNvPr>
-          <p:cNvSpPr>
-            <a:spLocks noGrp="1"/>
-          </p:cNvSpPr>
-          <p:nvPr>
-            <p:ph type="title"/>
-          </p:nvPr>
-        </p:nvSpPr>
-        <p:spPr>
-          <a:xfrm>
-            <a:off x="831850" y="1709738"/>
-            <a:ext cx="10515600" cy="2852737"/>
-          </a:xfrm>
-        </p:spPr>
-        <p:txBody>
-          <a:bodyPr anchor="b"/>
-          <a:lstStyle>
-            <a:lvl1pPr>
-              <a:defRPr sz="6000"/>
-            </a:lvl1pPr>
-          </a:lstStyle>
-          <a:p>
-            <a:r>
-              <a:rPr lang="en-US"/>
-              <a:t>Click to edit Master title style</a:t>
-            </a:r>
-          </a:p>
-        </p:txBody>
-      </p:sp>
-      <p:sp>
-        <p:nvSpPr>
-          <p:cNvPr id="3" name="Text Placeholder 2">
-            <a:extLst>
-              <a:ext uri="{FF2B5EF4-FFF2-40B4-BE49-F238E27FC236}">
-                <a16:creationId xmlns:a16="http://schemas.microsoft.com/office/drawing/2014/main" id="{34704B73-4058-7C40-98C2-4104D91876C2}"/>
-              </a:ext>
-            </a:extLst>
-          </p:cNvPr>
-          <p:cNvSpPr>
-            <a:spLocks noGrp="1"/>
-          </p:cNvSpPr>
-          <p:nvPr>
-            <p:ph type="body" idx="1"/>
-          </p:nvPr>
-        </p:nvSpPr>
-        <p:spPr>
-          <a:xfrm>
-            <a:off x="831850" y="4589463"/>
-            <a:ext cx="10515600" cy="1500187"/>
-          </a:xfrm>
-        </p:spPr>
-        <p:txBody>
-          <a:bodyPr/>
-          <a:lstStyle>
-            <a:lvl1pPr marL="0" indent="0">
-              <a:buNone/>
-              <a:defRPr sz="2400">
-                <a:solidFill>
-                  <a:schemeClr val="tx1">
-                    <a:tint val="75000"/>
-                  </a:schemeClr>
-                </a:solidFill>
-              </a:defRPr>
-            </a:lvl1pPr>
-            <a:lvl2pPr marL="457200" indent="0">
-              <a:buNone/>
-              <a:defRPr sz="2000">
-                <a:solidFill>
-                  <a:schemeClr val="tx1">
-                    <a:tint val="75000"/>
-                  </a:schemeClr>
-                </a:solidFill>
-              </a:defRPr>
-            </a:lvl2pPr>
-            <a:lvl3pPr marL="914400" indent="0">
-              <a:buNone/>
-              <a:defRPr sz="1800">
-                <a:solidFill>
-                  <a:schemeClr val="tx1">
-                    <a:tint val="75000"/>
-                  </a:schemeClr>
-                </a:solidFill>
-              </a:defRPr>
-            </a:lvl3pPr>
-            <a:lvl4pPr marL="1371600" indent="0">
-              <a:buNone/>
-              <a:defRPr sz="1600">
-                <a:solidFill>
-                  <a:schemeClr val="tx1">
-                    <a:tint val="75000"/>
-                  </a:schemeClr>
-                </a:solidFill>
-              </a:defRPr>
-            </a:lvl4pPr>
-            <a:lvl5pPr marL="1828800" indent="0">
-              <a:buNone/>
-              <a:defRPr sz="1600">
-                <a:solidFill>
-                  <a:schemeClr val="tx1">
-                    <a:tint val="75000"/>
-                  </a:schemeClr>
-                </a:solidFill>
-              </a:defRPr>
-            </a:lvl5pPr>
-            <a:lvl6pPr marL="2286000" indent="0">
-              <a:buNone/>
-              <a:defRPr sz="1600">
-                <a:solidFill>
-                  <a:schemeClr val="tx1">
-                    <a:tint val="75000"/>
-                  </a:schemeClr>
-                </a:solidFill>
-              </a:defRPr>
-            </a:lvl6pPr>
-            <a:lvl7pPr marL="2743200" indent="0">
-              <a:buNone/>
-              <a:defRPr sz="1600">
-                <a:solidFill>
-                  <a:schemeClr val="tx1">
-                    <a:tint val="75000"/>
-                  </a:schemeClr>
-                </a:solidFill>
-              </a:defRPr>
-            </a:lvl7pPr>
-            <a:lvl8pPr marL="3200400" indent="0">
-              <a:buNone/>
-              <a:defRPr sz="1600">
-                <a:solidFill>
-                  <a:schemeClr val="tx1">
-                    <a:tint val="75000"/>
-                  </a:schemeClr>
-                </a:solidFill>
-              </a:defRPr>
-            </a:lvl8pPr>
-            <a:lvl9pPr marL="3657600" indent="0">
-              <a:buNone/>
-              <a:defRPr sz="1600">
-                <a:solidFill>
-                  <a:schemeClr val="tx1">
-                    <a:tint val="75000"/>
-                  </a:schemeClr>
-                </a:solidFill>
-              </a:defRPr>
-            </a:lvl9pPr>
-          </a:lstStyle>
-          <a:p>
-            <a:pPr lvl="0"/>
-            <a:r>
-              <a:rPr lang="en-US"/>
-              <a:t>Edit Master text styles</a:t>
-            </a:r>
-          </a:p>
-        </p:txBody>
-      </p:sp>
-      <p:sp>
-        <p:nvSpPr>
-          <p:cNvPr id="6" name="Slide Number Placeholder 5">
-            <a:extLst>
-              <a:ext uri="{FF2B5EF4-FFF2-40B4-BE49-F238E27FC236}">
-                <a16:creationId xmlns:a16="http://schemas.microsoft.com/office/drawing/2014/main" id="{E5EEE93E-C8A1-354A-AF1E-19A5283E305A}"/>
-              </a:ext>
-            </a:extLst>
-          </p:cNvPr>
-          <p:cNvSpPr>
-            <a:spLocks noGrp="1"/>
-          </p:cNvSpPr>
-          <p:nvPr>
-            <p:ph type="sldNum" sz="quarter" idx="12"/>
-          </p:nvPr>
-        </p:nvSpPr>
-        <p:spPr/>
-        <p:txBody>
-          <a:bodyPr/>
-          <a:lstStyle/>
-          <a:p>
-            <a:fld id="{0B973F48-4628-F846-BA33-DDE653D83577}" type="slidenum">
-              <a:rPr lang="en-US" smtClean="0"/>
-              <a:t>‹#›</a:t>
-            </a:fld>
-            <a:endParaRPr lang="en-US"/>
-          </a:p>
-        </p:txBody>
-      </p:sp>
-    </p:spTree>
-    <p:extLst>
-      <p:ext uri="{BB962C8B-B14F-4D97-AF65-F5344CB8AC3E}">
-        <p14:creationId xmlns:p14="http://schemas.microsoft.com/office/powerpoint/2010/main" val="534873305"/>
-      </p:ext>
-    </p:extLst>
-  </p:cSld>
-  <p:clrMapOvr>
-    <a:masterClrMapping/>
-  </p:clrMapOvr>
-</p:sldLayout>
-</file>
-
-<file path=ppt/slideLayouts/slideLayout4.xml><?xml version="1.0" encoding="utf-8"?>
-<p:sldLayout xmlns:a="http://schemas.openxmlformats.org/drawingml/2006/main" xmlns:r="http://schemas.openxmlformats.org/officeDocument/2006/relationships" xmlns:p="http://schemas.openxmlformats.org/presentationml/2006/main" type="twoObj" preserve="1">
-  <p:cSld name="Two Content">
-    <p:spTree>
-      <p:nvGrpSpPr>
-        <p:cNvPr id="1" name=""/>
-        <p:cNvGrpSpPr/>
-        <p:nvPr/>
-      </p:nvGrpSpPr>
-      <p:grpSpPr>
-        <a:xfrm>
-          <a:off x="0" y="0"/>
-          <a:ext cx="0" cy="0"/>
-          <a:chOff x="0" y="0"/>
-          <a:chExt cx="0" cy="0"/>
-        </a:xfrm>
-      </p:grpSpPr>
-      <p:sp>
-        <p:nvSpPr>
-          <p:cNvPr id="2" name="Title 1">
-            <a:extLst>
-              <a:ext uri="{FF2B5EF4-FFF2-40B4-BE49-F238E27FC236}">
-                <a16:creationId xmlns:a16="http://schemas.microsoft.com/office/drawing/2014/main" id="{70ACA464-1AAB-3D41-837C-83C938183D29}"/>
-              </a:ext>
-            </a:extLst>
-          </p:cNvPr>
-          <p:cNvSpPr>
-            <a:spLocks noGrp="1"/>
-          </p:cNvSpPr>
-          <p:nvPr>
-            <p:ph type="title"/>
-          </p:nvPr>
-        </p:nvSpPr>
-        <p:spPr/>
-        <p:txBody>
-          <a:bodyPr/>
-          <a:lstStyle/>
-          <a:p>
-            <a:r>
-              <a:rPr lang="en-US"/>
-              <a:t>Click to edit Master title style</a:t>
-            </a:r>
-          </a:p>
-        </p:txBody>
-      </p:sp>
-      <p:sp>
-        <p:nvSpPr>
-          <p:cNvPr id="3" name="Content Placeholder 2">
-            <a:extLst>
-              <a:ext uri="{FF2B5EF4-FFF2-40B4-BE49-F238E27FC236}">
-                <a16:creationId xmlns:a16="http://schemas.microsoft.com/office/drawing/2014/main" id="{F3F2349E-5B0C-DE44-8CE1-77C14FC7025E}"/>
-              </a:ext>
-            </a:extLst>
-          </p:cNvPr>
-          <p:cNvSpPr>
-            <a:spLocks noGrp="1"/>
-          </p:cNvSpPr>
-          <p:nvPr>
-            <p:ph sz="half" idx="1"/>
-          </p:nvPr>
-        </p:nvSpPr>
-        <p:spPr>
-          <a:xfrm>
-            <a:off x="838200" y="1825625"/>
-            <a:ext cx="5181600" cy="4351338"/>
-          </a:xfrm>
-        </p:spPr>
-        <p:txBody>
-          <a:bodyPr/>
-          <a:lstStyle/>
-          <a:p>
-            <a:pPr lvl="0"/>
-            <a:r>
-              <a:rPr lang="en-US"/>
-              <a:t>Edit Master text styles</a:t>
-            </a:r>
-          </a:p>
-          <a:p>
-            <a:pPr lvl="1"/>
-            <a:r>
-              <a:rPr lang="en-US"/>
-              <a:t>Second level</a:t>
-            </a:r>
-          </a:p>
-          <a:p>
-            <a:pPr lvl="2"/>
-            <a:r>
-              <a:rPr lang="en-US"/>
-              <a:t>Third level</a:t>
-            </a:r>
-          </a:p>
-          <a:p>
-            <a:pPr lvl="3"/>
-            <a:r>
-              <a:rPr lang="en-US"/>
-              <a:t>Fourth level</a:t>
-            </a:r>
-          </a:p>
-          <a:p>
-            <a:pPr lvl="4"/>
-            <a:r>
-              <a:rPr lang="en-US"/>
-              <a:t>Fifth level</a:t>
-            </a:r>
-          </a:p>
-        </p:txBody>
-      </p:sp>
-      <p:sp>
-        <p:nvSpPr>
-          <p:cNvPr id="4" name="Content Placeholder 3">
-            <a:extLst>
-              <a:ext uri="{FF2B5EF4-FFF2-40B4-BE49-F238E27FC236}">
-                <a16:creationId xmlns:a16="http://schemas.microsoft.com/office/drawing/2014/main" id="{4C2FBEBA-F2A8-E642-B0D7-3148F7AC1B57}"/>
-              </a:ext>
-            </a:extLst>
-          </p:cNvPr>
-          <p:cNvSpPr>
-            <a:spLocks noGrp="1"/>
-          </p:cNvSpPr>
-          <p:nvPr>
-            <p:ph sz="half" idx="2"/>
-          </p:nvPr>
-        </p:nvSpPr>
-        <p:spPr>
-          <a:xfrm>
-            <a:off x="6172200" y="1825625"/>
-            <a:ext cx="5181600" cy="4351338"/>
-          </a:xfrm>
-        </p:spPr>
-        <p:txBody>
-          <a:bodyPr/>
-          <a:lstStyle/>
-          <a:p>
-            <a:pPr lvl="0"/>
-            <a:r>
-              <a:rPr lang="en-US"/>
-              <a:t>Edit Master text styles</a:t>
-            </a:r>
-          </a:p>
-          <a:p>
-            <a:pPr lvl="1"/>
-            <a:r>
-              <a:rPr lang="en-US"/>
-              <a:t>Second level</a:t>
-            </a:r>
-          </a:p>
-          <a:p>
-            <a:pPr lvl="2"/>
-            <a:r>
-              <a:rPr lang="en-US"/>
-              <a:t>Third level</a:t>
-            </a:r>
-          </a:p>
-          <a:p>
-            <a:pPr lvl="3"/>
-            <a:r>
-              <a:rPr lang="en-US"/>
-              <a:t>Fourth level</a:t>
-            </a:r>
-          </a:p>
-          <a:p>
-            <a:pPr lvl="4"/>
-            <a:r>
-              <a:rPr lang="en-US"/>
-              <a:t>Fifth level</a:t>
-            </a:r>
-          </a:p>
-        </p:txBody>
-      </p:sp>
-      <p:sp>
-        <p:nvSpPr>
-          <p:cNvPr id="7" name="Slide Number Placeholder 6">
-            <a:extLst>
-              <a:ext uri="{FF2B5EF4-FFF2-40B4-BE49-F238E27FC236}">
-                <a16:creationId xmlns:a16="http://schemas.microsoft.com/office/drawing/2014/main" id="{FB759064-C295-474C-91BC-B8179C14C201}"/>
-              </a:ext>
-            </a:extLst>
-          </p:cNvPr>
-          <p:cNvSpPr>
-            <a:spLocks noGrp="1"/>
-          </p:cNvSpPr>
-          <p:nvPr>
-            <p:ph type="sldNum" sz="quarter" idx="12"/>
-          </p:nvPr>
-        </p:nvSpPr>
-        <p:spPr/>
-        <p:txBody>
-          <a:bodyPr/>
-          <a:lstStyle/>
-          <a:p>
-            <a:fld id="{0B973F48-4628-F846-BA33-DDE653D83577}" type="slidenum">
-              <a:rPr lang="en-US" smtClean="0"/>
-              <a:t>‹#›</a:t>
-            </a:fld>
-            <a:endParaRPr lang="en-US"/>
-          </a:p>
-        </p:txBody>
-      </p:sp>
-    </p:spTree>
-    <p:extLst>
-      <p:ext uri="{BB962C8B-B14F-4D97-AF65-F5344CB8AC3E}">
-        <p14:creationId xmlns:p14="http://schemas.microsoft.com/office/powerpoint/2010/main" val="454791571"/>
-      </p:ext>
-    </p:extLst>
-  </p:cSld>
-  <p:clrMapOvr>
-    <a:masterClrMapping/>
-  </p:clrMapOvr>
-</p:sldLayout>
-</file>
-
-<file path=ppt/slideLayouts/slideLayout5.xml><?xml version="1.0" encoding="utf-8"?>
-<p:sldLayout xmlns:a="http://schemas.openxmlformats.org/drawingml/2006/main" xmlns:r="http://schemas.openxmlformats.org/officeDocument/2006/relationships" xmlns:p="http://schemas.openxmlformats.org/presentationml/2006/main" type="twoTxTwoObj" preserve="1">
-  <p:cSld name="Comparison">
-    <p:spTree>
-      <p:nvGrpSpPr>
-        <p:cNvPr id="1" name=""/>
-        <p:cNvGrpSpPr/>
-        <p:nvPr/>
-      </p:nvGrpSpPr>
-      <p:grpSpPr>
-        <a:xfrm>
-          <a:off x="0" y="0"/>
-          <a:ext cx="0" cy="0"/>
-          <a:chOff x="0" y="0"/>
-          <a:chExt cx="0" cy="0"/>
-        </a:xfrm>
-      </p:grpSpPr>
-      <p:sp>
-        <p:nvSpPr>
-          <p:cNvPr id="2" name="Title 1">
-            <a:extLst>
-              <a:ext uri="{FF2B5EF4-FFF2-40B4-BE49-F238E27FC236}">
-                <a16:creationId xmlns:a16="http://schemas.microsoft.com/office/drawing/2014/main" id="{97393B7B-D3EB-1942-9C5D-C2DBE70DCDDA}"/>
-              </a:ext>
-            </a:extLst>
-          </p:cNvPr>
-          <p:cNvSpPr>
-            <a:spLocks noGrp="1"/>
-          </p:cNvSpPr>
-          <p:nvPr>
-            <p:ph type="title"/>
-          </p:nvPr>
-        </p:nvSpPr>
-        <p:spPr>
-          <a:xfrm>
-            <a:off x="839788" y="365125"/>
-            <a:ext cx="10515600" cy="1325563"/>
-          </a:xfrm>
-        </p:spPr>
-        <p:txBody>
-          <a:bodyPr/>
-          <a:lstStyle/>
-          <a:p>
-            <a:r>
-              <a:rPr lang="en-US"/>
-              <a:t>Click to edit Master title style</a:t>
-            </a:r>
-          </a:p>
-        </p:txBody>
-      </p:sp>
-      <p:sp>
-        <p:nvSpPr>
-          <p:cNvPr id="3" name="Text Placeholder 2">
-            <a:extLst>
-              <a:ext uri="{FF2B5EF4-FFF2-40B4-BE49-F238E27FC236}">
-                <a16:creationId xmlns:a16="http://schemas.microsoft.com/office/drawing/2014/main" id="{8D082C37-8144-2B40-B057-52B9B6778F1D}"/>
-              </a:ext>
-            </a:extLst>
-          </p:cNvPr>
-          <p:cNvSpPr>
-            <a:spLocks noGrp="1"/>
-          </p:cNvSpPr>
-          <p:nvPr>
-            <p:ph type="body" idx="1"/>
-          </p:nvPr>
-        </p:nvSpPr>
-        <p:spPr>
-          <a:xfrm>
-            <a:off x="839788" y="1681163"/>
-            <a:ext cx="5157787" cy="823912"/>
-          </a:xfrm>
-        </p:spPr>
-        <p:txBody>
-          <a:bodyPr anchor="b"/>
-          <a:lstStyle>
-            <a:lvl1pPr marL="0" indent="0">
-              <a:buNone/>
-              <a:defRPr sz="2400" b="1"/>
-            </a:lvl1pPr>
-            <a:lvl2pPr marL="457200" indent="0">
-              <a:buNone/>
-              <a:defRPr sz="2000" b="1"/>
-            </a:lvl2pPr>
-            <a:lvl3pPr marL="914400" indent="0">
-              <a:buNone/>
-              <a:defRPr sz="1800" b="1"/>
-            </a:lvl3pPr>
-            <a:lvl4pPr marL="1371600" indent="0">
-              <a:buNone/>
-              <a:defRPr sz="1600" b="1"/>
-            </a:lvl4pPr>
-            <a:lvl5pPr marL="1828800" indent="0">
-              <a:buNone/>
-              <a:defRPr sz="1600" b="1"/>
-            </a:lvl5pPr>
-            <a:lvl6pPr marL="2286000" indent="0">
-              <a:buNone/>
-              <a:defRPr sz="1600" b="1"/>
-            </a:lvl6pPr>
-            <a:lvl7pPr marL="2743200" indent="0">
-              <a:buNone/>
-              <a:defRPr sz="1600" b="1"/>
-            </a:lvl7pPr>
-            <a:lvl8pPr marL="3200400" indent="0">
-              <a:buNone/>
-              <a:defRPr sz="1600" b="1"/>
-            </a:lvl8pPr>
-            <a:lvl9pPr marL="3657600" indent="0">
-              <a:buNone/>
-              <a:defRPr sz="1600" b="1"/>
-            </a:lvl9pPr>
-          </a:lstStyle>
-          <a:p>
-            <a:pPr lvl="0"/>
-            <a:r>
-              <a:rPr lang="en-US"/>
-              <a:t>Edit Master text styles</a:t>
-            </a:r>
-          </a:p>
-        </p:txBody>
-      </p:sp>
-      <p:sp>
-        <p:nvSpPr>
-          <p:cNvPr id="4" name="Content Placeholder 3">
-            <a:extLst>
-              <a:ext uri="{FF2B5EF4-FFF2-40B4-BE49-F238E27FC236}">
-                <a16:creationId xmlns:a16="http://schemas.microsoft.com/office/drawing/2014/main" id="{F1AB8C75-2C38-424A-9A7A-65CB327C213B}"/>
-              </a:ext>
-            </a:extLst>
-          </p:cNvPr>
-          <p:cNvSpPr>
-            <a:spLocks noGrp="1"/>
-          </p:cNvSpPr>
-          <p:nvPr>
-            <p:ph sz="half" idx="2"/>
-          </p:nvPr>
-        </p:nvSpPr>
-        <p:spPr>
-          <a:xfrm>
-            <a:off x="839788" y="2505075"/>
-            <a:ext cx="5157787" cy="3684588"/>
-          </a:xfrm>
-        </p:spPr>
-        <p:txBody>
-          <a:bodyPr/>
-          <a:lstStyle/>
-          <a:p>
-            <a:pPr lvl="0"/>
-            <a:r>
-              <a:rPr lang="en-US"/>
-              <a:t>Edit Master text styles</a:t>
-            </a:r>
-          </a:p>
-          <a:p>
-            <a:pPr lvl="1"/>
-            <a:r>
-              <a:rPr lang="en-US"/>
-              <a:t>Second level</a:t>
-            </a:r>
-          </a:p>
-          <a:p>
-            <a:pPr lvl="2"/>
-            <a:r>
-              <a:rPr lang="en-US"/>
-              <a:t>Third level</a:t>
-            </a:r>
-          </a:p>
-          <a:p>
-            <a:pPr lvl="3"/>
-            <a:r>
-              <a:rPr lang="en-US"/>
-              <a:t>Fourth level</a:t>
-            </a:r>
-          </a:p>
-          <a:p>
-            <a:pPr lvl="4"/>
-            <a:r>
-              <a:rPr lang="en-US"/>
-              <a:t>Fifth level</a:t>
-            </a:r>
-          </a:p>
-        </p:txBody>
-      </p:sp>
-      <p:sp>
-        <p:nvSpPr>
-          <p:cNvPr id="5" name="Text Placeholder 4">
-            <a:extLst>
-              <a:ext uri="{FF2B5EF4-FFF2-40B4-BE49-F238E27FC236}">
-                <a16:creationId xmlns:a16="http://schemas.microsoft.com/office/drawing/2014/main" id="{AEC54413-8A58-C54E-9133-45A1F00C5913}"/>
-              </a:ext>
-            </a:extLst>
-          </p:cNvPr>
-          <p:cNvSpPr>
-            <a:spLocks noGrp="1"/>
-          </p:cNvSpPr>
-          <p:nvPr>
-            <p:ph type="body" sz="quarter" idx="3"/>
-          </p:nvPr>
-        </p:nvSpPr>
-        <p:spPr>
-          <a:xfrm>
-            <a:off x="6172200" y="1681163"/>
-            <a:ext cx="5183188" cy="823912"/>
-          </a:xfrm>
-        </p:spPr>
-        <p:txBody>
-          <a:bodyPr anchor="b"/>
-          <a:lstStyle>
-            <a:lvl1pPr marL="0" indent="0">
-              <a:buNone/>
-              <a:defRPr sz="2400" b="1"/>
-            </a:lvl1pPr>
-            <a:lvl2pPr marL="457200" indent="0">
-              <a:buNone/>
-              <a:defRPr sz="2000" b="1"/>
-            </a:lvl2pPr>
-            <a:lvl3pPr marL="914400" indent="0">
-              <a:buNone/>
-              <a:defRPr sz="1800" b="1"/>
-            </a:lvl3pPr>
-            <a:lvl4pPr marL="1371600" indent="0">
-              <a:buNone/>
-              <a:defRPr sz="1600" b="1"/>
-            </a:lvl4pPr>
-            <a:lvl5pPr marL="1828800" indent="0">
-              <a:buNone/>
-              <a:defRPr sz="1600" b="1"/>
-            </a:lvl5pPr>
-            <a:lvl6pPr marL="2286000" indent="0">
-              <a:buNone/>
-              <a:defRPr sz="1600" b="1"/>
-            </a:lvl6pPr>
-            <a:lvl7pPr marL="2743200" indent="0">
-              <a:buNone/>
-              <a:defRPr sz="1600" b="1"/>
-            </a:lvl7pPr>
-            <a:lvl8pPr marL="3200400" indent="0">
-              <a:buNone/>
-              <a:defRPr sz="1600" b="1"/>
-            </a:lvl8pPr>
-            <a:lvl9pPr marL="3657600" indent="0">
-              <a:buNone/>
-              <a:defRPr sz="1600" b="1"/>
-            </a:lvl9pPr>
-          </a:lstStyle>
-          <a:p>
-            <a:pPr lvl="0"/>
-            <a:r>
-              <a:rPr lang="en-US"/>
-              <a:t>Edit Master text styles</a:t>
-            </a:r>
-          </a:p>
-        </p:txBody>
-      </p:sp>
-      <p:sp>
-        <p:nvSpPr>
-          <p:cNvPr id="6" name="Content Placeholder 5">
-            <a:extLst>
-              <a:ext uri="{FF2B5EF4-FFF2-40B4-BE49-F238E27FC236}">
-                <a16:creationId xmlns:a16="http://schemas.microsoft.com/office/drawing/2014/main" id="{4B0112E1-1E2D-724A-8EAC-CF4C8204D79E}"/>
-              </a:ext>
-            </a:extLst>
-          </p:cNvPr>
-          <p:cNvSpPr>
-            <a:spLocks noGrp="1"/>
-          </p:cNvSpPr>
-          <p:nvPr>
-            <p:ph sz="quarter" idx="4"/>
-          </p:nvPr>
-        </p:nvSpPr>
-        <p:spPr>
-          <a:xfrm>
-            <a:off x="6172200" y="2505075"/>
-            <a:ext cx="5183188" cy="3684588"/>
-          </a:xfrm>
-        </p:spPr>
-        <p:txBody>
-          <a:bodyPr/>
-          <a:lstStyle/>
-          <a:p>
-            <a:pPr lvl="0"/>
-            <a:r>
-              <a:rPr lang="en-US"/>
-              <a:t>Edit Master text styles</a:t>
-            </a:r>
-          </a:p>
-          <a:p>
-            <a:pPr lvl="1"/>
-            <a:r>
-              <a:rPr lang="en-US"/>
-              <a:t>Second level</a:t>
-            </a:r>
-          </a:p>
-          <a:p>
-            <a:pPr lvl="2"/>
-            <a:r>
-              <a:rPr lang="en-US"/>
-              <a:t>Third level</a:t>
-            </a:r>
-          </a:p>
-          <a:p>
-            <a:pPr lvl="3"/>
-            <a:r>
-              <a:rPr lang="en-US"/>
-              <a:t>Fourth level</a:t>
-            </a:r>
-          </a:p>
-          <a:p>
-            <a:pPr lvl="4"/>
-            <a:r>
-              <a:rPr lang="en-US"/>
-              <a:t>Fifth level</a:t>
-            </a:r>
-          </a:p>
-        </p:txBody>
-      </p:sp>
-      <p:sp>
-        <p:nvSpPr>
-          <p:cNvPr id="9" name="Slide Number Placeholder 8">
-            <a:extLst>
-              <a:ext uri="{FF2B5EF4-FFF2-40B4-BE49-F238E27FC236}">
-                <a16:creationId xmlns:a16="http://schemas.microsoft.com/office/drawing/2014/main" id="{B72AE139-D882-D94E-B377-D84A207665BF}"/>
-              </a:ext>
-            </a:extLst>
-          </p:cNvPr>
-          <p:cNvSpPr>
-            <a:spLocks noGrp="1"/>
-          </p:cNvSpPr>
-          <p:nvPr>
-            <p:ph type="sldNum" sz="quarter" idx="12"/>
-          </p:nvPr>
-        </p:nvSpPr>
-        <p:spPr/>
-        <p:txBody>
-          <a:bodyPr/>
-          <a:lstStyle/>
-          <a:p>
-            <a:fld id="{0B973F48-4628-F846-BA33-DDE653D83577}" type="slidenum">
-              <a:rPr lang="en-US" smtClean="0"/>
-              <a:t>‹#›</a:t>
-            </a:fld>
-            <a:endParaRPr lang="en-US"/>
-          </a:p>
-        </p:txBody>
-      </p:sp>
-    </p:spTree>
-    <p:extLst>
-      <p:ext uri="{BB962C8B-B14F-4D97-AF65-F5344CB8AC3E}">
-        <p14:creationId xmlns:p14="http://schemas.microsoft.com/office/powerpoint/2010/main" val="2064020921"/>
-      </p:ext>
-    </p:extLst>
-  </p:cSld>
-  <p:clrMapOvr>
-    <a:masterClrMapping/>
-  </p:clrMapOvr>
-</p:sldLayout>
-</file>
-
-<file path=ppt/slideLayouts/slideLayout6.xml><?xml version="1.0" encoding="utf-8"?>
-<p:sldLayout xmlns:a="http://schemas.openxmlformats.org/drawingml/2006/main" xmlns:r="http://schemas.openxmlformats.org/officeDocument/2006/relationships" xmlns:p="http://schemas.openxmlformats.org/presentationml/2006/main" type="titleOnly" preserve="1">
-  <p:cSld name="Title Only">
-    <p:spTree>
-      <p:nvGrpSpPr>
-        <p:cNvPr id="1" name=""/>
-        <p:cNvGrpSpPr/>
-        <p:nvPr/>
-      </p:nvGrpSpPr>
-      <p:grpSpPr>
-        <a:xfrm>
-          <a:off x="0" y="0"/>
-          <a:ext cx="0" cy="0"/>
-          <a:chOff x="0" y="0"/>
-          <a:chExt cx="0" cy="0"/>
-        </a:xfrm>
-      </p:grpSpPr>
-      <p:sp>
-        <p:nvSpPr>
-          <p:cNvPr id="2" name="Title 1">
-            <a:extLst>
-              <a:ext uri="{FF2B5EF4-FFF2-40B4-BE49-F238E27FC236}">
-                <a16:creationId xmlns:a16="http://schemas.microsoft.com/office/drawing/2014/main" id="{8AC87EC2-76AA-FC42-982F-77406246A4AA}"/>
-              </a:ext>
-            </a:extLst>
-          </p:cNvPr>
-          <p:cNvSpPr>
-            <a:spLocks noGrp="1"/>
-          </p:cNvSpPr>
-          <p:nvPr>
-            <p:ph type="title"/>
-          </p:nvPr>
-        </p:nvSpPr>
-        <p:spPr/>
-        <p:txBody>
-          <a:bodyPr/>
-          <a:lstStyle/>
-          <a:p>
-            <a:r>
-              <a:rPr lang="en-US"/>
-              <a:t>Click to edit Master title style</a:t>
-            </a:r>
-          </a:p>
-        </p:txBody>
-      </p:sp>
-      <p:sp>
-        <p:nvSpPr>
-          <p:cNvPr id="5" name="Slide Number Placeholder 4">
-            <a:extLst>
-              <a:ext uri="{FF2B5EF4-FFF2-40B4-BE49-F238E27FC236}">
-                <a16:creationId xmlns:a16="http://schemas.microsoft.com/office/drawing/2014/main" id="{81EC7837-FC7B-6043-8182-02D7718729CA}"/>
-              </a:ext>
-            </a:extLst>
-          </p:cNvPr>
-          <p:cNvSpPr>
-            <a:spLocks noGrp="1"/>
-          </p:cNvSpPr>
-          <p:nvPr>
-            <p:ph type="sldNum" sz="quarter" idx="12"/>
-          </p:nvPr>
-        </p:nvSpPr>
-        <p:spPr/>
-        <p:txBody>
-          <a:bodyPr/>
-          <a:lstStyle/>
-          <a:p>
-            <a:fld id="{0B973F48-4628-F846-BA33-DDE653D83577}" type="slidenum">
-              <a:rPr lang="en-US" smtClean="0"/>
-              <a:t>‹#›</a:t>
-            </a:fld>
-            <a:endParaRPr lang="en-US"/>
-          </a:p>
-        </p:txBody>
-      </p:sp>
-    </p:spTree>
-    <p:extLst>
-      <p:ext uri="{BB962C8B-B14F-4D97-AF65-F5344CB8AC3E}">
-        <p14:creationId xmlns:p14="http://schemas.microsoft.com/office/powerpoint/2010/main" val="3814957134"/>
-      </p:ext>
-    </p:extLst>
-  </p:cSld>
-  <p:clrMapOvr>
-    <a:masterClrMapping/>
-  </p:clrMapOvr>
-</p:sldLayout>
-</file>
-
-<file path=ppt/slideLayouts/slideLayout7.xml><?xml version="1.0" encoding="utf-8"?>
-<p:sldLayout xmlns:a="http://schemas.openxmlformats.org/drawingml/2006/main" xmlns:r="http://schemas.openxmlformats.org/officeDocument/2006/relationships" xmlns:p="http://schemas.openxmlformats.org/presentationml/2006/main" type="blank" preserve="1">
-  <p:cSld name="Blank">
-    <p:spTree>
-      <p:nvGrpSpPr>
-        <p:cNvPr id="1" name=""/>
-        <p:cNvGrpSpPr/>
-        <p:nvPr/>
-      </p:nvGrpSpPr>
-      <p:grpSpPr>
-        <a:xfrm>
-          <a:off x="0" y="0"/>
-          <a:ext cx="0" cy="0"/>
-          <a:chOff x="0" y="0"/>
-          <a:chExt cx="0" cy="0"/>
-        </a:xfrm>
-      </p:grpSpPr>
-      <p:sp>
-        <p:nvSpPr>
-          <p:cNvPr id="4" name="Slide Number Placeholder 3">
-            <a:extLst>
-              <a:ext uri="{FF2B5EF4-FFF2-40B4-BE49-F238E27FC236}">
-                <a16:creationId xmlns:a16="http://schemas.microsoft.com/office/drawing/2014/main" id="{D575A9DD-FA0A-D64B-B42E-72A4B0E3557A}"/>
-              </a:ext>
-            </a:extLst>
-          </p:cNvPr>
-          <p:cNvSpPr>
-            <a:spLocks noGrp="1"/>
-          </p:cNvSpPr>
-          <p:nvPr>
-            <p:ph type="sldNum" sz="quarter" idx="12"/>
-          </p:nvPr>
-        </p:nvSpPr>
-        <p:spPr/>
-        <p:txBody>
-          <a:bodyPr/>
-          <a:lstStyle/>
-          <a:p>
-            <a:fld id="{0B973F48-4628-F846-BA33-DDE653D83577}" type="slidenum">
-              <a:rPr lang="en-US" smtClean="0"/>
-              <a:t>‹#›</a:t>
-            </a:fld>
-            <a:endParaRPr lang="en-US"/>
-          </a:p>
-        </p:txBody>
-      </p:sp>
-    </p:spTree>
-    <p:extLst>
-      <p:ext uri="{BB962C8B-B14F-4D97-AF65-F5344CB8AC3E}">
-        <p14:creationId xmlns:p14="http://schemas.microsoft.com/office/powerpoint/2010/main" val="1127675878"/>
-      </p:ext>
-    </p:extLst>
-  </p:cSld>
-  <p:clrMapOvr>
-    <a:masterClrMapping/>
-  </p:clrMapOvr>
-</p:sldLayout>
-</file>
-
-<file path=ppt/slideLayouts/slideLayout8.xml><?xml version="1.0" encoding="utf-8"?>
-<p:sldLayout xmlns:a="http://schemas.openxmlformats.org/drawingml/2006/main" xmlns:r="http://schemas.openxmlformats.org/officeDocument/2006/relationships" xmlns:p="http://schemas.openxmlformats.org/presentationml/2006/main" type="objTx" preserve="1">
-  <p:cSld name="Content with Caption">
-    <p:spTree>
-      <p:nvGrpSpPr>
-        <p:cNvPr id="1" name=""/>
-        <p:cNvGrpSpPr/>
-        <p:nvPr/>
-      </p:nvGrpSpPr>
-      <p:grpSpPr>
-        <a:xfrm>
-          <a:off x="0" y="0"/>
-          <a:ext cx="0" cy="0"/>
-          <a:chOff x="0" y="0"/>
-          <a:chExt cx="0" cy="0"/>
-        </a:xfrm>
-      </p:grpSpPr>
-      <p:sp>
-        <p:nvSpPr>
-          <p:cNvPr id="2" name="Title 1">
-            <a:extLst>
-              <a:ext uri="{FF2B5EF4-FFF2-40B4-BE49-F238E27FC236}">
-                <a16:creationId xmlns:a16="http://schemas.microsoft.com/office/drawing/2014/main" id="{F19ECD1F-576B-CE49-B87E-5BC99EC04635}"/>
-              </a:ext>
-            </a:extLst>
-          </p:cNvPr>
-          <p:cNvSpPr>
-            <a:spLocks noGrp="1"/>
-          </p:cNvSpPr>
-          <p:nvPr>
-            <p:ph type="title"/>
-          </p:nvPr>
-        </p:nvSpPr>
-        <p:spPr>
-          <a:xfrm>
-            <a:off x="839788" y="457200"/>
-            <a:ext cx="3932237" cy="1600200"/>
-          </a:xfrm>
-        </p:spPr>
-        <p:txBody>
-          <a:bodyPr anchor="b"/>
-          <a:lstStyle>
-            <a:lvl1pPr>
-              <a:defRPr sz="3200"/>
-            </a:lvl1pPr>
-          </a:lstStyle>
-          <a:p>
-            <a:r>
-              <a:rPr lang="en-US"/>
-              <a:t>Click to edit Master title style</a:t>
-            </a:r>
-          </a:p>
-        </p:txBody>
-      </p:sp>
-      <p:sp>
-        <p:nvSpPr>
-          <p:cNvPr id="3" name="Content Placeholder 2">
-            <a:extLst>
-              <a:ext uri="{FF2B5EF4-FFF2-40B4-BE49-F238E27FC236}">
-                <a16:creationId xmlns:a16="http://schemas.microsoft.com/office/drawing/2014/main" id="{642276B3-FB76-F847-A4BA-C9B293389B44}"/>
-              </a:ext>
-            </a:extLst>
-          </p:cNvPr>
-          <p:cNvSpPr>
-            <a:spLocks noGrp="1"/>
-          </p:cNvSpPr>
-          <p:nvPr>
-            <p:ph idx="1"/>
-          </p:nvPr>
-        </p:nvSpPr>
-        <p:spPr>
-          <a:xfrm>
-            <a:off x="5183188" y="987425"/>
-            <a:ext cx="6172200" cy="4873625"/>
-          </a:xfrm>
-        </p:spPr>
-        <p:txBody>
-          <a:bodyPr/>
-          <a:lstStyle>
-            <a:lvl1pPr>
-              <a:defRPr sz="3200"/>
-            </a:lvl1pPr>
-            <a:lvl2pPr>
-              <a:defRPr sz="2800"/>
-            </a:lvl2pPr>
-            <a:lvl3pPr>
-              <a:defRPr sz="2400"/>
-            </a:lvl3pPr>
-            <a:lvl4pPr>
-              <a:defRPr sz="2000"/>
-            </a:lvl4pPr>
-            <a:lvl5pPr>
-              <a:defRPr sz="2000"/>
-            </a:lvl5pPr>
-            <a:lvl6pPr>
-              <a:defRPr sz="2000"/>
-            </a:lvl6pPr>
-            <a:lvl7pPr>
-              <a:defRPr sz="2000"/>
-            </a:lvl7pPr>
-            <a:lvl8pPr>
-              <a:defRPr sz="2000"/>
-            </a:lvl8pPr>
-            <a:lvl9pPr>
-              <a:defRPr sz="2000"/>
-            </a:lvl9pPr>
-          </a:lstStyle>
-          <a:p>
-            <a:pPr lvl="0"/>
-            <a:r>
-              <a:rPr lang="en-US"/>
-              <a:t>Edit Master text styles</a:t>
-            </a:r>
-          </a:p>
-          <a:p>
-            <a:pPr lvl="1"/>
-            <a:r>
-              <a:rPr lang="en-US"/>
-              <a:t>Second level</a:t>
-            </a:r>
-          </a:p>
-          <a:p>
-            <a:pPr lvl="2"/>
-            <a:r>
-              <a:rPr lang="en-US"/>
-              <a:t>Third level</a:t>
-            </a:r>
-          </a:p>
-          <a:p>
-            <a:pPr lvl="3"/>
-            <a:r>
-              <a:rPr lang="en-US"/>
-              <a:t>Fourth level</a:t>
-            </a:r>
-          </a:p>
-          <a:p>
-            <a:pPr lvl="4"/>
-            <a:r>
-              <a:rPr lang="en-US"/>
-              <a:t>Fifth level</a:t>
-            </a:r>
-          </a:p>
-        </p:txBody>
-      </p:sp>
-      <p:sp>
-        <p:nvSpPr>
-          <p:cNvPr id="4" name="Text Placeholder 3">
-            <a:extLst>
-              <a:ext uri="{FF2B5EF4-FFF2-40B4-BE49-F238E27FC236}">
-                <a16:creationId xmlns:a16="http://schemas.microsoft.com/office/drawing/2014/main" id="{F63103DB-251E-7F47-A645-0FDAFF6E6E0B}"/>
-              </a:ext>
-            </a:extLst>
-          </p:cNvPr>
-          <p:cNvSpPr>
-            <a:spLocks noGrp="1"/>
-          </p:cNvSpPr>
-          <p:nvPr>
-            <p:ph type="body" sz="half" idx="2"/>
-          </p:nvPr>
-        </p:nvSpPr>
-        <p:spPr>
-          <a:xfrm>
-            <a:off x="839788" y="2057400"/>
-            <a:ext cx="3932237" cy="3811588"/>
-          </a:xfrm>
-        </p:spPr>
-        <p:txBody>
-          <a:bodyPr/>
-          <a:lstStyle>
-            <a:lvl1pPr marL="0" indent="0">
-              <a:buNone/>
-              <a:defRPr sz="1600"/>
-            </a:lvl1pPr>
-            <a:lvl2pPr marL="457200" indent="0">
-              <a:buNone/>
-              <a:defRPr sz="1400"/>
-            </a:lvl2pPr>
-            <a:lvl3pPr marL="914400" indent="0">
-              <a:buNone/>
-              <a:defRPr sz="1200"/>
-            </a:lvl3pPr>
-            <a:lvl4pPr marL="1371600" indent="0">
-              <a:buNone/>
-              <a:defRPr sz="1000"/>
-            </a:lvl4pPr>
-            <a:lvl5pPr marL="1828800" indent="0">
-              <a:buNone/>
-              <a:defRPr sz="1000"/>
-            </a:lvl5pPr>
-            <a:lvl6pPr marL="2286000" indent="0">
-              <a:buNone/>
-              <a:defRPr sz="1000"/>
-            </a:lvl6pPr>
-            <a:lvl7pPr marL="2743200" indent="0">
-              <a:buNone/>
-              <a:defRPr sz="1000"/>
-            </a:lvl7pPr>
-            <a:lvl8pPr marL="3200400" indent="0">
-              <a:buNone/>
-              <a:defRPr sz="1000"/>
-            </a:lvl8pPr>
-            <a:lvl9pPr marL="3657600" indent="0">
-              <a:buNone/>
-              <a:defRPr sz="1000"/>
-            </a:lvl9pPr>
-          </a:lstStyle>
-          <a:p>
-            <a:pPr lvl="0"/>
-            <a:r>
-              <a:rPr lang="en-US"/>
-              <a:t>Edit Master text styles</a:t>
-            </a:r>
-          </a:p>
-        </p:txBody>
-      </p:sp>
-      <p:sp>
-        <p:nvSpPr>
-          <p:cNvPr id="7" name="Slide Number Placeholder 6">
-            <a:extLst>
-              <a:ext uri="{FF2B5EF4-FFF2-40B4-BE49-F238E27FC236}">
-                <a16:creationId xmlns:a16="http://schemas.microsoft.com/office/drawing/2014/main" id="{3BCAFAD0-D61F-3F4F-8E0D-9A64CA7C4640}"/>
-              </a:ext>
-            </a:extLst>
-          </p:cNvPr>
-          <p:cNvSpPr>
-            <a:spLocks noGrp="1"/>
-          </p:cNvSpPr>
-          <p:nvPr>
-            <p:ph type="sldNum" sz="quarter" idx="12"/>
-          </p:nvPr>
-        </p:nvSpPr>
-        <p:spPr/>
-        <p:txBody>
-          <a:bodyPr/>
-          <a:lstStyle/>
-          <a:p>
-            <a:fld id="{0B973F48-4628-F846-BA33-DDE653D83577}" type="slidenum">
-              <a:rPr lang="en-US" smtClean="0"/>
-              <a:t>‹#›</a:t>
-            </a:fld>
-            <a:endParaRPr lang="en-US"/>
-          </a:p>
-        </p:txBody>
-      </p:sp>
-    </p:spTree>
-    <p:extLst>
-      <p:ext uri="{BB962C8B-B14F-4D97-AF65-F5344CB8AC3E}">
-        <p14:creationId xmlns:p14="http://schemas.microsoft.com/office/powerpoint/2010/main" val="2173381002"/>
-      </p:ext>
-    </p:extLst>
-  </p:cSld>
-  <p:clrMapOvr>
-    <a:masterClrMapping/>
-  </p:clrMapOvr>
-</p:sldLayout>
-</file>
-
-<file path=ppt/slideLayouts/slideLayout9.xml><?xml version="1.0" encoding="utf-8"?>
-<p:sldLayout xmlns:a="http://schemas.openxmlformats.org/drawingml/2006/main" xmlns:r="http://schemas.openxmlformats.org/officeDocument/2006/relationships" xmlns:p="http://schemas.openxmlformats.org/presentationml/2006/main" type="picTx" preserve="1">
-  <p:cSld name="Picture with Caption">
-    <p:spTree>
-      <p:nvGrpSpPr>
-        <p:cNvPr id="1" name=""/>
-        <p:cNvGrpSpPr/>
-        <p:nvPr/>
-      </p:nvGrpSpPr>
-      <p:grpSpPr>
-        <a:xfrm>
-          <a:off x="0" y="0"/>
-          <a:ext cx="0" cy="0"/>
-          <a:chOff x="0" y="0"/>
-          <a:chExt cx="0" cy="0"/>
-        </a:xfrm>
-      </p:grpSpPr>
-      <p:sp>
-        <p:nvSpPr>
-          <p:cNvPr id="2" name="Title 1">
-            <a:extLst>
-              <a:ext uri="{FF2B5EF4-FFF2-40B4-BE49-F238E27FC236}">
-                <a16:creationId xmlns:a16="http://schemas.microsoft.com/office/drawing/2014/main" id="{F7FBD490-1952-7643-90D4-C4F4ABC93F16}"/>
-              </a:ext>
-            </a:extLst>
-          </p:cNvPr>
-          <p:cNvSpPr>
-            <a:spLocks noGrp="1"/>
-          </p:cNvSpPr>
-          <p:nvPr>
-            <p:ph type="title"/>
-          </p:nvPr>
-        </p:nvSpPr>
-        <p:spPr>
-          <a:xfrm>
-            <a:off x="839788" y="457200"/>
-            <a:ext cx="3932237" cy="1600200"/>
-          </a:xfrm>
-        </p:spPr>
-        <p:txBody>
-          <a:bodyPr anchor="b"/>
-          <a:lstStyle>
-            <a:lvl1pPr>
-              <a:defRPr sz="3200"/>
-            </a:lvl1pPr>
-          </a:lstStyle>
-          <a:p>
-            <a:r>
-              <a:rPr lang="en-US"/>
-              <a:t>Click to edit Master title style</a:t>
-            </a:r>
-          </a:p>
-        </p:txBody>
-      </p:sp>
-      <p:sp>
-        <p:nvSpPr>
-          <p:cNvPr id="3" name="Picture Placeholder 2">
-            <a:extLst>
-              <a:ext uri="{FF2B5EF4-FFF2-40B4-BE49-F238E27FC236}">
-                <a16:creationId xmlns:a16="http://schemas.microsoft.com/office/drawing/2014/main" id="{FF02CD42-FD12-614D-A8C6-FBB652E2B9C4}"/>
-              </a:ext>
-            </a:extLst>
-          </p:cNvPr>
-          <p:cNvSpPr>
-            <a:spLocks noGrp="1"/>
-          </p:cNvSpPr>
-          <p:nvPr>
-            <p:ph type="pic" idx="1"/>
-          </p:nvPr>
-        </p:nvSpPr>
-        <p:spPr>
-          <a:xfrm>
-            <a:off x="5183188" y="987425"/>
-            <a:ext cx="6172200" cy="4873625"/>
-          </a:xfrm>
-        </p:spPr>
-        <p:txBody>
-          <a:bodyPr/>
-          <a:lstStyle>
-            <a:lvl1pPr marL="0" indent="0">
-              <a:buNone/>
-              <a:defRPr sz="3200"/>
-            </a:lvl1pPr>
-            <a:lvl2pPr marL="457200" indent="0">
-              <a:buNone/>
-              <a:defRPr sz="2800"/>
-            </a:lvl2pPr>
-            <a:lvl3pPr marL="914400" indent="0">
-              <a:buNone/>
-              <a:defRPr sz="2400"/>
-            </a:lvl3pPr>
-            <a:lvl4pPr marL="1371600" indent="0">
-              <a:buNone/>
-              <a:defRPr sz="2000"/>
-            </a:lvl4pPr>
-            <a:lvl5pPr marL="1828800" indent="0">
-              <a:buNone/>
-              <a:defRPr sz="2000"/>
-            </a:lvl5pPr>
-            <a:lvl6pPr marL="2286000" indent="0">
-              <a:buNone/>
-              <a:defRPr sz="2000"/>
-            </a:lvl6pPr>
-            <a:lvl7pPr marL="2743200" indent="0">
-              <a:buNone/>
-              <a:defRPr sz="2000"/>
-            </a:lvl7pPr>
-            <a:lvl8pPr marL="3200400" indent="0">
-              <a:buNone/>
-              <a:defRPr sz="2000"/>
-            </a:lvl8pPr>
-            <a:lvl9pPr marL="3657600" indent="0">
-              <a:buNone/>
-              <a:defRPr sz="2000"/>
-            </a:lvl9pPr>
-          </a:lstStyle>
-          <a:p>
-            <a:endParaRPr lang="en-US"/>
-          </a:p>
-        </p:txBody>
-      </p:sp>
-      <p:sp>
-        <p:nvSpPr>
-          <p:cNvPr id="4" name="Text Placeholder 3">
-            <a:extLst>
-              <a:ext uri="{FF2B5EF4-FFF2-40B4-BE49-F238E27FC236}">
-                <a16:creationId xmlns:a16="http://schemas.microsoft.com/office/drawing/2014/main" id="{A26E1892-E1D1-5447-8C1E-BFD3993A1D59}"/>
-              </a:ext>
-            </a:extLst>
-          </p:cNvPr>
-          <p:cNvSpPr>
-            <a:spLocks noGrp="1"/>
-          </p:cNvSpPr>
-          <p:nvPr>
-            <p:ph type="body" sz="half" idx="2"/>
-          </p:nvPr>
-        </p:nvSpPr>
-        <p:spPr>
-          <a:xfrm>
-            <a:off x="839788" y="2057400"/>
-            <a:ext cx="3932237" cy="3811588"/>
-          </a:xfrm>
-        </p:spPr>
-        <p:txBody>
-          <a:bodyPr/>
-          <a:lstStyle>
-            <a:lvl1pPr marL="0" indent="0">
-              <a:buNone/>
-              <a:defRPr sz="1600"/>
-            </a:lvl1pPr>
-            <a:lvl2pPr marL="457200" indent="0">
-              <a:buNone/>
-              <a:defRPr sz="1400"/>
-            </a:lvl2pPr>
-            <a:lvl3pPr marL="914400" indent="0">
-              <a:buNone/>
-              <a:defRPr sz="1200"/>
-            </a:lvl3pPr>
-            <a:lvl4pPr marL="1371600" indent="0">
-              <a:buNone/>
-              <a:defRPr sz="1000"/>
-            </a:lvl4pPr>
-            <a:lvl5pPr marL="1828800" indent="0">
-              <a:buNone/>
-              <a:defRPr sz="1000"/>
-            </a:lvl5pPr>
-            <a:lvl6pPr marL="2286000" indent="0">
-              <a:buNone/>
-              <a:defRPr sz="1000"/>
-            </a:lvl6pPr>
-            <a:lvl7pPr marL="2743200" indent="0">
-              <a:buNone/>
-              <a:defRPr sz="1000"/>
-            </a:lvl7pPr>
-            <a:lvl8pPr marL="3200400" indent="0">
-              <a:buNone/>
-              <a:defRPr sz="1000"/>
-            </a:lvl8pPr>
-            <a:lvl9pPr marL="3657600" indent="0">
-              <a:buNone/>
-              <a:defRPr sz="1000"/>
-            </a:lvl9pPr>
-          </a:lstStyle>
-          <a:p>
-            <a:pPr lvl="0"/>
-            <a:r>
-              <a:rPr lang="en-US"/>
-              <a:t>Edit Master text styles</a:t>
-            </a:r>
-          </a:p>
-        </p:txBody>
-      </p:sp>
-      <p:sp>
-        <p:nvSpPr>
-          <p:cNvPr id="7" name="Slide Number Placeholder 6">
-            <a:extLst>
-              <a:ext uri="{FF2B5EF4-FFF2-40B4-BE49-F238E27FC236}">
-                <a16:creationId xmlns:a16="http://schemas.microsoft.com/office/drawing/2014/main" id="{7E12F28C-AB7A-EF4C-84CD-F4B5CE4282E4}"/>
-              </a:ext>
-            </a:extLst>
-          </p:cNvPr>
-          <p:cNvSpPr>
-            <a:spLocks noGrp="1"/>
-          </p:cNvSpPr>
-          <p:nvPr>
-            <p:ph type="sldNum" sz="quarter" idx="12"/>
-          </p:nvPr>
-        </p:nvSpPr>
-        <p:spPr/>
-        <p:txBody>
-          <a:bodyPr/>
-          <a:lstStyle/>
-          <a:p>
-            <a:fld id="{0B973F48-4628-F846-BA33-DDE653D83577}" type="slidenum">
-              <a:rPr lang="en-US" smtClean="0"/>
-              <a:t>‹#›</a:t>
-            </a:fld>
-            <a:endParaRPr lang="en-US"/>
-          </a:p>
-        </p:txBody>
-      </p:sp>
-    </p:spTree>
-    <p:extLst>
-      <p:ext uri="{BB962C8B-B14F-4D97-AF65-F5344CB8AC3E}">
-        <p14:creationId xmlns:p14="http://schemas.microsoft.com/office/powerpoint/2010/main" val="3724992320"/>
-      </p:ext>
-    </p:extLst>
-  </p:cSld>
-  <p:clrMapOvr>
-    <a:masterClrMapping/>
-  </p:clrMapOvr>
-</p:sldLayout>
-</file>
-
-<file path=ppt/slideMasters/slideMaster1.xml><?xml version="1.0" encoding="utf-8"?>
-<p:sldMaster xmlns:a="http://schemas.openxmlformats.org/drawingml/2006/main" xmlns:r="http://schemas.openxmlformats.org/officeDocument/2006/relationships" xmlns:p="http://schemas.openxmlformats.org/presentationml/2006/main">
-  <p:cSld>
-    <p:bg>
-      <p:bgRef idx="1001">
-        <a:schemeClr val="bg1"/>
-      </p:bgRef>
-    </p:bg>
-    <p:spTree>
-      <p:nvGrpSpPr>
-        <p:cNvPr id="1" name=""/>
-        <p:cNvGrpSpPr/>
-        <p:nvPr/>
-      </p:nvGrpSpPr>
-      <p:grpSpPr>
-        <a:xfrm>
-          <a:off x="0" y="0"/>
-          <a:ext cx="0" cy="0"/>
-          <a:chOff x="0" y="0"/>
-          <a:chExt cx="0" cy="0"/>
-        </a:xfrm>
-      </p:grpSpPr>
-      <p:sp>
-        <p:nvSpPr>
-          <p:cNvPr id="2" name="Title Placeholder 1">
-            <a:extLst>
-              <a:ext uri="{FF2B5EF4-FFF2-40B4-BE49-F238E27FC236}">
-                <a16:creationId xmlns:a16="http://schemas.microsoft.com/office/drawing/2014/main" id="{F89B2312-714B-3946-B9BF-1C7B2035B2F5}"/>
-              </a:ext>
-            </a:extLst>
-          </p:cNvPr>
-          <p:cNvSpPr>
-            <a:spLocks noGrp="1"/>
-          </p:cNvSpPr>
-          <p:nvPr>
-            <p:ph type="title"/>
-          </p:nvPr>
-        </p:nvSpPr>
-        <p:spPr>
-          <a:xfrm>
-            <a:off x="838200" y="365125"/>
-            <a:ext cx="10515600" cy="1325563"/>
-          </a:xfrm>
-          <a:prstGeom prst="rect">
-            <a:avLst/>
-          </a:prstGeom>
-        </p:spPr>
-        <p:txBody>
-          <a:bodyPr vert="horz" lIns="91440" tIns="45720" rIns="91440" bIns="45720" rtlCol="0" anchor="ctr">
-            <a:normAutofit/>
-          </a:bodyPr>
-          <a:lstStyle/>
-          <a:p>
-            <a:r>
-              <a:rPr lang="en-US"/>
-              <a:t>Click to edit Master title style</a:t>
-            </a:r>
-          </a:p>
-        </p:txBody>
-      </p:sp>
-      <p:sp>
-        <p:nvSpPr>
-          <p:cNvPr id="3" name="Text Placeholder 2">
-            <a:extLst>
-              <a:ext uri="{FF2B5EF4-FFF2-40B4-BE49-F238E27FC236}">
-                <a16:creationId xmlns:a16="http://schemas.microsoft.com/office/drawing/2014/main" id="{217A4718-D341-5E48-B2F9-56FD8E3EE1C9}"/>
-              </a:ext>
-            </a:extLst>
-          </p:cNvPr>
-          <p:cNvSpPr>
-            <a:spLocks noGrp="1"/>
-          </p:cNvSpPr>
-          <p:nvPr>
-            <p:ph type="body" idx="1"/>
-          </p:nvPr>
-        </p:nvSpPr>
-        <p:spPr>
-          <a:xfrm>
-            <a:off x="838200" y="1825625"/>
-            <a:ext cx="10515600" cy="4351338"/>
-          </a:xfrm>
-          <a:prstGeom prst="rect">
-            <a:avLst/>
-          </a:prstGeom>
-        </p:spPr>
-        <p:txBody>
-          <a:bodyPr vert="horz" lIns="91440" tIns="45720" rIns="91440" bIns="45720" rtlCol="0">
-            <a:normAutofit/>
-          </a:bodyPr>
-          <a:lstStyle/>
-          <a:p>
-            <a:pPr lvl="0"/>
-            <a:r>
-              <a:rPr lang="en-US"/>
-              <a:t>Edit Master text styles</a:t>
-            </a:r>
-          </a:p>
-          <a:p>
-            <a:pPr lvl="1"/>
-            <a:r>
-              <a:rPr lang="en-US"/>
-              <a:t>Second level</a:t>
-            </a:r>
-          </a:p>
-          <a:p>
-            <a:pPr lvl="2"/>
-            <a:r>
-              <a:rPr lang="en-US"/>
-              <a:t>Third level</a:t>
-            </a:r>
-          </a:p>
-          <a:p>
-            <a:pPr lvl="3"/>
-            <a:r>
-              <a:rPr lang="en-US"/>
-              <a:t>Fourth level</a:t>
-            </a:r>
-          </a:p>
-          <a:p>
-            <a:pPr lvl="4"/>
-            <a:r>
-              <a:rPr lang="en-US"/>
-              <a:t>Fifth level</a:t>
-            </a:r>
-          </a:p>
-        </p:txBody>
-      </p:sp>
-      <p:sp>
-        <p:nvSpPr>
-          <p:cNvPr id="6" name="Slide Number Placeholder 5">
-            <a:extLst>
-              <a:ext uri="{FF2B5EF4-FFF2-40B4-BE49-F238E27FC236}">
-                <a16:creationId xmlns:a16="http://schemas.microsoft.com/office/drawing/2014/main" id="{7F50DDCB-DB12-4B4D-B2A3-DF7E27851109}"/>
-              </a:ext>
-            </a:extLst>
-          </p:cNvPr>
-          <p:cNvSpPr>
-            <a:spLocks noGrp="1"/>
-          </p:cNvSpPr>
-          <p:nvPr>
-            <p:ph type="sldNum" sz="quarter" idx="4"/>
-          </p:nvPr>
-        </p:nvSpPr>
-        <p:spPr>
-          <a:xfrm>
-            <a:off x="9448800" y="6065837"/>
-            <a:ext cx="2743200" cy="365125"/>
-          </a:xfrm>
-          <a:prstGeom prst="rect">
-            <a:avLst/>
-          </a:prstGeom>
-        </p:spPr>
-        <p:txBody>
-          <a:bodyPr vert="horz" lIns="91440" tIns="45720" rIns="91440" bIns="45720" rtlCol="0" anchor="ctr"/>
-          <a:lstStyle>
-            <a:lvl1pPr algn="r">
-              <a:defRPr sz="1200">
-                <a:solidFill>
-                  <a:schemeClr val="tx1">
-                    <a:tint val="75000"/>
-                  </a:schemeClr>
-                </a:solidFill>
-              </a:defRPr>
-            </a:lvl1pPr>
-          </a:lstStyle>
-          <a:p>
-            <a:fld id="{0B973F48-4628-F846-BA33-DDE653D83577}" type="slidenum">
-              <a:rPr lang="en-US" smtClean="0"/>
-              <a:t>‹#›</a:t>
-            </a:fld>
-            <a:endParaRPr lang="en-US" dirty="0"/>
-          </a:p>
-        </p:txBody>
-      </p:sp>
-      <p:sp>
-        <p:nvSpPr>
-          <p:cNvPr id="9" name="Slide Number Placeholder 5">
-            <a:extLst>
-              <a:ext uri="{FF2B5EF4-FFF2-40B4-BE49-F238E27FC236}">
-                <a16:creationId xmlns:a16="http://schemas.microsoft.com/office/drawing/2014/main" id="{ABB045D2-645B-C646-BB72-F8DE27472BD5}"/>
-              </a:ext>
-            </a:extLst>
-          </p:cNvPr>
-          <p:cNvSpPr txBox="1">
-            <a:spLocks/>
-          </p:cNvSpPr>
-          <p:nvPr userDrawn="1"/>
-        </p:nvSpPr>
-        <p:spPr>
-          <a:xfrm>
-            <a:off x="6553200" y="6356350"/>
-            <a:ext cx="2133600" cy="365125"/>
-          </a:xfrm>
-          <a:prstGeom prst="rect">
-            <a:avLst/>
-          </a:prstGeom>
-        </p:spPr>
-        <p:txBody>
-          <a:bodyPr vert="horz" wrap="square" lIns="91440" tIns="45720" rIns="91440" bIns="45720" numCol="1" anchor="ctr" anchorCtr="0" compatLnSpc="1">
-            <a:prstTxWarp prst="textNoShape">
-              <a:avLst/>
-            </a:prstTxWarp>
-          </a:bodyPr>
-          <a:lstStyle>
-            <a:defPPr>
-              <a:defRPr lang="en-US"/>
-            </a:defPPr>
-            <a:lvl1pPr marL="0" algn="r" defTabSz="914400" rtl="0" eaLnBrk="1" latinLnBrk="0" hangingPunct="1">
-              <a:defRPr sz="1200" kern="1200">
-                <a:solidFill>
-                  <a:srgbClr val="898989"/>
-                </a:solidFill>
-                <a:latin typeface="Segoe UI" charset="0"/>
-                <a:ea typeface="+mn-ea"/>
-                <a:cs typeface="+mn-cs"/>
-              </a:defRPr>
-            </a:lvl1pPr>
-            <a:lvl2pPr marL="457200" algn="l" defTabSz="914400" rtl="0" eaLnBrk="1" latinLnBrk="0" hangingPunct="1">
-              <a:defRPr sz="1800" kern="1200">
-                <a:solidFill>
-                  <a:schemeClr val="tx1"/>
-                </a:solidFill>
-                <a:latin typeface="+mn-lt"/>
-                <a:ea typeface="+mn-ea"/>
-                <a:cs typeface="+mn-cs"/>
-              </a:defRPr>
-            </a:lvl2pPr>
-            <a:lvl3pPr marL="914400" algn="l" defTabSz="914400" rtl="0" eaLnBrk="1" latinLnBrk="0" hangingPunct="1">
-              <a:defRPr sz="1800" kern="1200">
-                <a:solidFill>
-                  <a:schemeClr val="tx1"/>
-                </a:solidFill>
-                <a:latin typeface="+mn-lt"/>
-                <a:ea typeface="+mn-ea"/>
-                <a:cs typeface="+mn-cs"/>
-              </a:defRPr>
-            </a:lvl3pPr>
-            <a:lvl4pPr marL="1371600" algn="l" defTabSz="914400" rtl="0" eaLnBrk="1" latinLnBrk="0" hangingPunct="1">
-              <a:defRPr sz="1800" kern="1200">
-                <a:solidFill>
-                  <a:schemeClr val="tx1"/>
-                </a:solidFill>
-                <a:latin typeface="+mn-lt"/>
-                <a:ea typeface="+mn-ea"/>
-                <a:cs typeface="+mn-cs"/>
-              </a:defRPr>
-            </a:lvl4pPr>
-            <a:lvl5pPr marL="1828800" algn="l" defTabSz="914400" rtl="0" eaLnBrk="1" latinLnBrk="0" hangingPunct="1">
-              <a:defRPr sz="1800" kern="1200">
-                <a:solidFill>
-                  <a:schemeClr val="tx1"/>
-                </a:solidFill>
-                <a:latin typeface="+mn-lt"/>
-                <a:ea typeface="+mn-ea"/>
-                <a:cs typeface="+mn-cs"/>
-              </a:defRPr>
-            </a:lvl5pPr>
-            <a:lvl6pPr marL="2286000" algn="l" defTabSz="914400" rtl="0" eaLnBrk="1" latinLnBrk="0" hangingPunct="1">
-              <a:defRPr sz="1800" kern="1200">
-                <a:solidFill>
-                  <a:schemeClr val="tx1"/>
-                </a:solidFill>
-                <a:latin typeface="+mn-lt"/>
-                <a:ea typeface="+mn-ea"/>
-                <a:cs typeface="+mn-cs"/>
-              </a:defRPr>
-            </a:lvl6pPr>
-            <a:lvl7pPr marL="2743200" algn="l" defTabSz="914400" rtl="0" eaLnBrk="1" latinLnBrk="0" hangingPunct="1">
-              <a:defRPr sz="1800" kern="1200">
-                <a:solidFill>
-                  <a:schemeClr val="tx1"/>
-                </a:solidFill>
-                <a:latin typeface="+mn-lt"/>
-                <a:ea typeface="+mn-ea"/>
-                <a:cs typeface="+mn-cs"/>
-              </a:defRPr>
-            </a:lvl7pPr>
-            <a:lvl8pPr marL="3200400" algn="l" defTabSz="914400" rtl="0" eaLnBrk="1" latinLnBrk="0" hangingPunct="1">
-              <a:defRPr sz="1800" kern="1200">
-                <a:solidFill>
-                  <a:schemeClr val="tx1"/>
-                </a:solidFill>
-                <a:latin typeface="+mn-lt"/>
-                <a:ea typeface="+mn-ea"/>
-                <a:cs typeface="+mn-cs"/>
-              </a:defRPr>
-            </a:lvl8pPr>
-            <a:lvl9pPr marL="3657600" algn="l" defTabSz="914400" rtl="0" eaLnBrk="1" latinLnBrk="0" hangingPunct="1">
-              <a:defRPr sz="1800" kern="1200">
-                <a:solidFill>
-                  <a:schemeClr val="tx1"/>
-                </a:solidFill>
-                <a:latin typeface="+mn-lt"/>
-                <a:ea typeface="+mn-ea"/>
-                <a:cs typeface="+mn-cs"/>
-              </a:defRPr>
-            </a:lvl9pPr>
-          </a:lstStyle>
-          <a:p>
-            <a:pPr>
-              <a:defRPr/>
-            </a:pPr>
-            <a:fld id="{18C1412E-69E1-864D-A0DF-94DDC7C8003B}" type="slidenum">
-              <a:rPr lang="en-US" smtClean="0"/>
-              <a:pPr>
-                <a:defRPr/>
-              </a:pPr>
-              <a:t>‹#›</a:t>
-            </a:fld>
-            <a:endParaRPr lang="en-US"/>
-          </a:p>
-        </p:txBody>
-      </p:sp>
-      <p:sp>
-        <p:nvSpPr>
-          <p:cNvPr id="10" name="Rectangle 9">
-            <a:extLst>
-              <a:ext uri="{FF2B5EF4-FFF2-40B4-BE49-F238E27FC236}">
-                <a16:creationId xmlns:a16="http://schemas.microsoft.com/office/drawing/2014/main" id="{715CF350-BF31-8549-8FA5-338ED87D9F31}"/>
-              </a:ext>
-            </a:extLst>
-          </p:cNvPr>
-          <p:cNvSpPr/>
-          <p:nvPr userDrawn="1"/>
-        </p:nvSpPr>
-        <p:spPr>
-          <a:xfrm>
-            <a:off x="0" y="6400800"/>
-            <a:ext cx="12192000" cy="457200"/>
-          </a:xfrm>
-          <a:prstGeom prst="rect">
-            <a:avLst/>
-          </a:prstGeom>
-          <a:solidFill>
-            <a:srgbClr val="9A3334"/>
-          </a:solidFill>
-          <a:ln>
-            <a:noFill/>
-          </a:ln>
-        </p:spPr>
-        <p:style>
-          <a:lnRef idx="2">
-            <a:schemeClr val="accent1">
-              <a:shade val="50000"/>
-            </a:schemeClr>
-          </a:lnRef>
-          <a:fillRef idx="1">
-            <a:schemeClr val="accent1"/>
-          </a:fillRef>
-          <a:effectRef idx="0">
-            <a:schemeClr val="accent1"/>
-          </a:effectRef>
-          <a:fontRef idx="minor">
-            <a:schemeClr val="lt1"/>
-          </a:fontRef>
-        </p:style>
-        <p:txBody>
-          <a:bodyPr anchor="ctr"/>
-          <a:lstStyle/>
-          <a:p>
-            <a:pPr algn="ctr" fontAlgn="auto">
-              <a:spcBef>
-                <a:spcPts val="0"/>
-              </a:spcBef>
-              <a:spcAft>
-                <a:spcPts val="0"/>
-              </a:spcAft>
-              <a:defRPr/>
-            </a:pPr>
-            <a:endParaRPr lang="en-US" sz="1800"/>
-          </a:p>
-        </p:txBody>
-      </p:sp>
-      <p:sp>
-        <p:nvSpPr>
-          <p:cNvPr id="11" name="TextBox 10">
-            <a:extLst>
-              <a:ext uri="{FF2B5EF4-FFF2-40B4-BE49-F238E27FC236}">
-                <a16:creationId xmlns:a16="http://schemas.microsoft.com/office/drawing/2014/main" id="{2CE4FBA7-EA83-4B4B-A7C6-F0F5766917AC}"/>
-              </a:ext>
-            </a:extLst>
-          </p:cNvPr>
-          <p:cNvSpPr txBox="1">
-            <a:spLocks noChangeArrowheads="1"/>
-          </p:cNvSpPr>
-          <p:nvPr userDrawn="1"/>
-        </p:nvSpPr>
-        <p:spPr bwMode="auto">
-          <a:xfrm>
-            <a:off x="0" y="6430962"/>
-            <a:ext cx="6705600" cy="396875"/>
-          </a:xfrm>
-          <a:prstGeom prst="rect">
-            <a:avLst/>
-          </a:prstGeom>
-          <a:noFill/>
-          <a:ln>
-            <a:noFill/>
-          </a:ln>
-          <a:extLst>
-            <a:ext uri="{909E8E84-426E-40dd-AFC4-6F175D3DCCD1}">
-              <a14:hiddenFill xmlns="" xmlns:a14="http://schemas.microsoft.com/office/drawing/2010/main">
-                <a:solidFill>
-                  <a:srgbClr val="FFFFFF"/>
-                </a:solidFill>
-              </a14:hiddenFill>
-            </a:ext>
-            <a:ext uri="{91240B29-F687-4f45-9708-019B960494DF}">
-              <a14:hiddenLine xmlns="" xmlns:a14="http://schemas.microsoft.com/office/drawing/2010/main" w="9525">
-                <a:solidFill>
-                  <a:srgbClr val="000000"/>
-                </a:solidFill>
-                <a:miter lim="800000"/>
-                <a:headEnd/>
-                <a:tailEnd/>
-              </a14:hiddenLine>
-            </a:ext>
-          </a:extLst>
-        </p:spPr>
-        <p:txBody>
-          <a:bodyPr>
-            <a:spAutoFit/>
-          </a:bodyPr>
-          <a:lstStyle>
-            <a:lvl1pPr eaLnBrk="0" hangingPunct="0">
-              <a:defRPr sz="2400">
-                <a:solidFill>
-                  <a:schemeClr val="tx1"/>
-                </a:solidFill>
-                <a:latin typeface="Arial" charset="0"/>
-                <a:ea typeface="ＭＳ Ｐゴシック" charset="0"/>
-                <a:cs typeface="ＭＳ Ｐゴシック" charset="0"/>
-              </a:defRPr>
-            </a:lvl1pPr>
-            <a:lvl2pPr marL="742950" indent="-285750" eaLnBrk="0" hangingPunct="0">
-              <a:defRPr sz="2400">
-                <a:solidFill>
-                  <a:schemeClr val="tx1"/>
-                </a:solidFill>
-                <a:latin typeface="Arial" charset="0"/>
-                <a:ea typeface="ＭＳ Ｐゴシック" charset="0"/>
-              </a:defRPr>
-            </a:lvl2pPr>
-            <a:lvl3pPr marL="1143000" indent="-228600" eaLnBrk="0" hangingPunct="0">
-              <a:defRPr sz="2400">
-                <a:solidFill>
-                  <a:schemeClr val="tx1"/>
-                </a:solidFill>
-                <a:latin typeface="Arial" charset="0"/>
-                <a:ea typeface="ＭＳ Ｐゴシック" charset="0"/>
-              </a:defRPr>
-            </a:lvl3pPr>
-            <a:lvl4pPr marL="1600200" indent="-228600" eaLnBrk="0" hangingPunct="0">
-              <a:defRPr sz="2400">
-                <a:solidFill>
-                  <a:schemeClr val="tx1"/>
-                </a:solidFill>
-                <a:latin typeface="Arial" charset="0"/>
-                <a:ea typeface="ＭＳ Ｐゴシック" charset="0"/>
-              </a:defRPr>
-            </a:lvl4pPr>
-            <a:lvl5pPr marL="2057400" indent="-228600" eaLnBrk="0" hangingPunct="0">
-              <a:defRPr sz="2400">
-                <a:solidFill>
-                  <a:schemeClr val="tx1"/>
-                </a:solidFill>
-                <a:latin typeface="Arial" charset="0"/>
-                <a:ea typeface="ＭＳ Ｐゴシック" charset="0"/>
-              </a:defRPr>
-            </a:lvl5pPr>
-            <a:lvl6pPr marL="2514600" indent="-228600" eaLnBrk="0" fontAlgn="base" hangingPunct="0">
-              <a:spcBef>
-                <a:spcPct val="0"/>
-              </a:spcBef>
-              <a:spcAft>
-                <a:spcPct val="0"/>
-              </a:spcAft>
-              <a:defRPr sz="2400">
-                <a:solidFill>
-                  <a:schemeClr val="tx1"/>
-                </a:solidFill>
-                <a:latin typeface="Arial" charset="0"/>
-                <a:ea typeface="ＭＳ Ｐゴシック" charset="0"/>
-              </a:defRPr>
-            </a:lvl6pPr>
-            <a:lvl7pPr marL="2971800" indent="-228600" eaLnBrk="0" fontAlgn="base" hangingPunct="0">
-              <a:spcBef>
-                <a:spcPct val="0"/>
-              </a:spcBef>
-              <a:spcAft>
-                <a:spcPct val="0"/>
-              </a:spcAft>
-              <a:defRPr sz="2400">
-                <a:solidFill>
-                  <a:schemeClr val="tx1"/>
-                </a:solidFill>
-                <a:latin typeface="Arial" charset="0"/>
-                <a:ea typeface="ＭＳ Ｐゴシック" charset="0"/>
-              </a:defRPr>
-            </a:lvl7pPr>
-            <a:lvl8pPr marL="3429000" indent="-228600" eaLnBrk="0" fontAlgn="base" hangingPunct="0">
-              <a:spcBef>
-                <a:spcPct val="0"/>
-              </a:spcBef>
-              <a:spcAft>
-                <a:spcPct val="0"/>
-              </a:spcAft>
-              <a:defRPr sz="2400">
-                <a:solidFill>
-                  <a:schemeClr val="tx1"/>
-                </a:solidFill>
-                <a:latin typeface="Arial" charset="0"/>
-                <a:ea typeface="ＭＳ Ｐゴシック" charset="0"/>
-              </a:defRPr>
-            </a:lvl8pPr>
-            <a:lvl9pPr marL="3886200" indent="-228600" eaLnBrk="0" fontAlgn="base" hangingPunct="0">
-              <a:spcBef>
-                <a:spcPct val="0"/>
-              </a:spcBef>
-              <a:spcAft>
-                <a:spcPct val="0"/>
-              </a:spcAft>
-              <a:defRPr sz="2400">
-                <a:solidFill>
-                  <a:schemeClr val="tx1"/>
-                </a:solidFill>
-                <a:latin typeface="Arial" charset="0"/>
-                <a:ea typeface="ＭＳ Ｐゴシック" charset="0"/>
-              </a:defRPr>
-            </a:lvl9pPr>
-          </a:lstStyle>
-          <a:p>
-            <a:pPr eaLnBrk="1" hangingPunct="1">
-              <a:defRPr/>
-            </a:pPr>
-            <a:r>
-              <a:rPr lang="en-US" sz="2000" b="1" dirty="0">
-                <a:solidFill>
-                  <a:schemeClr val="bg1"/>
-                </a:solidFill>
-                <a:latin typeface="Calibri" charset="0"/>
-                <a:cs typeface="Calibri" charset="0"/>
-              </a:rPr>
-              <a:t>Module 1</a:t>
-            </a:r>
-          </a:p>
-        </p:txBody>
-      </p:sp>
-      <p:sp>
-        <p:nvSpPr>
-          <p:cNvPr id="12" name="TextBox 11">
-            <a:extLst>
-              <a:ext uri="{FF2B5EF4-FFF2-40B4-BE49-F238E27FC236}">
-                <a16:creationId xmlns:a16="http://schemas.microsoft.com/office/drawing/2014/main" id="{8EB12434-FD9E-4242-B813-5136B9D05A8A}"/>
-              </a:ext>
-            </a:extLst>
-          </p:cNvPr>
-          <p:cNvSpPr txBox="1"/>
-          <p:nvPr userDrawn="1"/>
-        </p:nvSpPr>
-        <p:spPr>
-          <a:xfrm>
-            <a:off x="9639300" y="6400800"/>
-            <a:ext cx="2362200" cy="457200"/>
-          </a:xfrm>
-          <a:prstGeom prst="rect">
-            <a:avLst/>
-          </a:prstGeom>
-          <a:noFill/>
-        </p:spPr>
-        <p:txBody>
-          <a:bodyPr>
-            <a:spAutoFit/>
-          </a:bodyPr>
-          <a:lstStyle>
-            <a:lvl1pPr eaLnBrk="0" hangingPunct="0">
-              <a:defRPr sz="2400">
-                <a:solidFill>
-                  <a:schemeClr val="tx1"/>
-                </a:solidFill>
-                <a:latin typeface="Arial" charset="0"/>
-                <a:ea typeface="ＭＳ Ｐゴシック" charset="0"/>
-                <a:cs typeface="ＭＳ Ｐゴシック" charset="0"/>
-              </a:defRPr>
-            </a:lvl1pPr>
-            <a:lvl2pPr marL="37931725" indent="-37474525" eaLnBrk="0" hangingPunct="0">
-              <a:defRPr sz="2400">
-                <a:solidFill>
-                  <a:schemeClr val="tx1"/>
-                </a:solidFill>
-                <a:latin typeface="Arial" charset="0"/>
-                <a:ea typeface="ＭＳ Ｐゴシック" charset="0"/>
-              </a:defRPr>
-            </a:lvl2pPr>
-            <a:lvl3pPr eaLnBrk="0" hangingPunct="0">
-              <a:defRPr sz="2400">
-                <a:solidFill>
-                  <a:schemeClr val="tx1"/>
-                </a:solidFill>
-                <a:latin typeface="Arial" charset="0"/>
-                <a:ea typeface="ＭＳ Ｐゴシック" charset="0"/>
-              </a:defRPr>
-            </a:lvl3pPr>
-            <a:lvl4pPr eaLnBrk="0" hangingPunct="0">
-              <a:defRPr sz="2400">
-                <a:solidFill>
-                  <a:schemeClr val="tx1"/>
-                </a:solidFill>
-                <a:latin typeface="Arial" charset="0"/>
-                <a:ea typeface="ＭＳ Ｐゴシック" charset="0"/>
-              </a:defRPr>
-            </a:lvl4pPr>
-            <a:lvl5pPr eaLnBrk="0" hangingPunct="0">
-              <a:defRPr sz="2400">
-                <a:solidFill>
-                  <a:schemeClr val="tx1"/>
-                </a:solidFill>
-                <a:latin typeface="Arial" charset="0"/>
-                <a:ea typeface="ＭＳ Ｐゴシック" charset="0"/>
-              </a:defRPr>
-            </a:lvl5pPr>
-            <a:lvl6pPr marL="457200" eaLnBrk="0" fontAlgn="base" hangingPunct="0">
-              <a:spcBef>
-                <a:spcPct val="0"/>
-              </a:spcBef>
-              <a:spcAft>
-                <a:spcPct val="0"/>
-              </a:spcAft>
-              <a:defRPr sz="2400">
-                <a:solidFill>
-                  <a:schemeClr val="tx1"/>
-                </a:solidFill>
-                <a:latin typeface="Arial" charset="0"/>
-                <a:ea typeface="ＭＳ Ｐゴシック" charset="0"/>
-              </a:defRPr>
-            </a:lvl6pPr>
-            <a:lvl7pPr marL="914400" eaLnBrk="0" fontAlgn="base" hangingPunct="0">
-              <a:spcBef>
-                <a:spcPct val="0"/>
-              </a:spcBef>
-              <a:spcAft>
-                <a:spcPct val="0"/>
-              </a:spcAft>
-              <a:defRPr sz="2400">
-                <a:solidFill>
-                  <a:schemeClr val="tx1"/>
-                </a:solidFill>
-                <a:latin typeface="Arial" charset="0"/>
-                <a:ea typeface="ＭＳ Ｐゴシック" charset="0"/>
-              </a:defRPr>
-            </a:lvl7pPr>
-            <a:lvl8pPr marL="1371600" eaLnBrk="0" fontAlgn="base" hangingPunct="0">
-              <a:spcBef>
-                <a:spcPct val="0"/>
-              </a:spcBef>
-              <a:spcAft>
-                <a:spcPct val="0"/>
-              </a:spcAft>
-              <a:defRPr sz="2400">
-                <a:solidFill>
-                  <a:schemeClr val="tx1"/>
-                </a:solidFill>
-                <a:latin typeface="Arial" charset="0"/>
-                <a:ea typeface="ＭＳ Ｐゴシック" charset="0"/>
-              </a:defRPr>
-            </a:lvl8pPr>
-            <a:lvl9pPr marL="1828800" eaLnBrk="0" fontAlgn="base" hangingPunct="0">
-              <a:spcBef>
-                <a:spcPct val="0"/>
-              </a:spcBef>
-              <a:spcAft>
-                <a:spcPct val="0"/>
-              </a:spcAft>
-              <a:defRPr sz="2400">
-                <a:solidFill>
-                  <a:schemeClr val="tx1"/>
-                </a:solidFill>
-                <a:latin typeface="Arial" charset="0"/>
-                <a:ea typeface="ＭＳ Ｐゴシック" charset="0"/>
-              </a:defRPr>
-            </a:lvl9pPr>
-          </a:lstStyle>
-          <a:p>
             <a:pPr algn="r" eaLnBrk="1" hangingPunct="1">
               <a:defRPr/>
             </a:pPr>
@@ -4029,8 +3574,7 @@
     <p:sldLayoutId id="2147483669" r:id="rId9"/>
     <p:sldLayoutId id="2147483670" r:id="rId10"/>
     <p:sldLayoutId id="2147483671" r:id="rId11"/>
-    <p:sldLayoutId id="2147483673" r:id="rId12"/>
-    <p:sldLayoutId id="2147483674" r:id="rId13"/>
+    <p:sldLayoutId id="2147483674" r:id="rId12"/>
   </p:sldLayoutIdLst>
   <p:txStyles>
     <p:titleStyle>
@@ -4334,145 +3878,6 @@
       </p:grpSpPr>
       <p:sp>
         <p:nvSpPr>
-          <p:cNvPr id="57" name="Rectangle 56"/>
-          <p:cNvSpPr/>
-          <p:nvPr/>
-        </p:nvSpPr>
-        <p:spPr>
-          <a:xfrm>
-            <a:off x="1524001" y="2514601"/>
-            <a:ext cx="5758249" cy="3898557"/>
-          </a:xfrm>
-          <a:prstGeom prst="rect">
-            <a:avLst/>
-          </a:prstGeom>
-          <a:solidFill>
-            <a:schemeClr val="accent1">
-              <a:alpha val="18000"/>
-            </a:schemeClr>
-          </a:solidFill>
-          <a:ln>
-            <a:noFill/>
-          </a:ln>
-        </p:spPr>
-        <p:style>
-          <a:lnRef idx="1">
-            <a:schemeClr val="accent1"/>
-          </a:lnRef>
-          <a:fillRef idx="3">
-            <a:schemeClr val="accent1"/>
-          </a:fillRef>
-          <a:effectRef idx="2">
-            <a:schemeClr val="accent1"/>
-          </a:effectRef>
-          <a:fontRef idx="minor">
-            <a:schemeClr val="lt1"/>
-          </a:fontRef>
-        </p:style>
-        <p:txBody>
-          <a:bodyPr anchor="ctr"/>
-          <a:lstStyle/>
-          <a:p>
-            <a:pPr algn="ctr">
-              <a:defRPr/>
-            </a:pPr>
-            <a:endParaRPr lang="en-US">
-              <a:solidFill>
-                <a:srgbClr val="FFFFFF"/>
-              </a:solidFill>
-              <a:latin typeface="Calibri" charset="0"/>
-              <a:ea typeface="ＭＳ Ｐゴシック" charset="0"/>
-              <a:cs typeface="Calibri" charset="0"/>
-            </a:endParaRPr>
-          </a:p>
-        </p:txBody>
-      </p:sp>
-      <p:pic>
-        <p:nvPicPr>
-          <p:cNvPr id="10242" name="Picture 4" descr="TGI_logo_V_2color_bevel.tiff"/>
-          <p:cNvPicPr>
-            <a:picLocks noChangeAspect="1"/>
-          </p:cNvPicPr>
-          <p:nvPr/>
-        </p:nvPicPr>
-        <p:blipFill>
-          <a:blip r:embed="rId2">
-            <a:extLst>
-              <a:ext uri="{28A0092B-C50C-407E-A947-70E740481C1C}">
-                <a14:useLocalDpi xmlns:a14="http://schemas.microsoft.com/office/drawing/2010/main" val="0"/>
-              </a:ext>
-            </a:extLst>
-          </a:blip>
-          <a:srcRect l="31865" t="30911" r="32492" b="27831"/>
-          <a:stretch>
-            <a:fillRect/>
-          </a:stretch>
-        </p:blipFill>
-        <p:spPr bwMode="auto">
-          <a:xfrm>
-            <a:off x="8112126" y="3744914"/>
-            <a:ext cx="2181225" cy="1893887"/>
-          </a:xfrm>
-          <a:prstGeom prst="rect">
-            <a:avLst/>
-          </a:prstGeom>
-          <a:noFill/>
-          <a:ln>
-            <a:noFill/>
-          </a:ln>
-          <a:extLst>
-            <a:ext uri="{909E8E84-426E-40dd-AFC4-6F175D3DCCD1}">
-              <a14:hiddenFill xmlns="" xmlns:a14="http://schemas.microsoft.com/office/drawing/2010/main">
-                <a:solidFill>
-                  <a:srgbClr val="FFFFFF"/>
-                </a:solidFill>
-              </a14:hiddenFill>
-            </a:ext>
-            <a:ext uri="{91240B29-F687-4f45-9708-019B960494DF}">
-              <a14:hiddenLine xmlns="" xmlns:a14="http://schemas.microsoft.com/office/drawing/2010/main" w="9525">
-                <a:solidFill>
-                  <a:srgbClr val="000000"/>
-                </a:solidFill>
-                <a:miter lim="800000"/>
-                <a:headEnd/>
-                <a:tailEnd/>
-              </a14:hiddenLine>
-            </a:ext>
-          </a:extLst>
-        </p:spPr>
-      </p:pic>
-      <p:pic>
-        <p:nvPicPr>
-          <p:cNvPr id="2" name="Picture 1" descr="DataCenter.jpg"/>
-          <p:cNvPicPr>
-            <a:picLocks noChangeAspect="1"/>
-          </p:cNvPicPr>
-          <p:nvPr/>
-        </p:nvPicPr>
-        <p:blipFill>
-          <a:blip r:embed="rId3" cstate="print">
-            <a:extLst>
-              <a:ext uri="{28A0092B-C50C-407E-A947-70E740481C1C}">
-                <a14:useLocalDpi xmlns:a14="http://schemas.microsoft.com/office/drawing/2010/main" val="0"/>
-              </a:ext>
-            </a:extLst>
-          </a:blip>
-          <a:stretch>
-            <a:fillRect/>
-          </a:stretch>
-        </p:blipFill>
-        <p:spPr>
-          <a:xfrm>
-            <a:off x="1703513" y="2708921"/>
-            <a:ext cx="5133893" cy="3422595"/>
-          </a:xfrm>
-          <a:prstGeom prst="rect">
-            <a:avLst/>
-          </a:prstGeom>
-        </p:spPr>
-      </p:pic>
-      <p:sp>
-        <p:nvSpPr>
           <p:cNvPr id="7" name="Title 1">
             <a:extLst>
               <a:ext uri="{FF2B5EF4-FFF2-40B4-BE49-F238E27FC236}">
@@ -4888,6 +4293,238 @@
           </a:p>
         </p:txBody>
       </p:sp>
+      <p:grpSp>
+        <p:nvGrpSpPr>
+          <p:cNvPr id="10" name="Group 9">
+            <a:extLst>
+              <a:ext uri="{FF2B5EF4-FFF2-40B4-BE49-F238E27FC236}">
+                <a16:creationId xmlns:a16="http://schemas.microsoft.com/office/drawing/2014/main" id="{4B7B021E-356F-B843-A264-0615BE8C03DF}"/>
+              </a:ext>
+            </a:extLst>
+          </p:cNvPr>
+          <p:cNvGrpSpPr/>
+          <p:nvPr/>
+        </p:nvGrpSpPr>
+        <p:grpSpPr>
+          <a:xfrm>
+            <a:off x="367863" y="2514601"/>
+            <a:ext cx="11104782" cy="3898557"/>
+            <a:chOff x="367863" y="2514601"/>
+            <a:chExt cx="11104782" cy="3898557"/>
+          </a:xfrm>
+        </p:grpSpPr>
+        <p:pic>
+          <p:nvPicPr>
+            <p:cNvPr id="11" name="Picture 4" descr="TGI_logo_V_2color_bevel.tiff">
+              <a:extLst>
+                <a:ext uri="{FF2B5EF4-FFF2-40B4-BE49-F238E27FC236}">
+                  <a16:creationId xmlns:a16="http://schemas.microsoft.com/office/drawing/2014/main" id="{CEB70609-E4B9-F94A-BE91-C92BF70E42C2}"/>
+                </a:ext>
+              </a:extLst>
+            </p:cNvPr>
+            <p:cNvPicPr>
+              <a:picLocks noChangeAspect="1"/>
+            </p:cNvPicPr>
+            <p:nvPr/>
+          </p:nvPicPr>
+          <p:blipFill>
+            <a:blip r:embed="rId2">
+              <a:extLst>
+                <a:ext uri="{28A0092B-C50C-407E-A947-70E740481C1C}">
+                  <a14:useLocalDpi xmlns:a14="http://schemas.microsoft.com/office/drawing/2010/main" val="0"/>
+                </a:ext>
+              </a:extLst>
+            </a:blip>
+            <a:srcRect l="31865" t="30911" r="32492" b="27831"/>
+            <a:stretch>
+              <a:fillRect/>
+            </a:stretch>
+          </p:blipFill>
+          <p:spPr bwMode="auto">
+            <a:xfrm>
+              <a:off x="8916770" y="3326484"/>
+              <a:ext cx="2555875" cy="2219183"/>
+            </a:xfrm>
+            <a:prstGeom prst="rect">
+              <a:avLst/>
+            </a:prstGeom>
+            <a:noFill/>
+            <a:ln>
+              <a:noFill/>
+            </a:ln>
+            <a:extLst>
+              <a:ext uri="{909E8E84-426E-40dd-AFC4-6F175D3DCCD1}">
+                <a14:hiddenFill xmlns="" xmlns:a14="http://schemas.microsoft.com/office/drawing/2010/main">
+                  <a:solidFill>
+                    <a:srgbClr val="FFFFFF"/>
+                  </a:solidFill>
+                </a14:hiddenFill>
+              </a:ext>
+              <a:ext uri="{91240B29-F687-4f45-9708-019B960494DF}">
+                <a14:hiddenLine xmlns="" xmlns:a14="http://schemas.microsoft.com/office/drawing/2010/main" w="9525">
+                  <a:solidFill>
+                    <a:srgbClr val="000000"/>
+                  </a:solidFill>
+                  <a:miter lim="800000"/>
+                  <a:headEnd/>
+                  <a:tailEnd/>
+                </a14:hiddenLine>
+              </a:ext>
+            </a:extLst>
+          </p:spPr>
+        </p:pic>
+        <p:sp>
+          <p:nvSpPr>
+            <p:cNvPr id="15" name="Rectangle 14">
+              <a:extLst>
+                <a:ext uri="{FF2B5EF4-FFF2-40B4-BE49-F238E27FC236}">
+                  <a16:creationId xmlns:a16="http://schemas.microsoft.com/office/drawing/2014/main" id="{8F5144C5-BA12-3646-8DEC-CFDA91DAB839}"/>
+                </a:ext>
+              </a:extLst>
+            </p:cNvPr>
+            <p:cNvSpPr/>
+            <p:nvPr/>
+          </p:nvSpPr>
+          <p:spPr>
+            <a:xfrm>
+              <a:off x="367863" y="2514601"/>
+              <a:ext cx="7819697" cy="3898557"/>
+            </a:xfrm>
+            <a:prstGeom prst="rect">
+              <a:avLst/>
+            </a:prstGeom>
+            <a:solidFill>
+              <a:schemeClr val="accent1">
+                <a:alpha val="18000"/>
+              </a:schemeClr>
+            </a:solidFill>
+            <a:ln>
+              <a:noFill/>
+            </a:ln>
+          </p:spPr>
+          <p:style>
+            <a:lnRef idx="1">
+              <a:schemeClr val="accent1"/>
+            </a:lnRef>
+            <a:fillRef idx="3">
+              <a:schemeClr val="accent1"/>
+            </a:fillRef>
+            <a:effectRef idx="2">
+              <a:schemeClr val="accent1"/>
+            </a:effectRef>
+            <a:fontRef idx="minor">
+              <a:schemeClr val="lt1"/>
+            </a:fontRef>
+          </p:style>
+          <p:txBody>
+            <a:bodyPr anchor="ctr"/>
+            <a:lstStyle/>
+            <a:p>
+              <a:pPr algn="ctr">
+                <a:defRPr/>
+              </a:pPr>
+              <a:endParaRPr lang="en-US">
+                <a:solidFill>
+                  <a:srgbClr val="FFFFFF"/>
+                </a:solidFill>
+                <a:latin typeface="Calibri" charset="0"/>
+                <a:ea typeface="ＭＳ Ｐゴシック" charset="0"/>
+                <a:cs typeface="Calibri" charset="0"/>
+              </a:endParaRPr>
+            </a:p>
+          </p:txBody>
+        </p:sp>
+        <p:pic>
+          <p:nvPicPr>
+            <p:cNvPr id="16" name="Picture 15">
+              <a:extLst>
+                <a:ext uri="{FF2B5EF4-FFF2-40B4-BE49-F238E27FC236}">
+                  <a16:creationId xmlns:a16="http://schemas.microsoft.com/office/drawing/2014/main" id="{41E650E9-BC48-0C4C-9090-506942FCD84F}"/>
+                </a:ext>
+              </a:extLst>
+            </p:cNvPr>
+            <p:cNvPicPr>
+              <a:picLocks noChangeAspect="1"/>
+            </p:cNvPicPr>
+            <p:nvPr/>
+          </p:nvPicPr>
+          <p:blipFill>
+            <a:blip r:embed="rId3"/>
+            <a:stretch>
+              <a:fillRect/>
+            </a:stretch>
+          </p:blipFill>
+          <p:spPr>
+            <a:xfrm>
+              <a:off x="488540" y="2640653"/>
+              <a:ext cx="3632886" cy="3632886"/>
+            </a:xfrm>
+            <a:prstGeom prst="rect">
+              <a:avLst/>
+            </a:prstGeom>
+          </p:spPr>
+        </p:pic>
+        <p:pic>
+          <p:nvPicPr>
+            <p:cNvPr id="17" name="Picture 1" descr="RNA-Seq-alignment.png">
+              <a:extLst>
+                <a:ext uri="{FF2B5EF4-FFF2-40B4-BE49-F238E27FC236}">
+                  <a16:creationId xmlns:a16="http://schemas.microsoft.com/office/drawing/2014/main" id="{812ED4DB-DE17-B64E-86A7-072BF8BA6A70}"/>
+                </a:ext>
+              </a:extLst>
+            </p:cNvPr>
+            <p:cNvPicPr>
+              <a:picLocks noChangeAspect="1"/>
+            </p:cNvPicPr>
+            <p:nvPr/>
+          </p:nvPicPr>
+          <p:blipFill>
+            <a:blip r:embed="rId4">
+              <a:extLst>
+                <a:ext uri="{28A0092B-C50C-407E-A947-70E740481C1C}">
+                  <a14:useLocalDpi xmlns:a14="http://schemas.microsoft.com/office/drawing/2010/main" val="0"/>
+                </a:ext>
+              </a:extLst>
+            </a:blip>
+            <a:srcRect/>
+            <a:stretch>
+              <a:fillRect/>
+            </a:stretch>
+          </p:blipFill>
+          <p:spPr bwMode="auto">
+            <a:xfrm>
+              <a:off x="4253254" y="2640653"/>
+              <a:ext cx="3797615" cy="3637252"/>
+            </a:xfrm>
+            <a:prstGeom prst="rect">
+              <a:avLst/>
+            </a:prstGeom>
+            <a:noFill/>
+            <a:ln>
+              <a:noFill/>
+            </a:ln>
+            <a:extLst>
+              <a:ext uri="{909E8E84-426E-40dd-AFC4-6F175D3DCCD1}">
+                <a14:hiddenFill xmlns="" xmlns:a14="http://schemas.microsoft.com/office/drawing/2010/main">
+                  <a:solidFill>
+                    <a:srgbClr val="FFFFFF"/>
+                  </a:solidFill>
+                </a14:hiddenFill>
+              </a:ext>
+              <a:ext uri="{91240B29-F687-4f45-9708-019B960494DF}">
+                <a14:hiddenLine xmlns="" xmlns:a14="http://schemas.microsoft.com/office/drawing/2010/main" w="9525">
+                  <a:solidFill>
+                    <a:srgbClr val="000000"/>
+                  </a:solidFill>
+                  <a:miter lim="800000"/>
+                  <a:headEnd/>
+                  <a:tailEnd/>
+                </a14:hiddenLine>
+              </a:ext>
+            </a:extLst>
+          </p:spPr>
+        </p:pic>
+      </p:grpSp>
     </p:spTree>
     <p:extLst>
       <p:ext uri="{BB962C8B-B14F-4D97-AF65-F5344CB8AC3E}">

--- a/assets/lectures/cshl/2019/mini/RNASeq_MiniLecture_01_02_Indexing.pptx
+++ b/assets/lectures/cshl/2019/mini/RNASeq_MiniLecture_01_02_Indexing.pptx
@@ -682,35 +682,6 @@
       </p:sp>
       <p:sp>
         <p:nvSpPr>
-          <p:cNvPr id="6" name="Slide Number Placeholder 5">
-            <a:extLst>
-              <a:ext uri="{FF2B5EF4-FFF2-40B4-BE49-F238E27FC236}">
-                <a16:creationId xmlns:a16="http://schemas.microsoft.com/office/drawing/2014/main" id="{D7256FAD-87EC-594B-B262-2B748B57FD14}"/>
-              </a:ext>
-            </a:extLst>
-          </p:cNvPr>
-          <p:cNvSpPr>
-            <a:spLocks noGrp="1"/>
-          </p:cNvSpPr>
-          <p:nvPr>
-            <p:ph type="sldNum" sz="quarter" idx="12"/>
-          </p:nvPr>
-        </p:nvSpPr>
-        <p:spPr/>
-        <p:txBody>
-          <a:bodyPr/>
-          <a:lstStyle/>
-          <a:p>
-            <a:fld id="{0B973F48-4628-F846-BA33-DDE653D83577}" type="slidenum">
-              <a:rPr lang="en-US" smtClean="0"/>
-              <a:t>‹#›</a:t>
-            </a:fld>
-            <a:endParaRPr lang="en-US"/>
-          </a:p>
-        </p:txBody>
-      </p:sp>
-      <p:sp>
-        <p:nvSpPr>
           <p:cNvPr id="7" name="Rectangle 6">
             <a:extLst>
               <a:ext uri="{FF2B5EF4-FFF2-40B4-BE49-F238E27FC236}">
@@ -810,14 +781,14 @@
           </a:ln>
           <a:extLst>
             <a:ext uri="{909E8E84-426E-40dd-AFC4-6F175D3DCCD1}">
-              <a14:hiddenFill xmlns="" xmlns:a14="http://schemas.microsoft.com/office/drawing/2010/main">
+              <a14:hiddenFill xmlns:a14="http://schemas.microsoft.com/office/drawing/2010/main" xmlns="">
                 <a:solidFill>
                   <a:srgbClr val="FFFFFF"/>
                 </a:solidFill>
               </a14:hiddenFill>
             </a:ext>
             <a:ext uri="{91240B29-F687-4f45-9708-019B960494DF}">
-              <a14:hiddenLine xmlns="" xmlns:a14="http://schemas.microsoft.com/office/drawing/2010/main" w="9525">
+              <a14:hiddenLine xmlns:a14="http://schemas.microsoft.com/office/drawing/2010/main" xmlns="" w="9525">
                 <a:solidFill>
                   <a:srgbClr val="000000"/>
                 </a:solidFill>
@@ -944,35 +915,6 @@
           </a:p>
         </p:txBody>
       </p:sp>
-      <p:sp>
-        <p:nvSpPr>
-          <p:cNvPr id="6" name="Slide Number Placeholder 5">
-            <a:extLst>
-              <a:ext uri="{FF2B5EF4-FFF2-40B4-BE49-F238E27FC236}">
-                <a16:creationId xmlns:a16="http://schemas.microsoft.com/office/drawing/2014/main" id="{CE0222C1-21B6-E14F-9F34-4E0C4221C434}"/>
-              </a:ext>
-            </a:extLst>
-          </p:cNvPr>
-          <p:cNvSpPr>
-            <a:spLocks noGrp="1"/>
-          </p:cNvSpPr>
-          <p:nvPr>
-            <p:ph type="sldNum" sz="quarter" idx="12"/>
-          </p:nvPr>
-        </p:nvSpPr>
-        <p:spPr/>
-        <p:txBody>
-          <a:bodyPr/>
-          <a:lstStyle/>
-          <a:p>
-            <a:fld id="{0B973F48-4628-F846-BA33-DDE653D83577}" type="slidenum">
-              <a:rPr lang="en-US" smtClean="0"/>
-              <a:t>‹#›</a:t>
-            </a:fld>
-            <a:endParaRPr lang="en-US"/>
-          </a:p>
-        </p:txBody>
-      </p:sp>
     </p:spTree>
     <p:extLst>
       <p:ext uri="{BB962C8B-B14F-4D97-AF65-F5344CB8AC3E}">
@@ -1095,35 +1037,6 @@
               <a:rPr lang="en-US"/>
               <a:t>Fifth level</a:t>
             </a:r>
-          </a:p>
-        </p:txBody>
-      </p:sp>
-      <p:sp>
-        <p:nvSpPr>
-          <p:cNvPr id="6" name="Slide Number Placeholder 5">
-            <a:extLst>
-              <a:ext uri="{FF2B5EF4-FFF2-40B4-BE49-F238E27FC236}">
-                <a16:creationId xmlns:a16="http://schemas.microsoft.com/office/drawing/2014/main" id="{C4C2FCA7-7A48-5E4F-BC6A-8A3BDBEAC3C1}"/>
-              </a:ext>
-            </a:extLst>
-          </p:cNvPr>
-          <p:cNvSpPr>
-            <a:spLocks noGrp="1"/>
-          </p:cNvSpPr>
-          <p:nvPr>
-            <p:ph type="sldNum" sz="quarter" idx="12"/>
-          </p:nvPr>
-        </p:nvSpPr>
-        <p:spPr/>
-        <p:txBody>
-          <a:bodyPr/>
-          <a:lstStyle/>
-          <a:p>
-            <a:fld id="{0B973F48-4628-F846-BA33-DDE653D83577}" type="slidenum">
-              <a:rPr lang="en-US" smtClean="0"/>
-              <a:t>‹#›</a:t>
-            </a:fld>
-            <a:endParaRPr lang="en-US"/>
           </a:p>
         </p:txBody>
       </p:sp>
@@ -1253,14 +1166,14 @@
           </a:ln>
           <a:extLst>
             <a:ext uri="{909E8E84-426E-40dd-AFC4-6F175D3DCCD1}">
-              <a14:hiddenFill xmlns="" xmlns:a14="http://schemas.microsoft.com/office/drawing/2010/main">
+              <a14:hiddenFill xmlns:a14="http://schemas.microsoft.com/office/drawing/2010/main" xmlns="">
                 <a:solidFill>
                   <a:srgbClr val="FFFFFF"/>
                 </a:solidFill>
               </a14:hiddenFill>
             </a:ext>
             <a:ext uri="{91240B29-F687-4f45-9708-019B960494DF}">
-              <a14:hiddenLine xmlns="" xmlns:a14="http://schemas.microsoft.com/office/drawing/2010/main" w="9525">
+              <a14:hiddenLine xmlns:a14="http://schemas.microsoft.com/office/drawing/2010/main" xmlns="" w="9525">
                 <a:solidFill>
                   <a:srgbClr val="000000"/>
                 </a:solidFill>
@@ -1387,35 +1300,6 @@
           </a:p>
         </p:txBody>
       </p:sp>
-      <p:sp>
-        <p:nvSpPr>
-          <p:cNvPr id="6" name="Slide Number Placeholder 5">
-            <a:extLst>
-              <a:ext uri="{FF2B5EF4-FFF2-40B4-BE49-F238E27FC236}">
-                <a16:creationId xmlns:a16="http://schemas.microsoft.com/office/drawing/2014/main" id="{BBA7E5F7-C396-4941-BBC4-7BEAF927C071}"/>
-              </a:ext>
-            </a:extLst>
-          </p:cNvPr>
-          <p:cNvSpPr>
-            <a:spLocks noGrp="1"/>
-          </p:cNvSpPr>
-          <p:nvPr>
-            <p:ph type="sldNum" sz="quarter" idx="12"/>
-          </p:nvPr>
-        </p:nvSpPr>
-        <p:spPr/>
-        <p:txBody>
-          <a:bodyPr/>
-          <a:lstStyle/>
-          <a:p>
-            <a:fld id="{0B973F48-4628-F846-BA33-DDE653D83577}" type="slidenum">
-              <a:rPr lang="en-US" smtClean="0"/>
-              <a:t>‹#›</a:t>
-            </a:fld>
-            <a:endParaRPr lang="en-US"/>
-          </a:p>
-        </p:txBody>
-      </p:sp>
     </p:spTree>
     <p:extLst>
       <p:ext uri="{BB962C8B-B14F-4D97-AF65-F5344CB8AC3E}">
@@ -1605,35 +1489,6 @@
               <a:rPr lang="en-US"/>
               <a:t>Edit Master text styles</a:t>
             </a:r>
-          </a:p>
-        </p:txBody>
-      </p:sp>
-      <p:sp>
-        <p:nvSpPr>
-          <p:cNvPr id="6" name="Slide Number Placeholder 5">
-            <a:extLst>
-              <a:ext uri="{FF2B5EF4-FFF2-40B4-BE49-F238E27FC236}">
-                <a16:creationId xmlns:a16="http://schemas.microsoft.com/office/drawing/2014/main" id="{E5EEE93E-C8A1-354A-AF1E-19A5283E305A}"/>
-              </a:ext>
-            </a:extLst>
-          </p:cNvPr>
-          <p:cNvSpPr>
-            <a:spLocks noGrp="1"/>
-          </p:cNvSpPr>
-          <p:nvPr>
-            <p:ph type="sldNum" sz="quarter" idx="12"/>
-          </p:nvPr>
-        </p:nvSpPr>
-        <p:spPr/>
-        <p:txBody>
-          <a:bodyPr/>
-          <a:lstStyle/>
-          <a:p>
-            <a:fld id="{0B973F48-4628-F846-BA33-DDE653D83577}" type="slidenum">
-              <a:rPr lang="en-US" smtClean="0"/>
-              <a:t>‹#›</a:t>
-            </a:fld>
-            <a:endParaRPr lang="en-US"/>
           </a:p>
         </p:txBody>
       </p:sp>
@@ -1819,35 +1674,6 @@
           </a:p>
         </p:txBody>
       </p:sp>
-      <p:sp>
-        <p:nvSpPr>
-          <p:cNvPr id="7" name="Slide Number Placeholder 6">
-            <a:extLst>
-              <a:ext uri="{FF2B5EF4-FFF2-40B4-BE49-F238E27FC236}">
-                <a16:creationId xmlns:a16="http://schemas.microsoft.com/office/drawing/2014/main" id="{FB759064-C295-474C-91BC-B8179C14C201}"/>
-              </a:ext>
-            </a:extLst>
-          </p:cNvPr>
-          <p:cNvSpPr>
-            <a:spLocks noGrp="1"/>
-          </p:cNvSpPr>
-          <p:nvPr>
-            <p:ph type="sldNum" sz="quarter" idx="12"/>
-          </p:nvPr>
-        </p:nvSpPr>
-        <p:spPr/>
-        <p:txBody>
-          <a:bodyPr/>
-          <a:lstStyle/>
-          <a:p>
-            <a:fld id="{0B973F48-4628-F846-BA33-DDE653D83577}" type="slidenum">
-              <a:rPr lang="en-US" smtClean="0"/>
-              <a:t>‹#›</a:t>
-            </a:fld>
-            <a:endParaRPr lang="en-US"/>
-          </a:p>
-        </p:txBody>
-      </p:sp>
     </p:spTree>
     <p:extLst>
       <p:ext uri="{BB962C8B-B14F-4D97-AF65-F5344CB8AC3E}">
@@ -2174,35 +2000,6 @@
               <a:rPr lang="en-US"/>
               <a:t>Fifth level</a:t>
             </a:r>
-          </a:p>
-        </p:txBody>
-      </p:sp>
-      <p:sp>
-        <p:nvSpPr>
-          <p:cNvPr id="9" name="Slide Number Placeholder 8">
-            <a:extLst>
-              <a:ext uri="{FF2B5EF4-FFF2-40B4-BE49-F238E27FC236}">
-                <a16:creationId xmlns:a16="http://schemas.microsoft.com/office/drawing/2014/main" id="{B72AE139-D882-D94E-B377-D84A207665BF}"/>
-              </a:ext>
-            </a:extLst>
-          </p:cNvPr>
-          <p:cNvSpPr>
-            <a:spLocks noGrp="1"/>
-          </p:cNvSpPr>
-          <p:nvPr>
-            <p:ph type="sldNum" sz="quarter" idx="12"/>
-          </p:nvPr>
-        </p:nvSpPr>
-        <p:spPr/>
-        <p:txBody>
-          <a:bodyPr/>
-          <a:lstStyle/>
-          <a:p>
-            <a:fld id="{0B973F48-4628-F846-BA33-DDE653D83577}" type="slidenum">
-              <a:rPr lang="en-US" smtClean="0"/>
-              <a:t>‹#›</a:t>
-            </a:fld>
-            <a:endParaRPr lang="en-US"/>
           </a:p>
         </p:txBody>
       </p:sp>
@@ -2264,35 +2061,6 @@
           </a:p>
         </p:txBody>
       </p:sp>
-      <p:sp>
-        <p:nvSpPr>
-          <p:cNvPr id="5" name="Slide Number Placeholder 4">
-            <a:extLst>
-              <a:ext uri="{FF2B5EF4-FFF2-40B4-BE49-F238E27FC236}">
-                <a16:creationId xmlns:a16="http://schemas.microsoft.com/office/drawing/2014/main" id="{81EC7837-FC7B-6043-8182-02D7718729CA}"/>
-              </a:ext>
-            </a:extLst>
-          </p:cNvPr>
-          <p:cNvSpPr>
-            <a:spLocks noGrp="1"/>
-          </p:cNvSpPr>
-          <p:nvPr>
-            <p:ph type="sldNum" sz="quarter" idx="12"/>
-          </p:nvPr>
-        </p:nvSpPr>
-        <p:spPr/>
-        <p:txBody>
-          <a:bodyPr/>
-          <a:lstStyle/>
-          <a:p>
-            <a:fld id="{0B973F48-4628-F846-BA33-DDE653D83577}" type="slidenum">
-              <a:rPr lang="en-US" smtClean="0"/>
-              <a:t>‹#›</a:t>
-            </a:fld>
-            <a:endParaRPr lang="en-US"/>
-          </a:p>
-        </p:txBody>
-      </p:sp>
     </p:spTree>
     <p:extLst>
       <p:ext uri="{BB962C8B-B14F-4D97-AF65-F5344CB8AC3E}">
@@ -2323,35 +2091,6 @@
           <a:chExt cx="0" cy="0"/>
         </a:xfrm>
       </p:grpSpPr>
-      <p:sp>
-        <p:nvSpPr>
-          <p:cNvPr id="4" name="Slide Number Placeholder 3">
-            <a:extLst>
-              <a:ext uri="{FF2B5EF4-FFF2-40B4-BE49-F238E27FC236}">
-                <a16:creationId xmlns:a16="http://schemas.microsoft.com/office/drawing/2014/main" id="{D575A9DD-FA0A-D64B-B42E-72A4B0E3557A}"/>
-              </a:ext>
-            </a:extLst>
-          </p:cNvPr>
-          <p:cNvSpPr>
-            <a:spLocks noGrp="1"/>
-          </p:cNvSpPr>
-          <p:nvPr>
-            <p:ph type="sldNum" sz="quarter" idx="12"/>
-          </p:nvPr>
-        </p:nvSpPr>
-        <p:spPr/>
-        <p:txBody>
-          <a:bodyPr/>
-          <a:lstStyle/>
-          <a:p>
-            <a:fld id="{0B973F48-4628-F846-BA33-DDE653D83577}" type="slidenum">
-              <a:rPr lang="en-US" smtClean="0"/>
-              <a:t>‹#›</a:t>
-            </a:fld>
-            <a:endParaRPr lang="en-US"/>
-          </a:p>
-        </p:txBody>
-      </p:sp>
     </p:spTree>
     <p:extLst>
       <p:ext uri="{BB962C8B-B14F-4D97-AF65-F5344CB8AC3E}">
@@ -2580,35 +2319,6 @@
           </a:p>
         </p:txBody>
       </p:sp>
-      <p:sp>
-        <p:nvSpPr>
-          <p:cNvPr id="7" name="Slide Number Placeholder 6">
-            <a:extLst>
-              <a:ext uri="{FF2B5EF4-FFF2-40B4-BE49-F238E27FC236}">
-                <a16:creationId xmlns:a16="http://schemas.microsoft.com/office/drawing/2014/main" id="{3BCAFAD0-D61F-3F4F-8E0D-9A64CA7C4640}"/>
-              </a:ext>
-            </a:extLst>
-          </p:cNvPr>
-          <p:cNvSpPr>
-            <a:spLocks noGrp="1"/>
-          </p:cNvSpPr>
-          <p:nvPr>
-            <p:ph type="sldNum" sz="quarter" idx="12"/>
-          </p:nvPr>
-        </p:nvSpPr>
-        <p:spPr/>
-        <p:txBody>
-          <a:bodyPr/>
-          <a:lstStyle/>
-          <a:p>
-            <a:fld id="{0B973F48-4628-F846-BA33-DDE653D83577}" type="slidenum">
-              <a:rPr lang="en-US" smtClean="0"/>
-              <a:t>‹#›</a:t>
-            </a:fld>
-            <a:endParaRPr lang="en-US"/>
-          </a:p>
-        </p:txBody>
-      </p:sp>
     </p:spTree>
     <p:extLst>
       <p:ext uri="{BB962C8B-B14F-4D97-AF65-F5344CB8AC3E}">
@@ -2811,35 +2521,6 @@
               <a:rPr lang="en-US"/>
               <a:t>Edit Master text styles</a:t>
             </a:r>
-          </a:p>
-        </p:txBody>
-      </p:sp>
-      <p:sp>
-        <p:nvSpPr>
-          <p:cNvPr id="7" name="Slide Number Placeholder 6">
-            <a:extLst>
-              <a:ext uri="{FF2B5EF4-FFF2-40B4-BE49-F238E27FC236}">
-                <a16:creationId xmlns:a16="http://schemas.microsoft.com/office/drawing/2014/main" id="{7E12F28C-AB7A-EF4C-84CD-F4B5CE4282E4}"/>
-              </a:ext>
-            </a:extLst>
-          </p:cNvPr>
-          <p:cNvSpPr>
-            <a:spLocks noGrp="1"/>
-          </p:cNvSpPr>
-          <p:nvPr>
-            <p:ph type="sldNum" sz="quarter" idx="12"/>
-          </p:nvPr>
-        </p:nvSpPr>
-        <p:spPr/>
-        <p:txBody>
-          <a:bodyPr/>
-          <a:lstStyle/>
-          <a:p>
-            <a:fld id="{0B973F48-4628-F846-BA33-DDE653D83577}" type="slidenum">
-              <a:rPr lang="en-US" smtClean="0"/>
-              <a:t>‹#›</a:t>
-            </a:fld>
-            <a:endParaRPr lang="en-US"/>
           </a:p>
         </p:txBody>
       </p:sp>
@@ -2980,53 +2661,6 @@
               <a:rPr lang="en-US"/>
               <a:t>Fifth level</a:t>
             </a:r>
-          </a:p>
-        </p:txBody>
-      </p:sp>
-      <p:sp>
-        <p:nvSpPr>
-          <p:cNvPr id="6" name="Slide Number Placeholder 5">
-            <a:extLst>
-              <a:ext uri="{FF2B5EF4-FFF2-40B4-BE49-F238E27FC236}">
-                <a16:creationId xmlns:a16="http://schemas.microsoft.com/office/drawing/2014/main" id="{7F50DDCB-DB12-4B4D-B2A3-DF7E27851109}"/>
-              </a:ext>
-            </a:extLst>
-          </p:cNvPr>
-          <p:cNvSpPr>
-            <a:spLocks noGrp="1"/>
-          </p:cNvSpPr>
-          <p:nvPr>
-            <p:ph type="sldNum" sz="quarter" idx="4"/>
-          </p:nvPr>
-        </p:nvSpPr>
-        <p:spPr>
-          <a:xfrm>
-            <a:off x="9448800" y="6065837"/>
-            <a:ext cx="2743200" cy="365125"/>
-          </a:xfrm>
-          <a:prstGeom prst="rect">
-            <a:avLst/>
-          </a:prstGeom>
-        </p:spPr>
-        <p:txBody>
-          <a:bodyPr vert="horz" lIns="91440" tIns="45720" rIns="91440" bIns="45720" rtlCol="0" anchor="ctr"/>
-          <a:lstStyle>
-            <a:lvl1pPr algn="r">
-              <a:defRPr sz="1200">
-                <a:solidFill>
-                  <a:schemeClr val="tx1">
-                    <a:tint val="75000"/>
-                  </a:schemeClr>
-                </a:solidFill>
-              </a:defRPr>
-            </a:lvl1pPr>
-          </a:lstStyle>
-          <a:p>
-            <a:fld id="{0B973F48-4628-F846-BA33-DDE653D83577}" type="slidenum">
-              <a:rPr lang="en-US" smtClean="0"/>
-              <a:t>‹#›</a:t>
-            </a:fld>
-            <a:endParaRPr lang="en-US" dirty="0"/>
           </a:p>
         </p:txBody>
       </p:sp>
@@ -3257,14 +2891,14 @@
           </a:ln>
           <a:extLst>
             <a:ext uri="{909E8E84-426E-40dd-AFC4-6F175D3DCCD1}">
-              <a14:hiddenFill xmlns="" xmlns:a14="http://schemas.microsoft.com/office/drawing/2010/main">
+              <a14:hiddenFill xmlns:a14="http://schemas.microsoft.com/office/drawing/2010/main" xmlns="">
                 <a:solidFill>
                   <a:srgbClr val="FFFFFF"/>
                 </a:solidFill>
               </a14:hiddenFill>
             </a:ext>
             <a:ext uri="{91240B29-F687-4f45-9708-019B960494DF}">
-              <a14:hiddenLine xmlns="" xmlns:a14="http://schemas.microsoft.com/office/drawing/2010/main" w="9525">
+              <a14:hiddenLine xmlns:a14="http://schemas.microsoft.com/office/drawing/2010/main" xmlns="" w="9525">
                 <a:solidFill>
                   <a:srgbClr val="000000"/>
                 </a:solidFill>
@@ -4354,14 +3988,14 @@
             </a:ln>
             <a:extLst>
               <a:ext uri="{909E8E84-426E-40dd-AFC4-6F175D3DCCD1}">
-                <a14:hiddenFill xmlns="" xmlns:a14="http://schemas.microsoft.com/office/drawing/2010/main">
+                <a14:hiddenFill xmlns:a14="http://schemas.microsoft.com/office/drawing/2010/main" xmlns="">
                   <a:solidFill>
                     <a:srgbClr val="FFFFFF"/>
                   </a:solidFill>
                 </a14:hiddenFill>
               </a:ext>
               <a:ext uri="{91240B29-F687-4f45-9708-019B960494DF}">
-                <a14:hiddenLine xmlns="" xmlns:a14="http://schemas.microsoft.com/office/drawing/2010/main" w="9525">
+                <a14:hiddenLine xmlns:a14="http://schemas.microsoft.com/office/drawing/2010/main" xmlns="" w="9525">
                   <a:solidFill>
                     <a:srgbClr val="000000"/>
                   </a:solidFill>
@@ -4505,14 +4139,14 @@
             </a:ln>
             <a:extLst>
               <a:ext uri="{909E8E84-426E-40dd-AFC4-6F175D3DCCD1}">
-                <a14:hiddenFill xmlns="" xmlns:a14="http://schemas.microsoft.com/office/drawing/2010/main">
+                <a14:hiddenFill xmlns:a14="http://schemas.microsoft.com/office/drawing/2010/main" xmlns="">
                   <a:solidFill>
                     <a:srgbClr val="FFFFFF"/>
                   </a:solidFill>
                 </a14:hiddenFill>
               </a:ext>
               <a:ext uri="{91240B29-F687-4f45-9708-019B960494DF}">
-                <a14:hiddenLine xmlns="" xmlns:a14="http://schemas.microsoft.com/office/drawing/2010/main" w="9525">
+                <a14:hiddenLine xmlns:a14="http://schemas.microsoft.com/office/drawing/2010/main" xmlns="" w="9525">
                   <a:solidFill>
                     <a:srgbClr val="000000"/>
                   </a:solidFill>

--- a/assets/lectures/cshl/2019/mini/RNASeq_MiniLecture_01_02_Indexing.pptx
+++ b/assets/lectures/cshl/2019/mini/RNASeq_MiniLecture_01_02_Indexing.pptx
@@ -2865,10 +2865,10 @@
       </p:sp>
       <p:sp>
         <p:nvSpPr>
-          <p:cNvPr id="11" name="TextBox 10">
+          <p:cNvPr id="12" name="TextBox 11">
             <a:extLst>
               <a:ext uri="{FF2B5EF4-FFF2-40B4-BE49-F238E27FC236}">
-                <a16:creationId xmlns:a16="http://schemas.microsoft.com/office/drawing/2014/main" id="{2CE4FBA7-EA83-4B4B-A7C6-F0F5766917AC}"/>
+                <a16:creationId xmlns:a16="http://schemas.microsoft.com/office/drawing/2014/main" id="{8D0A25A4-B748-4941-8ACF-47B54E197631}"/>
               </a:ext>
             </a:extLst>
           </p:cNvPr>
@@ -2879,8 +2879,8 @@
         </p:nvSpPr>
         <p:spPr bwMode="auto">
           <a:xfrm>
-            <a:off x="0" y="6430962"/>
-            <a:ext cx="6705600" cy="396875"/>
+            <a:off x="111760" y="6447904"/>
+            <a:ext cx="2521392" cy="369332"/>
           </a:xfrm>
           <a:prstGeom prst="rect">
             <a:avLst/>
@@ -2910,7 +2910,7 @@
           </a:extLst>
         </p:spPr>
         <p:txBody>
-          <a:bodyPr>
+          <a:bodyPr wrap="square">
             <a:spAutoFit/>
           </a:bodyPr>
           <a:lstStyle>
@@ -3026,24 +3026,24 @@
               <a:defRPr/>
             </a:pPr>
             <a:r>
-              <a:rPr lang="en-US" sz="2000" b="1" dirty="0">
+              <a:rPr lang="en-US" sz="1800" b="1" dirty="0">
                 <a:solidFill>
                   <a:schemeClr val="bg1"/>
                 </a:solidFill>
                 <a:latin typeface="Calibri" charset="0"/>
                 <a:cs typeface="Calibri" charset="0"/>
               </a:rPr>
-              <a:t>Module 1</a:t>
+              <a:t>Module 1 </a:t>
             </a:r>
           </a:p>
         </p:txBody>
       </p:sp>
       <p:sp>
         <p:nvSpPr>
-          <p:cNvPr id="12" name="TextBox 11">
+          <p:cNvPr id="14" name="TextBox 13">
             <a:extLst>
               <a:ext uri="{FF2B5EF4-FFF2-40B4-BE49-F238E27FC236}">
-                <a16:creationId xmlns:a16="http://schemas.microsoft.com/office/drawing/2014/main" id="{8EB12434-FD9E-4242-B813-5136B9D05A8A}"/>
+                <a16:creationId xmlns:a16="http://schemas.microsoft.com/office/drawing/2014/main" id="{59093C49-5997-CC42-A47E-489836C7EB1D}"/>
               </a:ext>
             </a:extLst>
           </p:cNvPr>
@@ -3052,8 +3052,8 @@
         </p:nvSpPr>
         <p:spPr>
           <a:xfrm>
-            <a:off x="9639300" y="6400800"/>
-            <a:ext cx="2362200" cy="457200"/>
+            <a:off x="9721408" y="6447904"/>
+            <a:ext cx="2362200" cy="369332"/>
           </a:xfrm>
           <a:prstGeom prst="rect">
             <a:avLst/>
@@ -3177,13 +3177,65 @@
               <a:defRPr/>
             </a:pPr>
             <a:r>
-              <a:rPr lang="en-US" b="1" dirty="0" err="1">
+              <a:rPr lang="en-US" sz="1800" b="1" dirty="0">
+                <a:solidFill>
+                  <a:schemeClr val="bg1"/>
+                </a:solidFill>
                 <a:cs typeface="Arial" charset="0"/>
               </a:rPr>
               <a:t>rnabio.org</a:t>
             </a:r>
-            <a:endParaRPr lang="en-US" dirty="0">
+            <a:endParaRPr lang="en-US" sz="1800" dirty="0">
+              <a:solidFill>
+                <a:schemeClr val="bg1"/>
+              </a:solidFill>
               <a:cs typeface="Arial" charset="0"/>
+            </a:endParaRPr>
+          </a:p>
+        </p:txBody>
+      </p:sp>
+      <p:sp>
+        <p:nvSpPr>
+          <p:cNvPr id="15" name="TextBox 14">
+            <a:extLst>
+              <a:ext uri="{FF2B5EF4-FFF2-40B4-BE49-F238E27FC236}">
+                <a16:creationId xmlns:a16="http://schemas.microsoft.com/office/drawing/2014/main" id="{0CC1AB21-1A92-4A41-BF1C-F1821CF84975}"/>
+              </a:ext>
+            </a:extLst>
+          </p:cNvPr>
+          <p:cNvSpPr txBox="1"/>
+          <p:nvPr userDrawn="1"/>
+        </p:nvSpPr>
+        <p:spPr>
+          <a:xfrm>
+            <a:off x="5867412" y="6447904"/>
+            <a:ext cx="457176" cy="369332"/>
+          </a:xfrm>
+          <a:prstGeom prst="rect">
+            <a:avLst/>
+          </a:prstGeom>
+          <a:noFill/>
+        </p:spPr>
+        <p:txBody>
+          <a:bodyPr wrap="none" rtlCol="0" anchor="ctr">
+            <a:spAutoFit/>
+          </a:bodyPr>
+          <a:lstStyle/>
+          <a:p>
+            <a:pPr algn="ctr"/>
+            <a:fld id="{0153C3B2-0654-1049-821D-A9450C27E9C9}" type="slidenum">
+              <a:rPr lang="en-US" sz="1800" smtClean="0">
+                <a:solidFill>
+                  <a:schemeClr val="bg1"/>
+                </a:solidFill>
+              </a:rPr>
+              <a:pPr algn="ctr"/>
+              <a:t>‹#›</a:t>
+            </a:fld>
+            <a:endParaRPr lang="en-US" sz="1800" dirty="0">
+              <a:solidFill>
+                <a:schemeClr val="bg1"/>
+              </a:solidFill>
             </a:endParaRPr>
           </a:p>
         </p:txBody>
